--- a/ISIS_April_2021/Wednesday_April_14th/4_Writing_a_component/1_Adapting_code_for_3.0_and_GPUs.pptx
+++ b/ISIS_April_2021/Wednesday_April_14th/4_Writing_a_component/1_Adapting_code_for_3.0_and_GPUs.pptx
@@ -27,8 +27,6 @@
     <p:sldId id="272" r:id="rId24"/>
     <p:sldId id="273" r:id="rId25"/>
     <p:sldId id="274" r:id="rId26"/>
-    <p:sldId id="275" r:id="rId27"/>
-    <p:sldId id="276" r:id="rId28"/>
   </p:sldIdLst>
   <p:sldSz cx="12179300" cy="6858000"/>
   <p:notesSz cx="6858000" cy="9144000"/>
@@ -34641,7 +34639,7 @@
       </p:grpSpPr>
       <p:sp>
         <p:nvSpPr>
-          <p:cNvPr id="657" name="Common error-messages:"/>
+          <p:cNvPr id="678" name="Samples required a good deal of (detective) work…"/>
           <p:cNvSpPr txBox="1"/>
           <p:nvPr>
             <p:ph type="title"/>
@@ -34658,24 +34656,20 @@
           <a:p>
             <a:pPr/>
             <a:r>
-              <a:t>Common error-messages:</a:t>
+              <a:t>Samples required a good deal of (detective) work…</a:t>
             </a:r>
           </a:p>
         </p:txBody>
       </p:sp>
       <p:sp>
         <p:nvSpPr>
-          <p:cNvPr id="658" name="At compile-time, nvc is quite informative if using -Minfo:accel…"/>
+          <p:cNvPr id="679" name="Key issue: (mis-) Use of / component DECLARE variables in TRACE for storing particle-dependent information, e.g. reflection list in PowderN etc. must be avoided.…"/>
           <p:cNvSpPr txBox="1"/>
           <p:nvPr>
             <p:ph type="body" idx="1"/>
           </p:nvPr>
         </p:nvSpPr>
         <p:spPr>
-          <a:xfrm>
-            <a:off x="1776970" y="1706399"/>
-            <a:ext cx="9312376" cy="4545579"/>
-          </a:xfrm>
           <a:prstGeom prst="rect">
             <a:avLst/>
           </a:prstGeom>
@@ -34684,46 +34678,74 @@
           <a:bodyPr/>
           <a:lstStyle/>
           <a:p>
-            <a:pPr/>
-            <a:r>
-              <a:t>At compile-time, nvc is quite informative if using -Minfo:accel</a:t>
-            </a:r>
-          </a:p>
-          <a:p>
-            <a:pPr lvl="1">
-              <a:buChar char="•"/>
+            <a:pPr marL="0" indent="0">
+              <a:buSzTx/>
+              <a:buNone/>
             </a:pPr>
-          </a:p>
-          <a:p>
-            <a:pPr/>
-          </a:p>
-          <a:p>
-            <a:pPr/>
-          </a:p>
-          <a:p>
-            <a:pPr/>
-          </a:p>
-          <a:p>
-            <a:pPr/>
-            <a:r>
-              <a:t>At runtime, this indicates a GPU segfault</a:t>
+            <a:r>
+              <a:t>Key issue: (mis-) Use of / component DECLARE variables in TRACE for storing particle-dependent information, e.g. reflection list in PowderN etc. must be avoided.</a:t>
+            </a:r>
+          </a:p>
+          <a:p>
+            <a:pPr marL="0" indent="0">
+              <a:buSzTx/>
+              <a:buNone/>
+            </a:pPr>
+          </a:p>
+          <a:p>
+            <a:pPr marL="0" indent="0">
+              <a:buSzTx/>
+              <a:buNone/>
+            </a:pPr>
+            <a:r>
+              <a:t>Solutions:</a:t>
+            </a:r>
+          </a:p>
+          <a:p>
+            <a:pPr marL="0" indent="0">
+              <a:buSzTx/>
+              <a:buNone/>
+            </a:pPr>
+            <a:r>
+              <a:t>1) Make local thread-variables, e.g.</a:t>
+            </a:r>
+          </a:p>
+          <a:p>
+            <a:pPr marL="0" indent="0">
+              <a:buSzTx/>
+              <a:buNone/>
+            </a:pPr>
+          </a:p>
+          <a:p>
+            <a:pPr marL="0" indent="0">
+              <a:buSzTx/>
+              <a:buNone/>
+            </a:pPr>
+          </a:p>
+          <a:p>
+            <a:pPr marL="0" indent="0">
+              <a:buSzTx/>
+              <a:buNone/>
+            </a:pPr>
+          </a:p>
+          <a:p>
+            <a:pPr marL="0" indent="0">
+              <a:buSzTx/>
+              <a:buNone/>
+            </a:pPr>
+            <a:r>
+              <a:t>2) Where meaningful, one could </a:t>
             </a:r>
             <a:br/>
-            <a:br/>
-          </a:p>
-          <a:p>
-            <a:pPr lvl="1">
-              <a:buChar char="•"/>
-            </a:pPr>
-            <a:r>
-              <a:t>Often a symptom of “illegal access”, colliding memory, something isn’t thread-safe…</a:t>
+            <a:r>
+              <a:t>make atomic sections ala the monitors</a:t>
             </a:r>
           </a:p>
         </p:txBody>
       </p:sp>
       <p:sp>
         <p:nvSpPr>
-          <p:cNvPr id="659" name="Slide Number"/>
+          <p:cNvPr id="680" name="Slide Number"/>
           <p:cNvSpPr txBox="1"/>
           <p:nvPr>
             <p:ph type="sldNum" sz="quarter" idx="2"/>
@@ -34748,22 +34770,92 @@
           </a:p>
         </p:txBody>
       </p:sp>
-      <p:sp>
-        <p:nvSpPr>
-          <p:cNvPr id="660" name="Failing in Thread:1…"/>
-          <p:cNvSpPr txBox="1"/>
+      <p:pic>
+        <p:nvPicPr>
+          <p:cNvPr id="681" name="Screenshot 2020-11-11 at 14.24.41.png" descr="Screenshot 2020-11-11 at 14.24.41.png"/>
+          <p:cNvPicPr>
+            <a:picLocks noChangeAspect="1"/>
+          </p:cNvPicPr>
           <p:nvPr/>
-        </p:nvSpPr>
+        </p:nvPicPr>
+        <p:blipFill>
+          <a:blip r:embed="rId2">
+            <a:extLst/>
+          </a:blip>
+          <a:stretch>
+            <a:fillRect/>
+          </a:stretch>
+        </p:blipFill>
         <p:spPr>
           <a:xfrm>
-            <a:off x="1941984" y="3674388"/>
-            <a:ext cx="8434171" cy="609601"/>
+            <a:off x="5990581" y="2219948"/>
+            <a:ext cx="6144209" cy="4618397"/>
           </a:xfrm>
           <a:prstGeom prst="rect">
             <a:avLst/>
           </a:prstGeom>
           <a:ln w="12700">
             <a:miter lim="400000"/>
+          </a:ln>
+        </p:spPr>
+      </p:pic>
+      <p:sp>
+        <p:nvSpPr>
+          <p:cNvPr id="682" name="Line"/>
+          <p:cNvSpPr/>
+          <p:nvPr/>
+        </p:nvSpPr>
+        <p:spPr>
+          <a:xfrm>
+            <a:off x="5459140" y="3044569"/>
+            <a:ext cx="541084" cy="1"/>
+          </a:xfrm>
+          <a:prstGeom prst="line">
+            <a:avLst/>
+          </a:prstGeom>
+          <a:ln w="25400">
+            <a:solidFill>
+              <a:schemeClr val="accent1"/>
+            </a:solidFill>
+            <a:tailEnd type="triangle"/>
+          </a:ln>
+          <a:effectLst>
+            <a:outerShdw sx="100000" sy="100000" kx="0" ky="0" algn="b" rotWithShape="0" blurRad="38100" dist="20000" dir="5400000">
+              <a:srgbClr val="000000">
+                <a:alpha val="38000"/>
+              </a:srgbClr>
+            </a:outerShdw>
+          </a:effectLst>
+        </p:spPr>
+        <p:txBody>
+          <a:bodyPr lIns="45719" rIns="45719"/>
+          <a:lstStyle/>
+          <a:p>
+            <a:pPr/>
+          </a:p>
+        </p:txBody>
+      </p:sp>
+      <p:sp>
+        <p:nvSpPr>
+          <p:cNvPr id="683" name="Side-effect of thread-local vars:…"/>
+          <p:cNvSpPr/>
+          <p:nvPr/>
+        </p:nvSpPr>
+        <p:spPr>
+          <a:xfrm>
+            <a:off x="1635311" y="4893798"/>
+            <a:ext cx="4075336" cy="1920265"/>
+          </a:xfrm>
+          <a:prstGeom prst="rect">
+            <a:avLst/>
+          </a:prstGeom>
+          <a:solidFill>
+            <a:srgbClr val="FFFFFF"/>
+          </a:solidFill>
+          <a:ln w="25400">
+            <a:solidFill>
+              <a:schemeClr val="accent1"/>
+            </a:solidFill>
           </a:ln>
           <a:extLst>
             <a:ext uri="{C572A759-6A51-4108-AA02-DFA0A04FC94B}">
@@ -34772,98 +34864,28 @@
           </a:extLst>
         </p:spPr>
         <p:txBody>
-          <a:bodyPr wrap="none" lIns="0" tIns="0" rIns="0" bIns="0">
-            <a:spAutoFit/>
-          </a:bodyPr>
+          <a:bodyPr lIns="46799" tIns="46799" rIns="46799" bIns="46799" anchor="ctr"/>
           <a:lstStyle/>
           <a:p>
-            <a:pPr defTabSz="457200">
-              <a:spcBef>
-                <a:spcPts val="0"/>
-              </a:spcBef>
-              <a:defRPr sz="1300">
-                <a:latin typeface="Courier"/>
-                <a:ea typeface="Courier"/>
-                <a:cs typeface="Courier"/>
-                <a:sym typeface="Courier"/>
-              </a:defRPr>
-            </a:pPr>
-            <a:r>
-              <a:t>Failing in Thread:1</a:t>
-            </a:r>
-          </a:p>
-          <a:p>
-            <a:pPr defTabSz="457200">
-              <a:spcBef>
-                <a:spcPts val="0"/>
-              </a:spcBef>
-              <a:defRPr sz="1300">
-                <a:latin typeface="Courier"/>
-                <a:ea typeface="Courier"/>
-                <a:cs typeface="Courier"/>
-                <a:sym typeface="Courier"/>
-              </a:defRPr>
-            </a:pPr>
-            <a:r>
-              <a:t>call to cuMemcpyDtoHAsync returned error 700: Illegal address during kernel execution</a:t>
-            </a:r>
-          </a:p>
-        </p:txBody>
-      </p:sp>
-      <p:sp>
-        <p:nvSpPr>
-          <p:cNvPr id="661" name="PGC-S-0155-Invalid atomic expression PGC-S-0000-Internal compiler error. Error: Detected unexpected atomic store opcode. PGC-S-0155-External variables used in acc routine need to be in #pragma acc create() - flag …"/>
-          <p:cNvSpPr txBox="1"/>
-          <p:nvPr/>
-        </p:nvSpPr>
-        <p:spPr>
-          <a:xfrm>
-            <a:off x="1918844" y="2017072"/>
-            <a:ext cx="9028628" cy="1016001"/>
-          </a:xfrm>
-          <a:prstGeom prst="rect">
-            <a:avLst/>
-          </a:prstGeom>
-          <a:ln w="12700">
-            <a:miter lim="400000"/>
-          </a:ln>
-          <a:extLst>
-            <a:ext uri="{C572A759-6A51-4108-AA02-DFA0A04FC94B}">
-              <ma14:wrappingTextBoxFlag xmlns:ma14="http://schemas.microsoft.com/office/mac/drawingml/2011/main" val="1"/>
-            </a:ext>
-          </a:extLst>
-        </p:spPr>
-        <p:txBody>
-          <a:bodyPr wrap="none" lIns="0" tIns="0" rIns="0" bIns="0">
-            <a:spAutoFit/>
-          </a:bodyPr>
-          <a:lstStyle/>
-          <a:p>
-            <a:pPr defTabSz="457200">
-              <a:spcBef>
-                <a:spcPts val="0"/>
-              </a:spcBef>
-              <a:defRPr sz="1300">
-                <a:latin typeface="Courier"/>
-                <a:ea typeface="Courier"/>
-                <a:cs typeface="Courier"/>
-                <a:sym typeface="Courier"/>
-              </a:defRPr>
-            </a:pPr>
-            <a:r>
-              <a:t>PGC-S-0155-Invalid atomic expression</a:t>
+            <a:pPr/>
+            <a:r>
+              <a:t>Side-effect of thread-local vars:</a:t>
+            </a:r>
+          </a:p>
+          <a:p>
+            <a:pPr/>
+            <a:r>
+              <a:t>Next neutron(s) in a SPLIT are no longer aware of e.g. available powder lines.</a:t>
+            </a:r>
+          </a:p>
+          <a:p>
+            <a:pPr/>
+            <a:r>
+              <a:t>Potential, future solution: Mechanism to inject comp-specific</a:t>
             </a:r>
             <a:br/>
             <a:r>
-              <a:t>PGC-S-0000-Internal compiler error. Error: Detected unexpected atomic store opcode.</a:t>
-            </a:r>
-            <a:br/>
-            <a:r>
-              <a:t>PGC-S-0155-External variables used in acc routine need to be in #pragma acc create() - flag</a:t>
-            </a:r>
-            <a:br/>
-            <a:r>
-              <a:t>…</a:t>
+              <a:t>code in the _particle</a:t>
             </a:r>
           </a:p>
         </p:txBody>
@@ -34896,7 +34918,7 @@
       </p:grpSpPr>
       <p:sp>
         <p:nvSpPr>
-          <p:cNvPr id="663" name="Porting a comp to GPU"/>
+          <p:cNvPr id="685" name="New monitor-tools for debugging use"/>
           <p:cNvSpPr txBox="1"/>
           <p:nvPr>
             <p:ph type="title"/>
@@ -34911,26 +34933,22 @@
           <a:bodyPr/>
           <a:lstStyle/>
           <a:p>
-            <a:pPr lvl="1"/>
-            <a:r>
-              <a:t>Porting a comp to GPU</a:t>
+            <a:pPr/>
+            <a:r>
+              <a:t>New monitor-tools for debugging use</a:t>
             </a:r>
           </a:p>
         </p:txBody>
       </p:sp>
       <p:sp>
         <p:nvSpPr>
-          <p:cNvPr id="664" name="All pars must be setting parameters.  New types: string a=“none”  and vector b ( either ={1,2,3,4} static init or via pointer.)…"/>
+          <p:cNvPr id="686" name="Useful for debugging even component internals: On McStas 3, if same ncount, same seed, same level of MPI parallelisation, the output should be identical on CPU and GPU…"/>
           <p:cNvSpPr txBox="1"/>
           <p:nvPr>
             <p:ph type="body" idx="1"/>
           </p:nvPr>
         </p:nvSpPr>
         <p:spPr>
-          <a:xfrm>
-            <a:off x="1901800" y="1706399"/>
-            <a:ext cx="9312375" cy="4545579"/>
-          </a:xfrm>
           <a:prstGeom prst="rect">
             <a:avLst/>
           </a:prstGeom>
@@ -34939,264 +34957,98 @@
           <a:bodyPr/>
           <a:lstStyle/>
           <a:p>
-            <a:pPr marL="150479" indent="-150479" defTabSz="694944">
-              <a:spcBef>
-                <a:spcPts val="300"/>
-              </a:spcBef>
-              <a:defRPr sz="1368"/>
-            </a:pPr>
+            <a:pPr/>
+          </a:p>
+          <a:p>
+            <a:pPr/>
+            <a:r>
+              <a:t>Useful for </a:t>
+            </a:r>
             <a:r>
               <a:rPr b="1"/>
-              <a:t>All pars must be setting parameters.</a:t>
+              <a:t>debugging</a:t>
+            </a:r>
+            <a:r>
+              <a:t> even </a:t>
+            </a:r>
+            <a:r>
+              <a:rPr b="1"/>
+              <a:t>component</a:t>
+            </a:r>
+            <a:r>
+              <a:t> internals:</a:t>
+            </a:r>
+            <a:br/>
+            <a:r>
+              <a:t>On McStas 3, if same ncount, same seed, same level of MPI parallelisation, the output</a:t>
+            </a:r>
+            <a:br/>
+            <a:r>
+              <a:t>should be </a:t>
+            </a:r>
+            <a:r>
+              <a:rPr b="1"/>
+              <a:t>identical</a:t>
+            </a:r>
+            <a:r>
+              <a:t> on CPU and GPU </a:t>
+            </a:r>
+            <a:br/>
+            <a:br/>
+            <a:br/>
+          </a:p>
+          <a:p>
+            <a:pPr/>
+            <a:r>
+              <a:rPr b="1"/>
+              <a:t>Event_monitor_simple(nevents=1e6)</a:t>
             </a:r>
             <a:r>
               <a:t> </a:t>
             </a:r>
             <a:br/>
             <a:r>
-              <a:t>New types: string a=“none”  and vector b ( either ={1,2,3,4} static init or via pointer.)</a:t>
-            </a:r>
-          </a:p>
-          <a:p>
-            <a:pPr marL="150479" indent="-150479" defTabSz="694944">
-              <a:spcBef>
-                <a:spcPts val="300"/>
-              </a:spcBef>
-              <a:defRPr sz="1368"/>
-            </a:pPr>
-          </a:p>
-          <a:p>
-            <a:pPr marL="150479" indent="-150479" defTabSz="694944">
-              <a:spcBef>
-                <a:spcPts val="300"/>
-              </a:spcBef>
-              <a:defRPr b="1" sz="1368"/>
-            </a:pPr>
-            <a:r>
-              <a:t>All function-declarations must be moved to SHARE</a:t>
-            </a:r>
-          </a:p>
-          <a:p>
-            <a:pPr marL="150479" indent="-150479" defTabSz="694944">
-              <a:spcBef>
-                <a:spcPts val="300"/>
-              </a:spcBef>
-              <a:defRPr sz="1368"/>
-            </a:pPr>
-          </a:p>
-          <a:p>
-            <a:pPr marL="150479" indent="-150479" defTabSz="694944">
-              <a:spcBef>
-                <a:spcPts val="300"/>
-              </a:spcBef>
-              <a:defRPr sz="1368"/>
-            </a:pPr>
+              <a:t>- basic non-Monitor_nD event monitor. Writes a “log” file, independent from detector_out macros</a:t>
+            </a:r>
+          </a:p>
+          <a:p>
+            <a:pPr/>
+          </a:p>
+          <a:p>
+            <a:pPr/>
             <a:r>
               <a:rPr b="1"/>
-              <a:t>DECLARE</a:t>
-            </a:r>
-            <a:r>
-              <a:t> must </a:t>
-            </a:r>
-            <a:r>
-              <a:rPr b="1" i="1"/>
-              <a:t>only</a:t>
-            </a:r>
-            <a:r>
-              <a:t> contain variable </a:t>
+              <a:t>Flex_monitor_1D</a:t>
+            </a:r>
+            <a:r>
+              <a:t> , </a:t>
             </a:r>
             <a:r>
               <a:rPr b="1"/>
-              <a:t>declarations</a:t>
-            </a:r>
-            <a:r>
-              <a:t>. All initialization resides in INITIALIZE</a:t>
+              <a:t>Flex_monitor_2D</a:t>
+            </a:r>
+            <a:r>
+              <a:t>, </a:t>
+            </a:r>
+            <a:r>
+              <a:rPr b="1"/>
+              <a:t>Flex_monitor_3D</a:t>
+            </a:r>
+            <a:r>
+              <a:t>, </a:t>
             </a:r>
             <a:br/>
-          </a:p>
-          <a:p>
-            <a:pPr marL="150479" indent="-150479" defTabSz="694944">
-              <a:spcBef>
-                <a:spcPts val="300"/>
-              </a:spcBef>
-              <a:defRPr sz="1368"/>
-            </a:pPr>
-            <a:r>
-              <a:rPr b="1"/>
-              <a:t>If the comp uses external libs</a:t>
-            </a:r>
-            <a:r>
-              <a:t> either</a:t>
-            </a:r>
-          </a:p>
-          <a:p>
-            <a:pPr lvl="1" marL="314640" indent="-150479" defTabSz="694944">
-              <a:spcBef>
-                <a:spcPts val="300"/>
-              </a:spcBef>
-              <a:buChar char="•"/>
-              <a:defRPr sz="1368"/>
-            </a:pPr>
-            <a:r>
-              <a:rPr b="1"/>
-              <a:t>Avoid use in component TRACE</a:t>
-            </a:r>
-            <a:r>
-              <a:t> (e.g. MCPL_input and output, handled in INIT/FINALLY)</a:t>
-            </a:r>
-          </a:p>
-          <a:p>
-            <a:pPr lvl="1" marL="314640" indent="-150479" defTabSz="694944">
-              <a:spcBef>
-                <a:spcPts val="300"/>
-              </a:spcBef>
-              <a:buChar char="•"/>
-              <a:defRPr sz="1368"/>
-            </a:pPr>
-            <a:r>
-              <a:rPr b="1"/>
-              <a:t>Use NOACC keyword</a:t>
-            </a:r>
-            <a:r>
-              <a:t> (e.g. Multilayer_sample use of GSL) - implies FUNNEL mode</a:t>
-            </a:r>
-          </a:p>
-          <a:p>
-            <a:pPr marL="150479" indent="-150479" defTabSz="694944">
-              <a:spcBef>
-                <a:spcPts val="300"/>
-              </a:spcBef>
-              <a:defRPr sz="1368"/>
-            </a:pPr>
-          </a:p>
-          <a:p>
-            <a:pPr marL="150479" indent="-150479" defTabSz="694944">
-              <a:spcBef>
-                <a:spcPts val="300"/>
-              </a:spcBef>
-              <a:defRPr sz="1368"/>
-            </a:pPr>
-            <a:r>
-              <a:rPr b="1"/>
-              <a:t>Add #pragma acc routine</a:t>
-            </a:r>
-            <a:r>
-              <a:t> to functions to execute in TRACE</a:t>
-            </a:r>
-          </a:p>
-          <a:p>
-            <a:pPr marL="150479" indent="-150479" defTabSz="694944">
-              <a:spcBef>
-                <a:spcPts val="300"/>
-              </a:spcBef>
-              <a:defRPr sz="1368"/>
-            </a:pPr>
-          </a:p>
-          <a:p>
-            <a:pPr marL="150479" indent="-150479" defTabSz="694944">
-              <a:spcBef>
-                <a:spcPts val="300"/>
-              </a:spcBef>
-              <a:defRPr sz="1368"/>
-            </a:pPr>
-            <a:r>
-              <a:rPr b="1"/>
-              <a:t>Functions that call rand01() </a:t>
-            </a:r>
-            <a:r>
-              <a:t>and friends </a:t>
-            </a:r>
-            <a:r>
-              <a:rPr b="1"/>
-              <a:t>must include _class_particle *_particle in footprint. </a:t>
-            </a:r>
-            <a:br>
-              <a:rPr b="1"/>
-            </a:br>
-            <a:r>
-              <a:t>(rand01() etc. are macros that carry thread-seed on _particle)s</a:t>
-            </a:r>
-          </a:p>
-          <a:p>
-            <a:pPr marL="150479" indent="-150479" defTabSz="694944">
-              <a:spcBef>
-                <a:spcPts val="300"/>
-              </a:spcBef>
-              <a:defRPr sz="1368"/>
-            </a:pPr>
-          </a:p>
-          <a:p>
-            <a:pPr marL="150479" indent="-150479" defTabSz="694944">
-              <a:spcBef>
-                <a:spcPts val="300"/>
-              </a:spcBef>
-              <a:defRPr sz="1368"/>
-            </a:pPr>
-            <a:r>
-              <a:t>Generally, </a:t>
-            </a:r>
-            <a:r>
-              <a:rPr b="1"/>
-              <a:t>don’t store ANY</a:t>
-            </a:r>
-            <a:r>
-              <a:t> particle-derived vars on comp struct, </a:t>
-            </a:r>
-            <a:r>
-              <a:rPr b="1"/>
-              <a:t>make local TRACE vars</a:t>
-            </a:r>
-            <a:r>
-              <a:t> instead. </a:t>
-            </a:r>
-          </a:p>
-          <a:p>
-            <a:pPr lvl="1" marL="314640" indent="-150479" defTabSz="694944">
-              <a:spcBef>
-                <a:spcPts val="300"/>
-              </a:spcBef>
-              <a:buChar char="•"/>
-              <a:defRPr sz="1368"/>
-            </a:pPr>
-            <a:r>
-              <a:t>Exception: Monitors, handle arrays in #pragma acc atomic clauses</a:t>
+            <a:r>
+              <a:t>simple 1/2/3D “uservar” monitors tapping into the instrument USERVARS ala Monitor_nD</a:t>
             </a:r>
             <a:br/>
-          </a:p>
-          <a:p>
-            <a:pPr marL="150479" indent="-150479" defTabSz="694944">
-              <a:spcBef>
-                <a:spcPts val="300"/>
-              </a:spcBef>
-              <a:defRPr sz="1368"/>
-            </a:pPr>
-            <a:r>
-              <a:rPr b="1"/>
-              <a:t>Don’t</a:t>
-            </a:r>
-            <a:r>
-              <a:t> use </a:t>
-            </a:r>
-            <a:r>
-              <a:rPr b="1"/>
-              <a:t>RESTORE_NEUTRON</a:t>
-            </a:r>
-            <a:r>
-              <a:t> in TRACE to do a </a:t>
-            </a:r>
-            <a:r>
-              <a:rPr b="1"/>
-              <a:t>local</a:t>
-            </a:r>
-            <a:r>
-              <a:t> restore, the macro only raises a flag</a:t>
-            </a:r>
+            <a:br/>
           </a:p>
         </p:txBody>
       </p:sp>
       <p:sp>
         <p:nvSpPr>
-          <p:cNvPr id="665" name="Slide Number"/>
+          <p:cNvPr id="687" name="Slide Number"/>
           <p:cNvSpPr txBox="1"/>
           <p:nvPr>
             <p:ph type="sldNum" sz="quarter" idx="2"/>
@@ -35218,193 +35070,6 @@
           <a:p>
             <a:pPr/>
             <a:fld id="{86CB4B4D-7CA3-9044-876B-883B54F8677D}" type="slidenum"/>
-          </a:p>
-        </p:txBody>
-      </p:sp>
-      <p:pic>
-        <p:nvPicPr>
-          <p:cNvPr id="666" name="Unknown.png" descr="Unknown.png"/>
-          <p:cNvPicPr>
-            <a:picLocks noChangeAspect="1"/>
-          </p:cNvPicPr>
-          <p:nvPr/>
-        </p:nvPicPr>
-        <p:blipFill>
-          <a:blip r:embed="rId2">
-            <a:extLst/>
-          </a:blip>
-          <a:stretch>
-            <a:fillRect/>
-          </a:stretch>
-        </p:blipFill>
-        <p:spPr>
-          <a:xfrm>
-            <a:off x="878435" y="4016376"/>
-            <a:ext cx="992494" cy="468848"/>
-          </a:xfrm>
-          <a:prstGeom prst="rect">
-            <a:avLst/>
-          </a:prstGeom>
-          <a:ln w="12700">
-            <a:miter lim="400000"/>
-          </a:ln>
-        </p:spPr>
-      </p:pic>
-      <p:pic>
-        <p:nvPicPr>
-          <p:cNvPr id="667" name="Unknown.png" descr="Unknown.png"/>
-          <p:cNvPicPr>
-            <a:picLocks noChangeAspect="1"/>
-          </p:cNvPicPr>
-          <p:nvPr/>
-        </p:nvPicPr>
-        <p:blipFill>
-          <a:blip r:embed="rId2">
-            <a:extLst/>
-          </a:blip>
-          <a:stretch>
-            <a:fillRect/>
-          </a:stretch>
-        </p:blipFill>
-        <p:spPr>
-          <a:xfrm>
-            <a:off x="878435" y="3468176"/>
-            <a:ext cx="992494" cy="468848"/>
-          </a:xfrm>
-          <a:prstGeom prst="rect">
-            <a:avLst/>
-          </a:prstGeom>
-          <a:ln w="12700">
-            <a:miter lim="400000"/>
-          </a:ln>
-        </p:spPr>
-      </p:pic>
-      <p:pic>
-        <p:nvPicPr>
-          <p:cNvPr id="668" name="Unknown.png" descr="Unknown.png"/>
-          <p:cNvPicPr>
-            <a:picLocks noChangeAspect="1"/>
-          </p:cNvPicPr>
-          <p:nvPr/>
-        </p:nvPicPr>
-        <p:blipFill>
-          <a:blip r:embed="rId2">
-            <a:extLst/>
-          </a:blip>
-          <a:stretch>
-            <a:fillRect/>
-          </a:stretch>
-        </p:blipFill>
-        <p:spPr>
-          <a:xfrm>
-            <a:off x="878435" y="4564576"/>
-            <a:ext cx="992494" cy="468848"/>
-          </a:xfrm>
-          <a:prstGeom prst="rect">
-            <a:avLst/>
-          </a:prstGeom>
-          <a:ln w="12700">
-            <a:miter lim="400000"/>
-          </a:ln>
-        </p:spPr>
-      </p:pic>
-      <p:pic>
-        <p:nvPicPr>
-          <p:cNvPr id="669" name="Unknown.png" descr="Unknown.png"/>
-          <p:cNvPicPr>
-            <a:picLocks noChangeAspect="1"/>
-          </p:cNvPicPr>
-          <p:nvPr/>
-        </p:nvPicPr>
-        <p:blipFill>
-          <a:blip r:embed="rId2">
-            <a:extLst/>
-          </a:blip>
-          <a:stretch>
-            <a:fillRect/>
-          </a:stretch>
-        </p:blipFill>
-        <p:spPr>
-          <a:xfrm>
-            <a:off x="878435" y="5177514"/>
-            <a:ext cx="992494" cy="468848"/>
-          </a:xfrm>
-          <a:prstGeom prst="rect">
-            <a:avLst/>
-          </a:prstGeom>
-          <a:ln w="12700">
-            <a:miter lim="400000"/>
-          </a:ln>
-        </p:spPr>
-      </p:pic>
-      <p:pic>
-        <p:nvPicPr>
-          <p:cNvPr id="670" name="CrossCheck_logo.jpg" descr="CrossCheck_logo.jpg"/>
-          <p:cNvPicPr>
-            <a:picLocks noChangeAspect="1"/>
-          </p:cNvPicPr>
-          <p:nvPr/>
-        </p:nvPicPr>
-        <p:blipFill>
-          <a:blip r:embed="rId3">
-            <a:extLst/>
-          </a:blip>
-          <a:stretch>
-            <a:fillRect/>
-          </a:stretch>
-        </p:blipFill>
-        <p:spPr>
-          <a:xfrm>
-            <a:off x="10085509" y="283554"/>
-            <a:ext cx="1492399" cy="256196"/>
-          </a:xfrm>
-          <a:prstGeom prst="rect">
-            <a:avLst/>
-          </a:prstGeom>
-          <a:ln w="12700">
-            <a:miter lim="400000"/>
-          </a:ln>
-        </p:spPr>
-      </p:pic>
-      <p:sp>
-        <p:nvSpPr>
-          <p:cNvPr id="671" name="Should give the SAME on CPU and GPU!"/>
-          <p:cNvSpPr txBox="1"/>
-          <p:nvPr/>
-        </p:nvSpPr>
-        <p:spPr>
-          <a:xfrm>
-            <a:off x="10126449" y="568277"/>
-            <a:ext cx="1410519" cy="300231"/>
-          </a:xfrm>
-          <a:prstGeom prst="rect">
-            <a:avLst/>
-          </a:prstGeom>
-          <a:ln w="12700">
-            <a:miter lim="400000"/>
-          </a:ln>
-          <a:extLst>
-            <a:ext uri="{C572A759-6A51-4108-AA02-DFA0A04FC94B}">
-              <ma14:wrappingTextBoxFlag xmlns:ma14="http://schemas.microsoft.com/office/mac/drawingml/2011/main" val="1"/>
-            </a:ext>
-          </a:extLst>
-        </p:spPr>
-        <p:txBody>
-          <a:bodyPr wrap="none" lIns="0" tIns="0" rIns="0" bIns="0">
-            <a:spAutoFit/>
-          </a:bodyPr>
-          <a:lstStyle/>
-          <a:p>
-            <a:pPr>
-              <a:defRPr sz="1100"/>
-            </a:pPr>
-            <a:r>
-              <a:t>Should give the SAME</a:t>
-            </a:r>
-            <a:br/>
-            <a:r>
-              <a:t>on CPU and GPU!</a:t>
-            </a:r>
           </a:p>
         </p:txBody>
       </p:sp>
@@ -35436,95 +35101,7 @@
       </p:grpSpPr>
       <p:sp>
         <p:nvSpPr>
-          <p:cNvPr id="673" name="Highlights of comps that work differently"/>
-          <p:cNvSpPr txBox="1"/>
-          <p:nvPr>
-            <p:ph type="title"/>
-          </p:nvPr>
-        </p:nvSpPr>
-        <p:spPr>
-          <a:prstGeom prst="rect">
-            <a:avLst/>
-          </a:prstGeom>
-        </p:spPr>
-        <p:txBody>
-          <a:bodyPr/>
-          <a:lstStyle/>
-          <a:p>
-            <a:pPr/>
-            <a:r>
-              <a:t>Highlights of comps that work differently</a:t>
-            </a:r>
-          </a:p>
-        </p:txBody>
-      </p:sp>
-      <p:sp>
-        <p:nvSpPr>
-          <p:cNvPr id="674" name="Monitor_nD  uservars are strings user1=“flag”, they use _particle_getvar to access instrument USERVARS…"/>
-          <p:cNvSpPr txBox="1"/>
-          <p:nvPr>
-            <p:ph type="body" idx="1"/>
-          </p:nvPr>
-        </p:nvSpPr>
-        <p:spPr>
-          <a:xfrm>
-            <a:off x="1350568" y="2115204"/>
-            <a:ext cx="9312375" cy="4545579"/>
-          </a:xfrm>
-          <a:prstGeom prst="rect">
-            <a:avLst/>
-          </a:prstGeom>
-        </p:spPr>
-        <p:txBody>
-          <a:bodyPr/>
-          <a:lstStyle/>
-          <a:p>
-            <a:pPr/>
-            <a:r>
-              <a:t>Monitor_nD </a:t>
-            </a:r>
-            <a:br/>
-            <a:r>
-              <a:t>uservars are strings user1=“flag”, they use _particle_getvar to access instrument USERVARS</a:t>
-            </a:r>
-            <a:br/>
-            <a:br/>
-          </a:p>
-          <a:p>
-            <a:pPr/>
-            <a:r>
-              <a:t>MCPL_input and MCPL_output </a:t>
-            </a:r>
-            <a:br/>
-            <a:r>
-              <a:t>do most of their work in INIT/FINALLY - buffers transferred for TRACE use</a:t>
-            </a:r>
-            <a:br/>
-            <a:br/>
-          </a:p>
-          <a:p>
-            <a:pPr/>
-            <a:r>
-              <a:t>PowderN + Single_crystal + Isotropic_sqw </a:t>
-            </a:r>
-            <a:br/>
-            <a:r>
-              <a:t>don’t check for “same particle as before”</a:t>
-            </a:r>
-            <a:br/>
-            <a:r>
-              <a:t>- in SPLIT cases, no particle state info is kept </a:t>
-            </a:r>
-            <a:br/>
-            <a:r>
-              <a:t>(we could potentially use _particle and “USERVARS” injected from the comps…)</a:t>
-            </a:r>
-          </a:p>
-        </p:txBody>
-      </p:sp>
-      <p:sp>
-        <p:nvSpPr>
-          <p:cNvPr id="675" name="Slide Number"/>
+          <p:cNvPr id="689" name="Slide Number"/>
           <p:cNvSpPr txBox="1"/>
           <p:nvPr>
             <p:ph type="sldNum" sz="quarter" idx="2"/>
@@ -35546,6 +35123,226 @@
           <a:p>
             <a:pPr/>
             <a:fld id="{86CB4B4D-7CA3-9044-876B-883B54F8677D}" type="slidenum"/>
+          </a:p>
+        </p:txBody>
+      </p:sp>
+      <p:pic>
+        <p:nvPicPr>
+          <p:cNvPr id="690" name="Screenshot 2020-01-17 at 22.06.45.png" descr="Screenshot 2020-01-17 at 22.06.45.png"/>
+          <p:cNvPicPr>
+            <a:picLocks noChangeAspect="1"/>
+          </p:cNvPicPr>
+          <p:nvPr/>
+        </p:nvPicPr>
+        <p:blipFill>
+          <a:blip r:embed="rId2">
+            <a:extLst/>
+          </a:blip>
+          <a:stretch>
+            <a:fillRect/>
+          </a:stretch>
+        </p:blipFill>
+        <p:spPr>
+          <a:xfrm>
+            <a:off x="1797050" y="965200"/>
+            <a:ext cx="6680200" cy="711200"/>
+          </a:xfrm>
+          <a:prstGeom prst="rect">
+            <a:avLst/>
+          </a:prstGeom>
+          <a:ln w="12700">
+            <a:miter lim="400000"/>
+          </a:ln>
+        </p:spPr>
+      </p:pic>
+      <p:sp>
+        <p:nvSpPr>
+          <p:cNvPr id="691" name="Declare section"/>
+          <p:cNvSpPr txBox="1"/>
+          <p:nvPr/>
+        </p:nvSpPr>
+        <p:spPr>
+          <a:xfrm>
+            <a:off x="1977925" y="-43773"/>
+            <a:ext cx="9312376" cy="972717"/>
+          </a:xfrm>
+          <a:prstGeom prst="rect">
+            <a:avLst/>
+          </a:prstGeom>
+          <a:ln w="12700">
+            <a:miter lim="400000"/>
+          </a:ln>
+          <a:extLst>
+            <a:ext uri="{C572A759-6A51-4108-AA02-DFA0A04FC94B}">
+              <ma14:wrappingTextBoxFlag xmlns:ma14="http://schemas.microsoft.com/office/mac/drawingml/2011/main" val="1"/>
+            </a:ext>
+          </a:extLst>
+        </p:spPr>
+        <p:txBody>
+          <a:bodyPr lIns="0" tIns="0" rIns="0" bIns="0" anchor="b">
+            <a:normAutofit fontScale="100000" lnSpcReduction="0"/>
+          </a:bodyPr>
+          <a:lstStyle>
+            <a:lvl1pPr>
+              <a:spcBef>
+                <a:spcPts val="0"/>
+              </a:spcBef>
+              <a:defRPr b="1" sz="3000"/>
+            </a:lvl1pPr>
+          </a:lstStyle>
+          <a:p>
+            <a:pPr/>
+            <a:r>
+              <a:t>Declare section</a:t>
+            </a:r>
+          </a:p>
+        </p:txBody>
+      </p:sp>
+      <p:sp>
+        <p:nvSpPr>
+          <p:cNvPr id="692" name="Initialise section"/>
+          <p:cNvSpPr txBox="1"/>
+          <p:nvPr/>
+        </p:nvSpPr>
+        <p:spPr>
+          <a:xfrm>
+            <a:off x="1977925" y="1607227"/>
+            <a:ext cx="9312376" cy="972717"/>
+          </a:xfrm>
+          <a:prstGeom prst="rect">
+            <a:avLst/>
+          </a:prstGeom>
+          <a:ln w="12700">
+            <a:miter lim="400000"/>
+          </a:ln>
+          <a:extLst>
+            <a:ext uri="{C572A759-6A51-4108-AA02-DFA0A04FC94B}">
+              <ma14:wrappingTextBoxFlag xmlns:ma14="http://schemas.microsoft.com/office/mac/drawingml/2011/main" val="1"/>
+            </a:ext>
+          </a:extLst>
+        </p:spPr>
+        <p:txBody>
+          <a:bodyPr lIns="0" tIns="0" rIns="0" bIns="0" anchor="b">
+            <a:normAutofit fontScale="100000" lnSpcReduction="0"/>
+          </a:bodyPr>
+          <a:lstStyle>
+            <a:lvl1pPr>
+              <a:spcBef>
+                <a:spcPts val="0"/>
+              </a:spcBef>
+              <a:defRPr b="1" sz="3000"/>
+            </a:lvl1pPr>
+          </a:lstStyle>
+          <a:p>
+            <a:pPr/>
+            <a:r>
+              <a:t>Initialise section</a:t>
+            </a:r>
+          </a:p>
+        </p:txBody>
+      </p:sp>
+      <p:pic>
+        <p:nvPicPr>
+          <p:cNvPr id="693" name="Screenshot 2020-01-17 at 22.11.45.png" descr="Screenshot 2020-01-17 at 22.11.45.png"/>
+          <p:cNvPicPr>
+            <a:picLocks noChangeAspect="1"/>
+          </p:cNvPicPr>
+          <p:nvPr/>
+        </p:nvPicPr>
+        <p:blipFill>
+          <a:blip r:embed="rId3">
+            <a:extLst/>
+          </a:blip>
+          <a:stretch>
+            <a:fillRect/>
+          </a:stretch>
+        </p:blipFill>
+        <p:spPr>
+          <a:xfrm>
+            <a:off x="1860550" y="2728421"/>
+            <a:ext cx="4572000" cy="3759201"/>
+          </a:xfrm>
+          <a:prstGeom prst="rect">
+            <a:avLst/>
+          </a:prstGeom>
+          <a:ln w="12700">
+            <a:miter lim="400000"/>
+          </a:ln>
+        </p:spPr>
+      </p:pic>
+      <p:sp>
+        <p:nvSpPr>
+          <p:cNvPr id="694" name="Line"/>
+          <p:cNvSpPr/>
+          <p:nvPr/>
+        </p:nvSpPr>
+        <p:spPr>
+          <a:xfrm flipH="1">
+            <a:off x="5772150" y="5499100"/>
+            <a:ext cx="2447691" cy="0"/>
+          </a:xfrm>
+          <a:prstGeom prst="line">
+            <a:avLst/>
+          </a:prstGeom>
+          <a:ln w="25400">
+            <a:solidFill>
+              <a:schemeClr val="accent1"/>
+            </a:solidFill>
+            <a:tailEnd type="triangle"/>
+          </a:ln>
+          <a:effectLst>
+            <a:outerShdw sx="100000" sy="100000" kx="0" ky="0" algn="b" rotWithShape="0" blurRad="38100" dist="20000" dir="5400000">
+              <a:srgbClr val="000000">
+                <a:alpha val="38000"/>
+              </a:srgbClr>
+            </a:outerShdw>
+          </a:effectLst>
+        </p:spPr>
+        <p:txBody>
+          <a:bodyPr lIns="45719" rIns="45719"/>
+          <a:lstStyle/>
+          <a:p>
+            <a:pPr/>
+          </a:p>
+        </p:txBody>
+      </p:sp>
+      <p:sp>
+        <p:nvSpPr>
+          <p:cNvPr id="695" name="Functions per component with related component structs"/>
+          <p:cNvSpPr txBox="1"/>
+          <p:nvPr/>
+        </p:nvSpPr>
+        <p:spPr>
+          <a:xfrm>
+            <a:off x="8500467" y="5388123"/>
+            <a:ext cx="2723456" cy="450554"/>
+          </a:xfrm>
+          <a:prstGeom prst="rect">
+            <a:avLst/>
+          </a:prstGeom>
+          <a:ln w="12700">
+            <a:miter lim="400000"/>
+          </a:ln>
+          <a:extLst>
+            <a:ext uri="{C572A759-6A51-4108-AA02-DFA0A04FC94B}">
+              <ma14:wrappingTextBoxFlag xmlns:ma14="http://schemas.microsoft.com/office/mac/drawingml/2011/main" val="1"/>
+            </a:ext>
+          </a:extLst>
+        </p:spPr>
+        <p:txBody>
+          <a:bodyPr wrap="none" lIns="0" tIns="0" rIns="0" bIns="0">
+            <a:spAutoFit/>
+          </a:bodyPr>
+          <a:lstStyle/>
+          <a:p>
+            <a:pPr/>
+            <a:r>
+              <a:t>Functions per component with</a:t>
+            </a:r>
+            <a:br/>
+            <a:r>
+              <a:t>related component structs</a:t>
+            </a:r>
           </a:p>
         </p:txBody>
       </p:sp>
@@ -35575,33 +35372,38 @@
           <a:chExt cx="0" cy="0"/>
         </a:xfrm>
       </p:grpSpPr>
-      <p:sp>
-        <p:nvSpPr>
-          <p:cNvPr id="677" name="The team, Nvidia mentors and Hackathon hosts :-)"/>
-          <p:cNvSpPr txBox="1"/>
-          <p:nvPr>
-            <p:ph type="title"/>
-          </p:nvPr>
-        </p:nvSpPr>
+      <p:pic>
+        <p:nvPicPr>
+          <p:cNvPr id="697" name="Screenshot 2020-01-18 at 13.18.29.png" descr="Screenshot 2020-01-18 at 13.18.29.png"/>
+          <p:cNvPicPr>
+            <a:picLocks noChangeAspect="1"/>
+          </p:cNvPicPr>
+          <p:nvPr/>
+        </p:nvPicPr>
+        <p:blipFill>
+          <a:blip r:embed="rId2">
+            <a:extLst/>
+          </a:blip>
+          <a:stretch>
+            <a:fillRect/>
+          </a:stretch>
+        </p:blipFill>
         <p:spPr>
+          <a:xfrm>
+            <a:off x="3249416" y="0"/>
+            <a:ext cx="7204468" cy="6858000"/>
+          </a:xfrm>
           <a:prstGeom prst="rect">
             <a:avLst/>
           </a:prstGeom>
+          <a:ln w="12700">
+            <a:miter lim="400000"/>
+          </a:ln>
         </p:spPr>
-        <p:txBody>
-          <a:bodyPr/>
-          <a:lstStyle/>
-          <a:p>
-            <a:pPr/>
-            <a:r>
-              <a:t>The team, Nvidia mentors and Hackathon hosts :-)</a:t>
-            </a:r>
-          </a:p>
-        </p:txBody>
-      </p:sp>
+      </p:pic>
       <p:sp>
         <p:nvSpPr>
-          <p:cNvPr id="678" name="Slide Number"/>
+          <p:cNvPr id="698" name="Slide Number"/>
           <p:cNvSpPr txBox="1"/>
           <p:nvPr>
             <p:ph type="sldNum" sz="quarter" idx="2"/>
@@ -35626,9 +35428,1653 @@
           </a:p>
         </p:txBody>
       </p:sp>
+      <p:sp>
+        <p:nvSpPr>
+          <p:cNvPr id="699" name="Each component will correspond to a set of function. Trace is a GPU’ified function……"/>
+          <p:cNvSpPr txBox="1"/>
+          <p:nvPr/>
+        </p:nvSpPr>
+        <p:spPr>
+          <a:xfrm>
+            <a:off x="492025" y="1289727"/>
+            <a:ext cx="2608165" cy="3327128"/>
+          </a:xfrm>
+          <a:prstGeom prst="rect">
+            <a:avLst/>
+          </a:prstGeom>
+          <a:ln w="12700">
+            <a:miter lim="400000"/>
+          </a:ln>
+          <a:extLst>
+            <a:ext uri="{C572A759-6A51-4108-AA02-DFA0A04FC94B}">
+              <ma14:wrappingTextBoxFlag xmlns:ma14="http://schemas.microsoft.com/office/mac/drawingml/2011/main" val="1"/>
+            </a:ext>
+          </a:extLst>
+        </p:spPr>
+        <p:txBody>
+          <a:bodyPr lIns="0" tIns="0" rIns="0" bIns="0" anchor="b">
+            <a:normAutofit fontScale="100000" lnSpcReduction="0"/>
+          </a:bodyPr>
+          <a:lstStyle/>
+          <a:p>
+            <a:pPr defTabSz="576072">
+              <a:spcBef>
+                <a:spcPts val="0"/>
+              </a:spcBef>
+              <a:defRPr b="1" sz="1890"/>
+            </a:pPr>
+            <a:r>
+              <a:t>Each component will correspond to a set of function. Trace is a GPU’ified function… </a:t>
+            </a:r>
+          </a:p>
+          <a:p>
+            <a:pPr defTabSz="576072">
+              <a:spcBef>
+                <a:spcPts val="0"/>
+              </a:spcBef>
+              <a:defRPr b="1" sz="1890"/>
+            </a:pPr>
+          </a:p>
+          <a:p>
+            <a:pPr marL="189497" indent="-189497" defTabSz="576072">
+              <a:spcBef>
+                <a:spcPts val="0"/>
+              </a:spcBef>
+              <a:buSzPct val="100000"/>
+              <a:buChar char="+"/>
+              <a:defRPr b="1" sz="1890"/>
+            </a:pPr>
+            <a:r>
+              <a:t>particle-loop and logic around, also running on GPU.</a:t>
+            </a:r>
+          </a:p>
+          <a:p>
+            <a:pPr defTabSz="576072">
+              <a:spcBef>
+                <a:spcPts val="0"/>
+              </a:spcBef>
+              <a:defRPr b="1" sz="1890"/>
+            </a:pPr>
+          </a:p>
+          <a:p>
+            <a:pPr defTabSz="576072">
+              <a:spcBef>
+                <a:spcPts val="0"/>
+              </a:spcBef>
+              <a:defRPr b="1" sz="1890"/>
+            </a:pPr>
+            <a:r>
+              <a:t>Init and finalisation codes run purely CPU.</a:t>
+            </a:r>
+          </a:p>
+        </p:txBody>
+      </p:sp>
+      <p:sp>
+        <p:nvSpPr>
+          <p:cNvPr id="700" name="….  etc"/>
+          <p:cNvSpPr txBox="1"/>
+          <p:nvPr/>
+        </p:nvSpPr>
+        <p:spPr>
+          <a:xfrm>
+            <a:off x="3941167" y="6588623"/>
+            <a:ext cx="656333" cy="221953"/>
+          </a:xfrm>
+          <a:prstGeom prst="rect">
+            <a:avLst/>
+          </a:prstGeom>
+          <a:ln w="12700">
+            <a:miter lim="400000"/>
+          </a:ln>
+          <a:extLst>
+            <a:ext uri="{C572A759-6A51-4108-AA02-DFA0A04FC94B}">
+              <ma14:wrappingTextBoxFlag xmlns:ma14="http://schemas.microsoft.com/office/mac/drawingml/2011/main" val="1"/>
+            </a:ext>
+          </a:extLst>
+        </p:spPr>
+        <p:txBody>
+          <a:bodyPr wrap="none" lIns="0" tIns="0" rIns="0" bIns="0">
+            <a:spAutoFit/>
+          </a:bodyPr>
+          <a:lstStyle/>
+          <a:p>
+            <a:pPr/>
+            <a:r>
+              <a:t>….  etc</a:t>
+            </a:r>
+          </a:p>
+        </p:txBody>
+      </p:sp>
+      <p:sp>
+        <p:nvSpPr>
+          <p:cNvPr id="701" name="Line"/>
+          <p:cNvSpPr/>
+          <p:nvPr/>
+        </p:nvSpPr>
+        <p:spPr>
+          <a:xfrm flipH="1">
+            <a:off x="7334249" y="4535740"/>
+            <a:ext cx="1635646" cy="1"/>
+          </a:xfrm>
+          <a:prstGeom prst="line">
+            <a:avLst/>
+          </a:prstGeom>
+          <a:ln w="25400">
+            <a:solidFill>
+              <a:schemeClr val="accent1"/>
+            </a:solidFill>
+            <a:tailEnd type="triangle"/>
+          </a:ln>
+          <a:effectLst>
+            <a:outerShdw sx="100000" sy="100000" kx="0" ky="0" algn="b" rotWithShape="0" blurRad="38100" dist="20000" dir="5400000">
+              <a:srgbClr val="000000">
+                <a:alpha val="38000"/>
+              </a:srgbClr>
+            </a:outerShdw>
+          </a:effectLst>
+        </p:spPr>
+        <p:txBody>
+          <a:bodyPr lIns="45719" rIns="45719"/>
+          <a:lstStyle/>
+          <a:p>
+            <a:pPr/>
+          </a:p>
+        </p:txBody>
+      </p:sp>
+      <p:sp>
+        <p:nvSpPr>
+          <p:cNvPr id="702" name="Contains component trace…"/>
+          <p:cNvSpPr txBox="1"/>
+          <p:nvPr/>
+        </p:nvSpPr>
+        <p:spPr>
+          <a:xfrm>
+            <a:off x="9275167" y="4310464"/>
+            <a:ext cx="2384723" cy="572473"/>
+          </a:xfrm>
+          <a:prstGeom prst="rect">
+            <a:avLst/>
+          </a:prstGeom>
+          <a:ln w="12700">
+            <a:miter lim="400000"/>
+          </a:ln>
+          <a:extLst>
+            <a:ext uri="{C572A759-6A51-4108-AA02-DFA0A04FC94B}">
+              <ma14:wrappingTextBoxFlag xmlns:ma14="http://schemas.microsoft.com/office/mac/drawingml/2011/main" val="1"/>
+            </a:ext>
+          </a:extLst>
+        </p:spPr>
+        <p:txBody>
+          <a:bodyPr wrap="none" lIns="0" tIns="0" rIns="0" bIns="0">
+            <a:spAutoFit/>
+          </a:bodyPr>
+          <a:lstStyle/>
+          <a:p>
+            <a:pPr/>
+            <a:r>
+              <a:t>Contains component trace</a:t>
+            </a:r>
+          </a:p>
+          <a:p>
+            <a:pPr/>
+            <a:r>
+              <a:t>section</a:t>
+            </a:r>
+          </a:p>
+        </p:txBody>
+      </p:sp>
+      <p:sp>
+        <p:nvSpPr>
+          <p:cNvPr id="703" name="Line"/>
+          <p:cNvSpPr/>
+          <p:nvPr/>
+        </p:nvSpPr>
+        <p:spPr>
+          <a:xfrm flipV="1">
+            <a:off x="1650073" y="140624"/>
+            <a:ext cx="1549555" cy="1136391"/>
+          </a:xfrm>
+          <a:prstGeom prst="line">
+            <a:avLst/>
+          </a:prstGeom>
+          <a:ln w="25400">
+            <a:solidFill>
+              <a:schemeClr val="accent1"/>
+            </a:solidFill>
+            <a:tailEnd type="triangle"/>
+          </a:ln>
+          <a:effectLst>
+            <a:outerShdw sx="100000" sy="100000" kx="0" ky="0" algn="b" rotWithShape="0" blurRad="38100" dist="20000" dir="5400000">
+              <a:srgbClr val="000000">
+                <a:alpha val="38000"/>
+              </a:srgbClr>
+            </a:outerShdw>
+          </a:effectLst>
+        </p:spPr>
+        <p:txBody>
+          <a:bodyPr lIns="45719" rIns="45719"/>
+          <a:lstStyle/>
+          <a:p>
+            <a:pPr/>
+          </a:p>
+        </p:txBody>
+      </p:sp>
+      <p:sp>
+        <p:nvSpPr>
+          <p:cNvPr id="704" name="“Scatter-gather” approach not far from what we do in MPI settings, i.e. :  GPU case:  N particles are calculated in parallel in N GPU threads. (Leave to OpenACC/device how many actually are running at one time)…"/>
+          <p:cNvSpPr/>
+          <p:nvPr/>
+        </p:nvSpPr>
+        <p:spPr>
+          <a:xfrm>
+            <a:off x="8032592" y="717527"/>
+            <a:ext cx="3857816" cy="2925810"/>
+          </a:xfrm>
+          <a:prstGeom prst="rect">
+            <a:avLst/>
+          </a:prstGeom>
+          <a:solidFill>
+            <a:srgbClr val="FFFFFF"/>
+          </a:solidFill>
+          <a:ln w="25400">
+            <a:solidFill>
+              <a:schemeClr val="accent1"/>
+            </a:solidFill>
+          </a:ln>
+          <a:extLst>
+            <a:ext uri="{C572A759-6A51-4108-AA02-DFA0A04FC94B}">
+              <ma14:wrappingTextBoxFlag xmlns:ma14="http://schemas.microsoft.com/office/mac/drawingml/2011/main" val="1"/>
+            </a:ext>
+          </a:extLst>
+        </p:spPr>
+        <p:txBody>
+          <a:bodyPr lIns="46799" tIns="46799" rIns="46799" bIns="46799" anchor="ctr"/>
+          <a:lstStyle/>
+          <a:p>
+            <a:pPr/>
+            <a:r>
+              <a:t>“Scatter-gather” approach not far from what we do in MPI settings, i.e. :</a:t>
+            </a:r>
+            <a:br/>
+            <a:br/>
+            <a:r>
+              <a:t>GPU case: </a:t>
+            </a:r>
+            <a:br/>
+            <a:r>
+              <a:t>N particles are calculated in parallel in N GPU threads. (Leave to OpenACC/device how many actually are running at one time) </a:t>
+            </a:r>
+          </a:p>
+          <a:p>
+            <a:pPr/>
+            <a:r>
+              <a:t>CPU case: </a:t>
+            </a:r>
+            <a:br/>
+            <a:r>
+              <a:t>N particles are calculated in M serial chunks over M processors.</a:t>
+            </a:r>
+          </a:p>
+        </p:txBody>
+      </p:sp>
+      <p:pic>
+        <p:nvPicPr>
+          <p:cNvPr id="705" name="Screenshot 2020-08-15 at 12.40.31.png" descr="Screenshot 2020-08-15 at 12.40.31.png"/>
+          <p:cNvPicPr>
+            <a:picLocks noChangeAspect="1"/>
+          </p:cNvPicPr>
+          <p:nvPr/>
+        </p:nvPicPr>
+        <p:blipFill>
+          <a:blip r:embed="rId3">
+            <a:extLst/>
+          </a:blip>
+          <a:srcRect l="0" t="0" r="1010" b="45168"/>
+          <a:stretch>
+            <a:fillRect/>
+          </a:stretch>
+        </p:blipFill>
+        <p:spPr>
+          <a:xfrm>
+            <a:off x="10947650" y="215055"/>
+            <a:ext cx="1244409" cy="300143"/>
+          </a:xfrm>
+          <a:prstGeom prst="rect">
+            <a:avLst/>
+          </a:prstGeom>
+          <a:ln w="12700">
+            <a:miter lim="400000"/>
+          </a:ln>
+        </p:spPr>
+      </p:pic>
+    </p:spTree>
+  </p:cSld>
+  <p:clrMapOvr>
+    <a:masterClrMapping/>
+  </p:clrMapOvr>
+  <p:transition xmlns:p14="http://schemas.microsoft.com/office/powerpoint/2010/main" spd="med" advClick="1"/>
+</p:sld>
+</file>
+
+<file path=ppt/slides/slide14.xml><?xml version="1.0" encoding="utf-8"?>
+<p:sld xmlns:a="http://schemas.openxmlformats.org/drawingml/2006/main" xmlns:r="http://schemas.openxmlformats.org/officeDocument/2006/relationships" xmlns:p="http://schemas.openxmlformats.org/presentationml/2006/main" xmlns:m="http://schemas.openxmlformats.org/officeDocument/2006/math" xmlns:a14="http://schemas.microsoft.com/office/drawing/2010/main" showMasterSp="1" showMasterPhAnim="1">
+  <p:cSld>
+    <p:spTree>
+      <p:nvGrpSpPr>
+        <p:cNvPr id="1" name=""/>
+        <p:cNvGrpSpPr/>
+        <p:nvPr/>
+      </p:nvGrpSpPr>
+      <p:grpSpPr>
+        <a:xfrm>
+          <a:off x="0" y="0"/>
+          <a:ext cx="0" cy="0"/>
+          <a:chOff x="0" y="0"/>
+          <a:chExt cx="0" cy="0"/>
+        </a:xfrm>
+      </p:grpSpPr>
+      <p:sp>
+        <p:nvSpPr>
+          <p:cNvPr id="707" name="Porting an instrument to 3.0 and GPU"/>
+          <p:cNvSpPr txBox="1"/>
+          <p:nvPr>
+            <p:ph type="title"/>
+          </p:nvPr>
+        </p:nvSpPr>
+        <p:spPr>
+          <a:prstGeom prst="rect">
+            <a:avLst/>
+          </a:prstGeom>
+        </p:spPr>
+        <p:txBody>
+          <a:bodyPr/>
+          <a:lstStyle/>
+          <a:p>
+            <a:pPr lvl="1"/>
+            <a:r>
+              <a:t>Porting an instrument to 3.0 and GPU</a:t>
+            </a:r>
+          </a:p>
+        </p:txBody>
+      </p:sp>
+      <p:sp>
+        <p:nvSpPr>
+          <p:cNvPr id="708" name="Instrument-level variables that are to become particle-dependent “flags”, e.g. for use in EXTEND WHEN must be put in the new section USERVARS %{ double flag; %}…"/>
+          <p:cNvSpPr txBox="1"/>
+          <p:nvPr>
+            <p:ph type="body" idx="1"/>
+          </p:nvPr>
+        </p:nvSpPr>
+        <p:spPr>
+          <a:prstGeom prst="rect">
+            <a:avLst/>
+          </a:prstGeom>
+        </p:spPr>
+        <p:txBody>
+          <a:bodyPr/>
+          <a:lstStyle/>
+          <a:p>
+            <a:pPr/>
+            <a:r>
+              <a:rPr b="1"/>
+              <a:t>Instrument-level variables</a:t>
+            </a:r>
+            <a:r>
+              <a:t> that are to become particle-dependent “</a:t>
+            </a:r>
+            <a:r>
+              <a:rPr b="1"/>
+              <a:t>flags</a:t>
+            </a:r>
+            <a:r>
+              <a:t>”, e.g. for use in EXTEND WHEN must be put in the new section </a:t>
+            </a:r>
+            <a:r>
+              <a:rPr b="1"/>
+              <a:t>USERVARS %{ double flag; %}</a:t>
+            </a:r>
+            <a:endParaRPr b="1"/>
+          </a:p>
+          <a:p>
+            <a:pPr/>
+          </a:p>
+          <a:p>
+            <a:pPr/>
+            <a:r>
+              <a:t>Use of </a:t>
+            </a:r>
+            <a:r>
+              <a:rPr b="1"/>
+              <a:t>instrument input pars</a:t>
+            </a:r>
+            <a:r>
+              <a:t> in extend and WHEN must use </a:t>
+            </a:r>
+            <a:r>
+              <a:rPr b="1"/>
+              <a:t>INSTRUMENT_GETPAR(varname)</a:t>
+            </a:r>
+            <a:br>
+              <a:rPr b="1"/>
+            </a:br>
+          </a:p>
+          <a:p>
+            <a:pPr/>
+            <a:r>
+              <a:rPr b="1"/>
+              <a:t>Non-flag instrument vars</a:t>
+            </a:r>
+            <a:r>
+              <a:t> to be used during TRACE / EXTEND / WHEN must be injected via</a:t>
+            </a:r>
+            <a:r>
+              <a:rPr b="1"/>
+              <a:t> #pragma acc declare create(var) </a:t>
+            </a:r>
+            <a:r>
+              <a:t>and</a:t>
+            </a:r>
+            <a:r>
+              <a:rPr b="1"/>
+              <a:t> #pragma acc update device(var)</a:t>
+            </a:r>
+            <a:br/>
+          </a:p>
+          <a:p>
+            <a:pPr/>
+            <a:r>
+              <a:rPr b="1"/>
+              <a:t>Declare-functions </a:t>
+            </a:r>
+            <a:r>
+              <a:t>to be used in </a:t>
+            </a:r>
+            <a:r>
+              <a:rPr b="1"/>
+              <a:t>trace</a:t>
+            </a:r>
+            <a:r>
+              <a:t> (e.g. in an EXTEND) must have </a:t>
+            </a:r>
+            <a:br/>
+            <a:r>
+              <a:t>#pragma acc routine</a:t>
+            </a:r>
+          </a:p>
+        </p:txBody>
+      </p:sp>
+      <p:sp>
+        <p:nvSpPr>
+          <p:cNvPr id="709" name="Slide Number"/>
+          <p:cNvSpPr txBox="1"/>
+          <p:nvPr>
+            <p:ph type="sldNum" sz="quarter" idx="2"/>
+          </p:nvPr>
+        </p:nvSpPr>
+        <p:spPr>
+          <a:prstGeom prst="rect">
+            <a:avLst/>
+          </a:prstGeom>
+          <a:extLst>
+            <a:ext uri="{C572A759-6A51-4108-AA02-DFA0A04FC94B}">
+              <ma14:wrappingTextBoxFlag xmlns:ma14="http://schemas.microsoft.com/office/mac/drawingml/2011/main" val="1"/>
+            </a:ext>
+          </a:extLst>
+        </p:spPr>
+        <p:txBody>
+          <a:bodyPr/>
+          <a:lstStyle/>
+          <a:p>
+            <a:pPr/>
+            <a:fld id="{86CB4B4D-7CA3-9044-876B-883B54F8677D}" type="slidenum"/>
+          </a:p>
+        </p:txBody>
+      </p:sp>
+      <p:pic>
+        <p:nvPicPr>
+          <p:cNvPr id="710" name="Unknown.png" descr="Unknown.png"/>
+          <p:cNvPicPr>
+            <a:picLocks noChangeAspect="1"/>
+          </p:cNvPicPr>
+          <p:nvPr/>
+        </p:nvPicPr>
+        <p:blipFill>
+          <a:blip r:embed="rId2">
+            <a:extLst/>
+          </a:blip>
+          <a:stretch>
+            <a:fillRect/>
+          </a:stretch>
+        </p:blipFill>
+        <p:spPr>
+          <a:xfrm>
+            <a:off x="650922" y="4270915"/>
+            <a:ext cx="992495" cy="468848"/>
+          </a:xfrm>
+          <a:prstGeom prst="rect">
+            <a:avLst/>
+          </a:prstGeom>
+          <a:ln w="12700">
+            <a:miter lim="400000"/>
+          </a:ln>
+        </p:spPr>
+      </p:pic>
+      <p:pic>
+        <p:nvPicPr>
+          <p:cNvPr id="711" name="Unknown.png" descr="Unknown.png"/>
+          <p:cNvPicPr>
+            <a:picLocks noChangeAspect="1"/>
+          </p:cNvPicPr>
+          <p:nvPr/>
+        </p:nvPicPr>
+        <p:blipFill>
+          <a:blip r:embed="rId2">
+            <a:extLst/>
+          </a:blip>
+          <a:stretch>
+            <a:fillRect/>
+          </a:stretch>
+        </p:blipFill>
+        <p:spPr>
+          <a:xfrm>
+            <a:off x="650922" y="3529882"/>
+            <a:ext cx="992495" cy="468848"/>
+          </a:xfrm>
+          <a:prstGeom prst="rect">
+            <a:avLst/>
+          </a:prstGeom>
+          <a:ln w="12700">
+            <a:miter lim="400000"/>
+          </a:ln>
+        </p:spPr>
+      </p:pic>
+      <p:pic>
+        <p:nvPicPr>
+          <p:cNvPr id="712" name="CrossCheck_logo.jpg" descr="CrossCheck_logo.jpg"/>
+          <p:cNvPicPr>
+            <a:picLocks noChangeAspect="1"/>
+          </p:cNvPicPr>
+          <p:nvPr/>
+        </p:nvPicPr>
+        <p:blipFill>
+          <a:blip r:embed="rId3">
+            <a:extLst/>
+          </a:blip>
+          <a:stretch>
+            <a:fillRect/>
+          </a:stretch>
+        </p:blipFill>
+        <p:spPr>
+          <a:xfrm>
+            <a:off x="10085509" y="283554"/>
+            <a:ext cx="1492399" cy="256196"/>
+          </a:xfrm>
+          <a:prstGeom prst="rect">
+            <a:avLst/>
+          </a:prstGeom>
+          <a:ln w="12700">
+            <a:miter lim="400000"/>
+          </a:ln>
+        </p:spPr>
+      </p:pic>
+      <p:sp>
+        <p:nvSpPr>
+          <p:cNvPr id="713" name="Should give the SAME on CPU and GPU!"/>
+          <p:cNvSpPr txBox="1"/>
+          <p:nvPr/>
+        </p:nvSpPr>
+        <p:spPr>
+          <a:xfrm>
+            <a:off x="10126449" y="568277"/>
+            <a:ext cx="1410519" cy="300231"/>
+          </a:xfrm>
+          <a:prstGeom prst="rect">
+            <a:avLst/>
+          </a:prstGeom>
+          <a:ln w="12700">
+            <a:miter lim="400000"/>
+          </a:ln>
+          <a:extLst>
+            <a:ext uri="{C572A759-6A51-4108-AA02-DFA0A04FC94B}">
+              <ma14:wrappingTextBoxFlag xmlns:ma14="http://schemas.microsoft.com/office/mac/drawingml/2011/main" val="1"/>
+            </a:ext>
+          </a:extLst>
+        </p:spPr>
+        <p:txBody>
+          <a:bodyPr wrap="none" lIns="0" tIns="0" rIns="0" bIns="0">
+            <a:spAutoFit/>
+          </a:bodyPr>
+          <a:lstStyle/>
+          <a:p>
+            <a:pPr>
+              <a:defRPr sz="1100"/>
+            </a:pPr>
+            <a:r>
+              <a:t>Should give the SAME</a:t>
+            </a:r>
+            <a:br/>
+            <a:r>
+              <a:t>on CPU and GPU!</a:t>
+            </a:r>
+          </a:p>
+        </p:txBody>
+      </p:sp>
+    </p:spTree>
+  </p:cSld>
+  <p:clrMapOvr>
+    <a:masterClrMapping/>
+  </p:clrMapOvr>
+  <p:transition xmlns:p14="http://schemas.microsoft.com/office/powerpoint/2010/main" spd="med" advClick="1"/>
+</p:sld>
+</file>
+
+<file path=ppt/slides/slide15.xml><?xml version="1.0" encoding="utf-8"?>
+<p:sld xmlns:a="http://schemas.openxmlformats.org/drawingml/2006/main" xmlns:r="http://schemas.openxmlformats.org/officeDocument/2006/relationships" xmlns:p="http://schemas.openxmlformats.org/presentationml/2006/main" xmlns:m="http://schemas.openxmlformats.org/officeDocument/2006/math" xmlns:a14="http://schemas.microsoft.com/office/drawing/2010/main" showMasterSp="1" showMasterPhAnim="1">
+  <p:cSld>
+    <p:spTree>
+      <p:nvGrpSpPr>
+        <p:cNvPr id="1" name=""/>
+        <p:cNvGrpSpPr/>
+        <p:nvPr/>
+      </p:nvGrpSpPr>
+      <p:grpSpPr>
+        <a:xfrm>
+          <a:off x="0" y="0"/>
+          <a:ext cx="0" cy="0"/>
+          <a:chOff x="0" y="0"/>
+          <a:chExt cx="0" cy="0"/>
+        </a:xfrm>
+      </p:grpSpPr>
+      <p:sp>
+        <p:nvSpPr>
+          <p:cNvPr id="715" name="Common error-messages:"/>
+          <p:cNvSpPr txBox="1"/>
+          <p:nvPr>
+            <p:ph type="title"/>
+          </p:nvPr>
+        </p:nvSpPr>
+        <p:spPr>
+          <a:prstGeom prst="rect">
+            <a:avLst/>
+          </a:prstGeom>
+        </p:spPr>
+        <p:txBody>
+          <a:bodyPr/>
+          <a:lstStyle/>
+          <a:p>
+            <a:pPr/>
+            <a:r>
+              <a:t>Common error-messages:</a:t>
+            </a:r>
+          </a:p>
+        </p:txBody>
+      </p:sp>
+      <p:sp>
+        <p:nvSpPr>
+          <p:cNvPr id="716" name="At compile-time, nvc is quite informative if using -Minfo:accel…"/>
+          <p:cNvSpPr txBox="1"/>
+          <p:nvPr>
+            <p:ph type="body" idx="1"/>
+          </p:nvPr>
+        </p:nvSpPr>
+        <p:spPr>
+          <a:xfrm>
+            <a:off x="1776970" y="1706399"/>
+            <a:ext cx="9312376" cy="4545579"/>
+          </a:xfrm>
+          <a:prstGeom prst="rect">
+            <a:avLst/>
+          </a:prstGeom>
+        </p:spPr>
+        <p:txBody>
+          <a:bodyPr/>
+          <a:lstStyle/>
+          <a:p>
+            <a:pPr/>
+            <a:r>
+              <a:t>At compile-time, nvc is quite informative if using -Minfo:accel</a:t>
+            </a:r>
+          </a:p>
+          <a:p>
+            <a:pPr lvl="1">
+              <a:buChar char="•"/>
+            </a:pPr>
+          </a:p>
+          <a:p>
+            <a:pPr/>
+          </a:p>
+          <a:p>
+            <a:pPr/>
+          </a:p>
+          <a:p>
+            <a:pPr/>
+          </a:p>
+          <a:p>
+            <a:pPr/>
+            <a:r>
+              <a:t>At runtime, this indicates a GPU segfault</a:t>
+            </a:r>
+            <a:br/>
+            <a:br/>
+          </a:p>
+          <a:p>
+            <a:pPr lvl="1">
+              <a:buChar char="•"/>
+            </a:pPr>
+            <a:r>
+              <a:t>Often a symptom of “illegal access”, colliding memory, something isn’t thread-safe…</a:t>
+            </a:r>
+          </a:p>
+        </p:txBody>
+      </p:sp>
+      <p:sp>
+        <p:nvSpPr>
+          <p:cNvPr id="717" name="Slide Number"/>
+          <p:cNvSpPr txBox="1"/>
+          <p:nvPr>
+            <p:ph type="sldNum" sz="quarter" idx="2"/>
+          </p:nvPr>
+        </p:nvSpPr>
+        <p:spPr>
+          <a:prstGeom prst="rect">
+            <a:avLst/>
+          </a:prstGeom>
+          <a:extLst>
+            <a:ext uri="{C572A759-6A51-4108-AA02-DFA0A04FC94B}">
+              <ma14:wrappingTextBoxFlag xmlns:ma14="http://schemas.microsoft.com/office/mac/drawingml/2011/main" val="1"/>
+            </a:ext>
+          </a:extLst>
+        </p:spPr>
+        <p:txBody>
+          <a:bodyPr/>
+          <a:lstStyle/>
+          <a:p>
+            <a:pPr/>
+            <a:fld id="{86CB4B4D-7CA3-9044-876B-883B54F8677D}" type="slidenum"/>
+          </a:p>
+        </p:txBody>
+      </p:sp>
+      <p:sp>
+        <p:nvSpPr>
+          <p:cNvPr id="718" name="Failing in Thread:1…"/>
+          <p:cNvSpPr txBox="1"/>
+          <p:nvPr/>
+        </p:nvSpPr>
+        <p:spPr>
+          <a:xfrm>
+            <a:off x="1941984" y="3674388"/>
+            <a:ext cx="8434171" cy="609601"/>
+          </a:xfrm>
+          <a:prstGeom prst="rect">
+            <a:avLst/>
+          </a:prstGeom>
+          <a:ln w="12700">
+            <a:miter lim="400000"/>
+          </a:ln>
+          <a:extLst>
+            <a:ext uri="{C572A759-6A51-4108-AA02-DFA0A04FC94B}">
+              <ma14:wrappingTextBoxFlag xmlns:ma14="http://schemas.microsoft.com/office/mac/drawingml/2011/main" val="1"/>
+            </a:ext>
+          </a:extLst>
+        </p:spPr>
+        <p:txBody>
+          <a:bodyPr wrap="none" lIns="0" tIns="0" rIns="0" bIns="0">
+            <a:spAutoFit/>
+          </a:bodyPr>
+          <a:lstStyle/>
+          <a:p>
+            <a:pPr defTabSz="457200">
+              <a:spcBef>
+                <a:spcPts val="0"/>
+              </a:spcBef>
+              <a:defRPr sz="1300">
+                <a:latin typeface="Courier"/>
+                <a:ea typeface="Courier"/>
+                <a:cs typeface="Courier"/>
+                <a:sym typeface="Courier"/>
+              </a:defRPr>
+            </a:pPr>
+            <a:r>
+              <a:t>Failing in Thread:1</a:t>
+            </a:r>
+          </a:p>
+          <a:p>
+            <a:pPr defTabSz="457200">
+              <a:spcBef>
+                <a:spcPts val="0"/>
+              </a:spcBef>
+              <a:defRPr sz="1300">
+                <a:latin typeface="Courier"/>
+                <a:ea typeface="Courier"/>
+                <a:cs typeface="Courier"/>
+                <a:sym typeface="Courier"/>
+              </a:defRPr>
+            </a:pPr>
+            <a:r>
+              <a:t>call to cuMemcpyDtoHAsync returned error 700: Illegal address during kernel execution</a:t>
+            </a:r>
+          </a:p>
+        </p:txBody>
+      </p:sp>
+      <p:sp>
+        <p:nvSpPr>
+          <p:cNvPr id="719" name="PGC-S-0155-Invalid atomic expression PGC-S-0000-Internal compiler error. Error: Detected unexpected atomic store opcode. PGC-S-0155-External variables used in acc routine need to be in #pragma acc create() - flag …"/>
+          <p:cNvSpPr txBox="1"/>
+          <p:nvPr/>
+        </p:nvSpPr>
+        <p:spPr>
+          <a:xfrm>
+            <a:off x="1918844" y="2017072"/>
+            <a:ext cx="9028628" cy="1016001"/>
+          </a:xfrm>
+          <a:prstGeom prst="rect">
+            <a:avLst/>
+          </a:prstGeom>
+          <a:ln w="12700">
+            <a:miter lim="400000"/>
+          </a:ln>
+          <a:extLst>
+            <a:ext uri="{C572A759-6A51-4108-AA02-DFA0A04FC94B}">
+              <ma14:wrappingTextBoxFlag xmlns:ma14="http://schemas.microsoft.com/office/mac/drawingml/2011/main" val="1"/>
+            </a:ext>
+          </a:extLst>
+        </p:spPr>
+        <p:txBody>
+          <a:bodyPr wrap="none" lIns="0" tIns="0" rIns="0" bIns="0">
+            <a:spAutoFit/>
+          </a:bodyPr>
+          <a:lstStyle/>
+          <a:p>
+            <a:pPr defTabSz="457200">
+              <a:spcBef>
+                <a:spcPts val="0"/>
+              </a:spcBef>
+              <a:defRPr sz="1300">
+                <a:latin typeface="Courier"/>
+                <a:ea typeface="Courier"/>
+                <a:cs typeface="Courier"/>
+                <a:sym typeface="Courier"/>
+              </a:defRPr>
+            </a:pPr>
+            <a:r>
+              <a:t>PGC-S-0155-Invalid atomic expression</a:t>
+            </a:r>
+            <a:br/>
+            <a:r>
+              <a:t>PGC-S-0000-Internal compiler error. Error: Detected unexpected atomic store opcode.</a:t>
+            </a:r>
+            <a:br/>
+            <a:r>
+              <a:t>PGC-S-0155-External variables used in acc routine need to be in #pragma acc create() - flag</a:t>
+            </a:r>
+            <a:br/>
+            <a:r>
+              <a:t>…</a:t>
+            </a:r>
+          </a:p>
+        </p:txBody>
+      </p:sp>
+    </p:spTree>
+  </p:cSld>
+  <p:clrMapOvr>
+    <a:masterClrMapping/>
+  </p:clrMapOvr>
+  <p:transition xmlns:p14="http://schemas.microsoft.com/office/powerpoint/2010/main" spd="med" advClick="1"/>
+</p:sld>
+</file>
+
+<file path=ppt/slides/slide16.xml><?xml version="1.0" encoding="utf-8"?>
+<p:sld xmlns:a="http://schemas.openxmlformats.org/drawingml/2006/main" xmlns:r="http://schemas.openxmlformats.org/officeDocument/2006/relationships" xmlns:p="http://schemas.openxmlformats.org/presentationml/2006/main" xmlns:m="http://schemas.openxmlformats.org/officeDocument/2006/math" xmlns:a14="http://schemas.microsoft.com/office/drawing/2010/main" showMasterSp="1" showMasterPhAnim="1">
+  <p:cSld>
+    <p:spTree>
+      <p:nvGrpSpPr>
+        <p:cNvPr id="1" name=""/>
+        <p:cNvGrpSpPr/>
+        <p:nvPr/>
+      </p:nvGrpSpPr>
+      <p:grpSpPr>
+        <a:xfrm>
+          <a:off x="0" y="0"/>
+          <a:ext cx="0" cy="0"/>
+          <a:chOff x="0" y="0"/>
+          <a:chExt cx="0" cy="0"/>
+        </a:xfrm>
+      </p:grpSpPr>
+      <p:sp>
+        <p:nvSpPr>
+          <p:cNvPr id="721" name="Porting a comp to GPU"/>
+          <p:cNvSpPr txBox="1"/>
+          <p:nvPr>
+            <p:ph type="title"/>
+          </p:nvPr>
+        </p:nvSpPr>
+        <p:spPr>
+          <a:prstGeom prst="rect">
+            <a:avLst/>
+          </a:prstGeom>
+        </p:spPr>
+        <p:txBody>
+          <a:bodyPr/>
+          <a:lstStyle/>
+          <a:p>
+            <a:pPr lvl="1"/>
+            <a:r>
+              <a:t>Porting a comp to GPU</a:t>
+            </a:r>
+          </a:p>
+        </p:txBody>
+      </p:sp>
+      <p:sp>
+        <p:nvSpPr>
+          <p:cNvPr id="722" name="All pars must be setting parameters.  New types: string a=“none”  and vector b ( either ={1,2,3,4} static init or via pointer.)…"/>
+          <p:cNvSpPr txBox="1"/>
+          <p:nvPr>
+            <p:ph type="body" idx="1"/>
+          </p:nvPr>
+        </p:nvSpPr>
+        <p:spPr>
+          <a:xfrm>
+            <a:off x="1901800" y="1706399"/>
+            <a:ext cx="9312375" cy="4545579"/>
+          </a:xfrm>
+          <a:prstGeom prst="rect">
+            <a:avLst/>
+          </a:prstGeom>
+        </p:spPr>
+        <p:txBody>
+          <a:bodyPr/>
+          <a:lstStyle/>
+          <a:p>
+            <a:pPr marL="150479" indent="-150479" defTabSz="694944">
+              <a:spcBef>
+                <a:spcPts val="300"/>
+              </a:spcBef>
+              <a:defRPr sz="1368"/>
+            </a:pPr>
+            <a:r>
+              <a:rPr b="1"/>
+              <a:t>All pars must be setting parameters.</a:t>
+            </a:r>
+            <a:r>
+              <a:t> </a:t>
+            </a:r>
+            <a:br/>
+            <a:r>
+              <a:t>New types: string a=“none”  and vector b ( either ={1,2,3,4} static init or via pointer.)</a:t>
+            </a:r>
+          </a:p>
+          <a:p>
+            <a:pPr marL="150479" indent="-150479" defTabSz="694944">
+              <a:spcBef>
+                <a:spcPts val="300"/>
+              </a:spcBef>
+              <a:defRPr sz="1368"/>
+            </a:pPr>
+          </a:p>
+          <a:p>
+            <a:pPr marL="150479" indent="-150479" defTabSz="694944">
+              <a:spcBef>
+                <a:spcPts val="300"/>
+              </a:spcBef>
+              <a:defRPr b="1" sz="1368"/>
+            </a:pPr>
+            <a:r>
+              <a:t>All function-declarations must be moved to SHARE</a:t>
+            </a:r>
+          </a:p>
+          <a:p>
+            <a:pPr marL="150479" indent="-150479" defTabSz="694944">
+              <a:spcBef>
+                <a:spcPts val="300"/>
+              </a:spcBef>
+              <a:defRPr sz="1368"/>
+            </a:pPr>
+          </a:p>
+          <a:p>
+            <a:pPr marL="150479" indent="-150479" defTabSz="694944">
+              <a:spcBef>
+                <a:spcPts val="300"/>
+              </a:spcBef>
+              <a:defRPr sz="1368"/>
+            </a:pPr>
+            <a:r>
+              <a:rPr b="1"/>
+              <a:t>DECLARE</a:t>
+            </a:r>
+            <a:r>
+              <a:t> must </a:t>
+            </a:r>
+            <a:r>
+              <a:rPr b="1" i="1"/>
+              <a:t>only</a:t>
+            </a:r>
+            <a:r>
+              <a:t> contain variable </a:t>
+            </a:r>
+            <a:r>
+              <a:rPr b="1"/>
+              <a:t>declarations</a:t>
+            </a:r>
+            <a:r>
+              <a:t>. All initialization resides in INITIALIZE</a:t>
+            </a:r>
+            <a:br/>
+          </a:p>
+          <a:p>
+            <a:pPr marL="150479" indent="-150479" defTabSz="694944">
+              <a:spcBef>
+                <a:spcPts val="300"/>
+              </a:spcBef>
+              <a:defRPr sz="1368"/>
+            </a:pPr>
+            <a:r>
+              <a:rPr b="1"/>
+              <a:t>If the comp uses external libs</a:t>
+            </a:r>
+            <a:r>
+              <a:t> either</a:t>
+            </a:r>
+          </a:p>
+          <a:p>
+            <a:pPr lvl="1" marL="314640" indent="-150479" defTabSz="694944">
+              <a:spcBef>
+                <a:spcPts val="300"/>
+              </a:spcBef>
+              <a:buChar char="•"/>
+              <a:defRPr sz="1368"/>
+            </a:pPr>
+            <a:r>
+              <a:rPr b="1"/>
+              <a:t>Avoid use in component TRACE</a:t>
+            </a:r>
+            <a:r>
+              <a:t> (e.g. MCPL_input and output, handled in INIT/FINALLY)</a:t>
+            </a:r>
+          </a:p>
+          <a:p>
+            <a:pPr lvl="1" marL="314640" indent="-150479" defTabSz="694944">
+              <a:spcBef>
+                <a:spcPts val="300"/>
+              </a:spcBef>
+              <a:buChar char="•"/>
+              <a:defRPr sz="1368"/>
+            </a:pPr>
+            <a:r>
+              <a:rPr b="1"/>
+              <a:t>Use NOACC keyword</a:t>
+            </a:r>
+            <a:r>
+              <a:t> (e.g. Multilayer_sample use of GSL) - implies FUNNEL mode</a:t>
+            </a:r>
+          </a:p>
+          <a:p>
+            <a:pPr marL="150479" indent="-150479" defTabSz="694944">
+              <a:spcBef>
+                <a:spcPts val="300"/>
+              </a:spcBef>
+              <a:defRPr sz="1368"/>
+            </a:pPr>
+          </a:p>
+          <a:p>
+            <a:pPr marL="150479" indent="-150479" defTabSz="694944">
+              <a:spcBef>
+                <a:spcPts val="300"/>
+              </a:spcBef>
+              <a:defRPr sz="1368"/>
+            </a:pPr>
+            <a:r>
+              <a:rPr b="1"/>
+              <a:t>Add #pragma acc routine</a:t>
+            </a:r>
+            <a:r>
+              <a:t> to functions to execute in TRACE</a:t>
+            </a:r>
+          </a:p>
+          <a:p>
+            <a:pPr marL="150479" indent="-150479" defTabSz="694944">
+              <a:spcBef>
+                <a:spcPts val="300"/>
+              </a:spcBef>
+              <a:defRPr sz="1368"/>
+            </a:pPr>
+          </a:p>
+          <a:p>
+            <a:pPr marL="150479" indent="-150479" defTabSz="694944">
+              <a:spcBef>
+                <a:spcPts val="300"/>
+              </a:spcBef>
+              <a:defRPr sz="1368"/>
+            </a:pPr>
+            <a:r>
+              <a:rPr b="1"/>
+              <a:t>Functions that call rand01() </a:t>
+            </a:r>
+            <a:r>
+              <a:t>and friends </a:t>
+            </a:r>
+            <a:r>
+              <a:rPr b="1"/>
+              <a:t>must include _class_particle *_particle in footprint. </a:t>
+            </a:r>
+            <a:br>
+              <a:rPr b="1"/>
+            </a:br>
+            <a:r>
+              <a:t>(rand01() etc. are macros that carry thread-seed on _particle)s</a:t>
+            </a:r>
+          </a:p>
+          <a:p>
+            <a:pPr marL="150479" indent="-150479" defTabSz="694944">
+              <a:spcBef>
+                <a:spcPts val="300"/>
+              </a:spcBef>
+              <a:defRPr sz="1368"/>
+            </a:pPr>
+          </a:p>
+          <a:p>
+            <a:pPr marL="150479" indent="-150479" defTabSz="694944">
+              <a:spcBef>
+                <a:spcPts val="300"/>
+              </a:spcBef>
+              <a:defRPr sz="1368"/>
+            </a:pPr>
+            <a:r>
+              <a:t>Generally, </a:t>
+            </a:r>
+            <a:r>
+              <a:rPr b="1"/>
+              <a:t>don’t store ANY</a:t>
+            </a:r>
+            <a:r>
+              <a:t> particle-derived vars on comp struct, </a:t>
+            </a:r>
+            <a:r>
+              <a:rPr b="1"/>
+              <a:t>make local TRACE vars</a:t>
+            </a:r>
+            <a:r>
+              <a:t> instead. </a:t>
+            </a:r>
+          </a:p>
+          <a:p>
+            <a:pPr lvl="1" marL="314640" indent="-150479" defTabSz="694944">
+              <a:spcBef>
+                <a:spcPts val="300"/>
+              </a:spcBef>
+              <a:buChar char="•"/>
+              <a:defRPr sz="1368"/>
+            </a:pPr>
+            <a:r>
+              <a:t>Exception: Monitors, handle arrays in #pragma acc atomic clauses</a:t>
+            </a:r>
+            <a:br/>
+          </a:p>
+          <a:p>
+            <a:pPr marL="150479" indent="-150479" defTabSz="694944">
+              <a:spcBef>
+                <a:spcPts val="300"/>
+              </a:spcBef>
+              <a:defRPr sz="1368"/>
+            </a:pPr>
+            <a:r>
+              <a:rPr b="1"/>
+              <a:t>Don’t</a:t>
+            </a:r>
+            <a:r>
+              <a:t> use </a:t>
+            </a:r>
+            <a:r>
+              <a:rPr b="1"/>
+              <a:t>RESTORE_NEUTRON</a:t>
+            </a:r>
+            <a:r>
+              <a:t> in TRACE to do a </a:t>
+            </a:r>
+            <a:r>
+              <a:rPr b="1"/>
+              <a:t>local</a:t>
+            </a:r>
+            <a:r>
+              <a:t> restore, the macro only raises a flag</a:t>
+            </a:r>
+          </a:p>
+        </p:txBody>
+      </p:sp>
+      <p:sp>
+        <p:nvSpPr>
+          <p:cNvPr id="723" name="Slide Number"/>
+          <p:cNvSpPr txBox="1"/>
+          <p:nvPr>
+            <p:ph type="sldNum" sz="quarter" idx="2"/>
+          </p:nvPr>
+        </p:nvSpPr>
+        <p:spPr>
+          <a:prstGeom prst="rect">
+            <a:avLst/>
+          </a:prstGeom>
+          <a:extLst>
+            <a:ext uri="{C572A759-6A51-4108-AA02-DFA0A04FC94B}">
+              <ma14:wrappingTextBoxFlag xmlns:ma14="http://schemas.microsoft.com/office/mac/drawingml/2011/main" val="1"/>
+            </a:ext>
+          </a:extLst>
+        </p:spPr>
+        <p:txBody>
+          <a:bodyPr/>
+          <a:lstStyle/>
+          <a:p>
+            <a:pPr/>
+            <a:fld id="{86CB4B4D-7CA3-9044-876B-883B54F8677D}" type="slidenum"/>
+          </a:p>
+        </p:txBody>
+      </p:sp>
+      <p:pic>
+        <p:nvPicPr>
+          <p:cNvPr id="724" name="Unknown.png" descr="Unknown.png"/>
+          <p:cNvPicPr>
+            <a:picLocks noChangeAspect="1"/>
+          </p:cNvPicPr>
+          <p:nvPr/>
+        </p:nvPicPr>
+        <p:blipFill>
+          <a:blip r:embed="rId2">
+            <a:extLst/>
+          </a:blip>
+          <a:stretch>
+            <a:fillRect/>
+          </a:stretch>
+        </p:blipFill>
+        <p:spPr>
+          <a:xfrm>
+            <a:off x="878435" y="4016376"/>
+            <a:ext cx="992494" cy="468848"/>
+          </a:xfrm>
+          <a:prstGeom prst="rect">
+            <a:avLst/>
+          </a:prstGeom>
+          <a:ln w="12700">
+            <a:miter lim="400000"/>
+          </a:ln>
+        </p:spPr>
+      </p:pic>
+      <p:pic>
+        <p:nvPicPr>
+          <p:cNvPr id="725" name="Unknown.png" descr="Unknown.png"/>
+          <p:cNvPicPr>
+            <a:picLocks noChangeAspect="1"/>
+          </p:cNvPicPr>
+          <p:nvPr/>
+        </p:nvPicPr>
+        <p:blipFill>
+          <a:blip r:embed="rId2">
+            <a:extLst/>
+          </a:blip>
+          <a:stretch>
+            <a:fillRect/>
+          </a:stretch>
+        </p:blipFill>
+        <p:spPr>
+          <a:xfrm>
+            <a:off x="878435" y="3468176"/>
+            <a:ext cx="992494" cy="468848"/>
+          </a:xfrm>
+          <a:prstGeom prst="rect">
+            <a:avLst/>
+          </a:prstGeom>
+          <a:ln w="12700">
+            <a:miter lim="400000"/>
+          </a:ln>
+        </p:spPr>
+      </p:pic>
+      <p:pic>
+        <p:nvPicPr>
+          <p:cNvPr id="726" name="Unknown.png" descr="Unknown.png"/>
+          <p:cNvPicPr>
+            <a:picLocks noChangeAspect="1"/>
+          </p:cNvPicPr>
+          <p:nvPr/>
+        </p:nvPicPr>
+        <p:blipFill>
+          <a:blip r:embed="rId2">
+            <a:extLst/>
+          </a:blip>
+          <a:stretch>
+            <a:fillRect/>
+          </a:stretch>
+        </p:blipFill>
+        <p:spPr>
+          <a:xfrm>
+            <a:off x="878435" y="4564576"/>
+            <a:ext cx="992494" cy="468848"/>
+          </a:xfrm>
+          <a:prstGeom prst="rect">
+            <a:avLst/>
+          </a:prstGeom>
+          <a:ln w="12700">
+            <a:miter lim="400000"/>
+          </a:ln>
+        </p:spPr>
+      </p:pic>
+      <p:pic>
+        <p:nvPicPr>
+          <p:cNvPr id="727" name="Unknown.png" descr="Unknown.png"/>
+          <p:cNvPicPr>
+            <a:picLocks noChangeAspect="1"/>
+          </p:cNvPicPr>
+          <p:nvPr/>
+        </p:nvPicPr>
+        <p:blipFill>
+          <a:blip r:embed="rId2">
+            <a:extLst/>
+          </a:blip>
+          <a:stretch>
+            <a:fillRect/>
+          </a:stretch>
+        </p:blipFill>
+        <p:spPr>
+          <a:xfrm>
+            <a:off x="878435" y="5177514"/>
+            <a:ext cx="992494" cy="468848"/>
+          </a:xfrm>
+          <a:prstGeom prst="rect">
+            <a:avLst/>
+          </a:prstGeom>
+          <a:ln w="12700">
+            <a:miter lim="400000"/>
+          </a:ln>
+        </p:spPr>
+      </p:pic>
+      <p:pic>
+        <p:nvPicPr>
+          <p:cNvPr id="728" name="CrossCheck_logo.jpg" descr="CrossCheck_logo.jpg"/>
+          <p:cNvPicPr>
+            <a:picLocks noChangeAspect="1"/>
+          </p:cNvPicPr>
+          <p:nvPr/>
+        </p:nvPicPr>
+        <p:blipFill>
+          <a:blip r:embed="rId3">
+            <a:extLst/>
+          </a:blip>
+          <a:stretch>
+            <a:fillRect/>
+          </a:stretch>
+        </p:blipFill>
+        <p:spPr>
+          <a:xfrm>
+            <a:off x="10085509" y="283554"/>
+            <a:ext cx="1492399" cy="256196"/>
+          </a:xfrm>
+          <a:prstGeom prst="rect">
+            <a:avLst/>
+          </a:prstGeom>
+          <a:ln w="12700">
+            <a:miter lim="400000"/>
+          </a:ln>
+        </p:spPr>
+      </p:pic>
+      <p:sp>
+        <p:nvSpPr>
+          <p:cNvPr id="729" name="Should give the SAME on CPU and GPU!"/>
+          <p:cNvSpPr txBox="1"/>
+          <p:nvPr/>
+        </p:nvSpPr>
+        <p:spPr>
+          <a:xfrm>
+            <a:off x="10126449" y="568277"/>
+            <a:ext cx="1410519" cy="300231"/>
+          </a:xfrm>
+          <a:prstGeom prst="rect">
+            <a:avLst/>
+          </a:prstGeom>
+          <a:ln w="12700">
+            <a:miter lim="400000"/>
+          </a:ln>
+          <a:extLst>
+            <a:ext uri="{C572A759-6A51-4108-AA02-DFA0A04FC94B}">
+              <ma14:wrappingTextBoxFlag xmlns:ma14="http://schemas.microsoft.com/office/mac/drawingml/2011/main" val="1"/>
+            </a:ext>
+          </a:extLst>
+        </p:spPr>
+        <p:txBody>
+          <a:bodyPr wrap="none" lIns="0" tIns="0" rIns="0" bIns="0">
+            <a:spAutoFit/>
+          </a:bodyPr>
+          <a:lstStyle/>
+          <a:p>
+            <a:pPr>
+              <a:defRPr sz="1100"/>
+            </a:pPr>
+            <a:r>
+              <a:t>Should give the SAME</a:t>
+            </a:r>
+            <a:br/>
+            <a:r>
+              <a:t>on CPU and GPU!</a:t>
+            </a:r>
+          </a:p>
+        </p:txBody>
+      </p:sp>
+    </p:spTree>
+  </p:cSld>
+  <p:clrMapOvr>
+    <a:masterClrMapping/>
+  </p:clrMapOvr>
+  <p:transition xmlns:p14="http://schemas.microsoft.com/office/powerpoint/2010/main" spd="med" advClick="1"/>
+</p:sld>
+</file>
+
+<file path=ppt/slides/slide17.xml><?xml version="1.0" encoding="utf-8"?>
+<p:sld xmlns:a="http://schemas.openxmlformats.org/drawingml/2006/main" xmlns:r="http://schemas.openxmlformats.org/officeDocument/2006/relationships" xmlns:p="http://schemas.openxmlformats.org/presentationml/2006/main" xmlns:m="http://schemas.openxmlformats.org/officeDocument/2006/math" xmlns:a14="http://schemas.microsoft.com/office/drawing/2010/main" showMasterSp="1" showMasterPhAnim="1">
+  <p:cSld>
+    <p:spTree>
+      <p:nvGrpSpPr>
+        <p:cNvPr id="1" name=""/>
+        <p:cNvGrpSpPr/>
+        <p:nvPr/>
+      </p:nvGrpSpPr>
+      <p:grpSpPr>
+        <a:xfrm>
+          <a:off x="0" y="0"/>
+          <a:ext cx="0" cy="0"/>
+          <a:chOff x="0" y="0"/>
+          <a:chExt cx="0" cy="0"/>
+        </a:xfrm>
+      </p:grpSpPr>
+      <p:sp>
+        <p:nvSpPr>
+          <p:cNvPr id="731" name="Highlights of comps that work differently"/>
+          <p:cNvSpPr txBox="1"/>
+          <p:nvPr>
+            <p:ph type="title"/>
+          </p:nvPr>
+        </p:nvSpPr>
+        <p:spPr>
+          <a:prstGeom prst="rect">
+            <a:avLst/>
+          </a:prstGeom>
+        </p:spPr>
+        <p:txBody>
+          <a:bodyPr/>
+          <a:lstStyle/>
+          <a:p>
+            <a:pPr/>
+            <a:r>
+              <a:t>Highlights of comps that work differently</a:t>
+            </a:r>
+          </a:p>
+        </p:txBody>
+      </p:sp>
+      <p:sp>
+        <p:nvSpPr>
+          <p:cNvPr id="732" name="Monitor_nD  uservars are strings user1=“flag”, they use _particle_getvar to access instrument USERVARS…"/>
+          <p:cNvSpPr txBox="1"/>
+          <p:nvPr>
+            <p:ph type="body" idx="1"/>
+          </p:nvPr>
+        </p:nvSpPr>
+        <p:spPr>
+          <a:xfrm>
+            <a:off x="1350568" y="2115204"/>
+            <a:ext cx="9312375" cy="4545579"/>
+          </a:xfrm>
+          <a:prstGeom prst="rect">
+            <a:avLst/>
+          </a:prstGeom>
+        </p:spPr>
+        <p:txBody>
+          <a:bodyPr/>
+          <a:lstStyle/>
+          <a:p>
+            <a:pPr/>
+            <a:r>
+              <a:t>Monitor_nD </a:t>
+            </a:r>
+            <a:br/>
+            <a:r>
+              <a:t>uservars are strings user1=“flag”, they use _particle_getvar to access instrument USERVARS</a:t>
+            </a:r>
+            <a:br/>
+            <a:br/>
+          </a:p>
+          <a:p>
+            <a:pPr/>
+            <a:r>
+              <a:t>MCPL_input and MCPL_output </a:t>
+            </a:r>
+            <a:br/>
+            <a:r>
+              <a:t>do most of their work in INIT/FINALLY - buffers transferred for TRACE use</a:t>
+            </a:r>
+            <a:br/>
+            <a:br/>
+          </a:p>
+          <a:p>
+            <a:pPr/>
+            <a:r>
+              <a:t>PowderN + Single_crystal + Isotropic_sqw </a:t>
+            </a:r>
+            <a:br/>
+            <a:r>
+              <a:t>don’t check for “same particle as before”</a:t>
+            </a:r>
+            <a:br/>
+            <a:r>
+              <a:t>- in SPLIT cases, no particle state info is kept </a:t>
+            </a:r>
+            <a:br/>
+            <a:r>
+              <a:t>(we could potentially use _particle and “USERVARS” injected from the comps…)</a:t>
+            </a:r>
+          </a:p>
+        </p:txBody>
+      </p:sp>
+      <p:sp>
+        <p:nvSpPr>
+          <p:cNvPr id="733" name="Slide Number"/>
+          <p:cNvSpPr txBox="1"/>
+          <p:nvPr>
+            <p:ph type="sldNum" sz="quarter" idx="2"/>
+          </p:nvPr>
+        </p:nvSpPr>
+        <p:spPr>
+          <a:prstGeom prst="rect">
+            <a:avLst/>
+          </a:prstGeom>
+          <a:extLst>
+            <a:ext uri="{C572A759-6A51-4108-AA02-DFA0A04FC94B}">
+              <ma14:wrappingTextBoxFlag xmlns:ma14="http://schemas.microsoft.com/office/mac/drawingml/2011/main" val="1"/>
+            </a:ext>
+          </a:extLst>
+        </p:spPr>
+        <p:txBody>
+          <a:bodyPr/>
+          <a:lstStyle/>
+          <a:p>
+            <a:pPr/>
+            <a:fld id="{86CB4B4D-7CA3-9044-876B-883B54F8677D}" type="slidenum"/>
+          </a:p>
+        </p:txBody>
+      </p:sp>
+    </p:spTree>
+  </p:cSld>
+  <p:clrMapOvr>
+    <a:masterClrMapping/>
+  </p:clrMapOvr>
+  <p:transition xmlns:p14="http://schemas.microsoft.com/office/powerpoint/2010/main" spd="med" advClick="1"/>
+</p:sld>
+</file>
+
+<file path=ppt/slides/slide18.xml><?xml version="1.0" encoding="utf-8"?>
+<p:sld xmlns:a="http://schemas.openxmlformats.org/drawingml/2006/main" xmlns:r="http://schemas.openxmlformats.org/officeDocument/2006/relationships" xmlns:p="http://schemas.openxmlformats.org/presentationml/2006/main" xmlns:m="http://schemas.openxmlformats.org/officeDocument/2006/math" xmlns:a14="http://schemas.microsoft.com/office/drawing/2010/main" showMasterSp="1" showMasterPhAnim="1">
+  <p:cSld>
+    <p:spTree>
+      <p:nvGrpSpPr>
+        <p:cNvPr id="1" name=""/>
+        <p:cNvGrpSpPr/>
+        <p:nvPr/>
+      </p:nvGrpSpPr>
+      <p:grpSpPr>
+        <a:xfrm>
+          <a:off x="0" y="0"/>
+          <a:ext cx="0" cy="0"/>
+          <a:chOff x="0" y="0"/>
+          <a:chExt cx="0" cy="0"/>
+        </a:xfrm>
+      </p:grpSpPr>
+      <p:sp>
+        <p:nvSpPr>
+          <p:cNvPr id="735" name="The team, Nvidia mentors and Hackathon hosts :-)"/>
+          <p:cNvSpPr txBox="1"/>
+          <p:nvPr>
+            <p:ph type="title"/>
+          </p:nvPr>
+        </p:nvSpPr>
+        <p:spPr>
+          <a:prstGeom prst="rect">
+            <a:avLst/>
+          </a:prstGeom>
+        </p:spPr>
+        <p:txBody>
+          <a:bodyPr/>
+          <a:lstStyle/>
+          <a:p>
+            <a:pPr/>
+            <a:r>
+              <a:t>The team, Nvidia mentors and Hackathon hosts :-)</a:t>
+            </a:r>
+          </a:p>
+        </p:txBody>
+      </p:sp>
+      <p:sp>
+        <p:nvSpPr>
+          <p:cNvPr id="736" name="Slide Number"/>
+          <p:cNvSpPr txBox="1"/>
+          <p:nvPr>
+            <p:ph type="sldNum" sz="quarter" idx="2"/>
+          </p:nvPr>
+        </p:nvSpPr>
+        <p:spPr>
+          <a:prstGeom prst="rect">
+            <a:avLst/>
+          </a:prstGeom>
+          <a:extLst>
+            <a:ext uri="{C572A759-6A51-4108-AA02-DFA0A04FC94B}">
+              <ma14:wrappingTextBoxFlag xmlns:ma14="http://schemas.microsoft.com/office/mac/drawingml/2011/main" val="1"/>
+            </a:ext>
+          </a:extLst>
+        </p:spPr>
+        <p:txBody>
+          <a:bodyPr/>
+          <a:lstStyle/>
+          <a:p>
+            <a:pPr/>
+            <a:fld id="{86CB4B4D-7CA3-9044-876B-883B54F8677D}" type="slidenum"/>
+          </a:p>
+        </p:txBody>
+      </p:sp>
       <p:grpSp>
         <p:nvGrpSpPr>
-          <p:cNvPr id="689" name="Group"/>
+          <p:cNvPr id="747" name="Group"/>
           <p:cNvGrpSpPr/>
           <p:nvPr/>
         </p:nvGrpSpPr>
@@ -35642,7 +37088,7 @@
         </p:grpSpPr>
         <p:pic>
           <p:nvPicPr>
-            <p:cNvPr id="679" name="Image" descr="Image"/>
+            <p:cNvPr id="737" name="Image" descr="Image"/>
             <p:cNvPicPr>
               <a:picLocks noChangeAspect="1"/>
             </p:cNvPicPr>
@@ -35674,7 +37120,7 @@
         </p:pic>
         <p:sp>
           <p:nvSpPr>
-            <p:cNvPr id="680" name="Jakob"/>
+            <p:cNvPr id="738" name="Jakob"/>
             <p:cNvSpPr/>
             <p:nvPr/>
           </p:nvSpPr>
@@ -35723,7 +37169,7 @@
         </p:sp>
         <p:sp>
           <p:nvSpPr>
-            <p:cNvPr id="681" name="Peter"/>
+            <p:cNvPr id="739" name="Peter"/>
             <p:cNvSpPr/>
             <p:nvPr/>
           </p:nvSpPr>
@@ -35770,7 +37216,7 @@
         </p:sp>
         <p:sp>
           <p:nvSpPr>
-            <p:cNvPr id="682" name="Mads"/>
+            <p:cNvPr id="740" name="Mads"/>
             <p:cNvSpPr/>
             <p:nvPr/>
           </p:nvSpPr>
@@ -35817,7 +37263,7 @@
         </p:sp>
         <p:sp>
           <p:nvSpPr>
-            <p:cNvPr id="683" name="Erik"/>
+            <p:cNvPr id="741" name="Erik"/>
             <p:cNvSpPr/>
             <p:nvPr/>
           </p:nvSpPr>
@@ -35864,7 +37310,7 @@
         </p:sp>
         <p:sp>
           <p:nvSpPr>
-            <p:cNvPr id="684" name="Tobias"/>
+            <p:cNvPr id="742" name="Tobias"/>
             <p:cNvSpPr/>
             <p:nvPr/>
           </p:nvSpPr>
@@ -35911,7 +37357,7 @@
         </p:sp>
         <p:sp>
           <p:nvSpPr>
-            <p:cNvPr id="685" name="Torben"/>
+            <p:cNvPr id="743" name="Torben"/>
             <p:cNvSpPr/>
             <p:nvPr/>
           </p:nvSpPr>
@@ -35958,7 +37404,7 @@
         </p:sp>
         <p:sp>
           <p:nvSpPr>
-            <p:cNvPr id="686" name="Gino - (RAMP)"/>
+            <p:cNvPr id="744" name="Gino - (RAMP)"/>
             <p:cNvSpPr/>
             <p:nvPr/>
           </p:nvSpPr>
@@ -36007,7 +37453,7 @@
         </p:sp>
         <p:sp>
           <p:nvSpPr>
-            <p:cNvPr id="687" name="Emmanuel"/>
+            <p:cNvPr id="745" name="Emmanuel"/>
             <p:cNvSpPr/>
             <p:nvPr/>
           </p:nvSpPr>
@@ -36056,7 +37502,7 @@
         </p:sp>
         <p:pic>
           <p:nvPicPr>
-            <p:cNvPr id="688" name="Image" descr="Image"/>
+            <p:cNvPr id="746" name="Image" descr="Image"/>
             <p:cNvPicPr>
               <a:picLocks noChangeAspect="1"/>
             </p:cNvPicPr>
@@ -36089,7 +37535,7 @@
       </p:grpSp>
       <p:pic>
         <p:nvPicPr>
-          <p:cNvPr id="690" name="Image" descr="Image"/>
+          <p:cNvPr id="748" name="Image" descr="Image"/>
           <p:cNvPicPr>
             <a:picLocks noChangeAspect="1"/>
           </p:cNvPicPr>
@@ -36118,7 +37564,7 @@
       </p:pic>
       <p:pic>
         <p:nvPicPr>
-          <p:cNvPr id="691" name="Image" descr="Image"/>
+          <p:cNvPr id="749" name="Image" descr="Image"/>
           <p:cNvPicPr>
             <a:picLocks noChangeAspect="1"/>
           </p:cNvPicPr>
@@ -36148,7 +37594,7 @@
       </p:pic>
       <p:pic>
         <p:nvPicPr>
-          <p:cNvPr id="692" name="Image" descr="Image"/>
+          <p:cNvPr id="750" name="Image" descr="Image"/>
           <p:cNvPicPr>
             <a:picLocks noChangeAspect="1"/>
           </p:cNvPicPr>
@@ -36177,7 +37623,7 @@
       </p:pic>
       <p:pic>
         <p:nvPicPr>
-          <p:cNvPr id="693" name="Image" descr="Image"/>
+          <p:cNvPr id="751" name="Image" descr="Image"/>
           <p:cNvPicPr>
             <a:picLocks noChangeAspect="1"/>
           </p:cNvPicPr>
@@ -36207,7 +37653,7 @@
       </p:pic>
       <p:pic>
         <p:nvPicPr>
-          <p:cNvPr id="694" name="Image" descr="Image"/>
+          <p:cNvPr id="752" name="Image" descr="Image"/>
           <p:cNvPicPr>
             <a:picLocks noChangeAspect="1"/>
           </p:cNvPicPr>
@@ -36237,7 +37683,7 @@
       </p:pic>
       <p:pic>
         <p:nvPicPr>
-          <p:cNvPr id="695" name="Image" descr="Image"/>
+          <p:cNvPr id="753" name="Image" descr="Image"/>
           <p:cNvPicPr>
             <a:picLocks noChangeAspect="1"/>
           </p:cNvPicPr>
@@ -36266,7 +37712,7 @@
       </p:pic>
       <p:pic>
         <p:nvPicPr>
-          <p:cNvPr id="696" name="Image" descr="Image"/>
+          <p:cNvPr id="754" name="Image" descr="Image"/>
           <p:cNvPicPr>
             <a:picLocks noChangeAspect="1"/>
           </p:cNvPicPr>
@@ -36295,7 +37741,7 @@
       </p:pic>
       <p:pic>
         <p:nvPicPr>
-          <p:cNvPr id="697" name="Unknown.png" descr="Unknown.png"/>
+          <p:cNvPr id="755" name="Unknown.png" descr="Unknown.png"/>
           <p:cNvPicPr>
             <a:picLocks noChangeAspect="1"/>
           </p:cNvPicPr>
@@ -36324,7 +37770,7 @@
       </p:pic>
       <p:pic>
         <p:nvPicPr>
-          <p:cNvPr id="698" name="0.jpeg" descr="0.jpeg"/>
+          <p:cNvPr id="756" name="0.jpeg" descr="0.jpeg"/>
           <p:cNvPicPr>
             <a:picLocks noChangeAspect="1"/>
           </p:cNvPicPr>
@@ -36354,7 +37800,7 @@
       </p:pic>
       <p:pic>
         <p:nvPicPr>
-          <p:cNvPr id="699" name="0.jpeg" descr="0.jpeg"/>
+          <p:cNvPr id="757" name="0.jpeg" descr="0.jpeg"/>
           <p:cNvPicPr>
             <a:picLocks noChangeAspect="1"/>
           </p:cNvPicPr>
@@ -36383,7 +37829,7 @@
       </p:pic>
       <p:pic>
         <p:nvPicPr>
-          <p:cNvPr id="700" name="0.jpeg" descr="0.jpeg"/>
+          <p:cNvPr id="758" name="0.jpeg" descr="0.jpeg"/>
           <p:cNvPicPr>
             <a:picLocks noChangeAspect="1"/>
           </p:cNvPicPr>
@@ -36412,7 +37858,7 @@
       </p:pic>
       <p:sp>
         <p:nvSpPr>
-          <p:cNvPr id="701" name="Vishal Metha"/>
+          <p:cNvPr id="759" name="Vishal Metha"/>
           <p:cNvSpPr txBox="1"/>
           <p:nvPr/>
         </p:nvSpPr>
@@ -36452,7 +37898,7 @@
       </p:sp>
       <p:sp>
         <p:nvSpPr>
-          <p:cNvPr id="702" name="Christian Hundt"/>
+          <p:cNvPr id="760" name="Christian Hundt"/>
           <p:cNvSpPr txBox="1"/>
           <p:nvPr/>
         </p:nvSpPr>
@@ -36492,7 +37938,7 @@
       </p:sp>
       <p:sp>
         <p:nvSpPr>
-          <p:cNvPr id="703" name="Alexey Romanenko"/>
+          <p:cNvPr id="761" name="Alexey Romanenko"/>
           <p:cNvSpPr txBox="1"/>
           <p:nvPr/>
         </p:nvSpPr>
@@ -36532,7 +37978,7 @@
       </p:sp>
       <p:pic>
         <p:nvPicPr>
-          <p:cNvPr id="704" name="Image" descr="Image"/>
+          <p:cNvPr id="762" name="Image" descr="Image"/>
           <p:cNvPicPr>
             <a:picLocks noChangeAspect="1"/>
           </p:cNvPicPr>
@@ -36561,7 +38007,7 @@
       </p:pic>
       <p:pic>
         <p:nvPicPr>
-          <p:cNvPr id="705" name="0.jpeg" descr="0.jpeg"/>
+          <p:cNvPr id="763" name="0.jpeg" descr="0.jpeg"/>
           <p:cNvPicPr>
             <a:picLocks noChangeAspect="1"/>
           </p:cNvPicPr>
@@ -36590,7 +38036,7 @@
       </p:pic>
       <p:pic>
         <p:nvPicPr>
-          <p:cNvPr id="706" name="Image" descr="Image"/>
+          <p:cNvPr id="764" name="Image" descr="Image"/>
           <p:cNvPicPr>
             <a:picLocks noChangeAspect="1"/>
           </p:cNvPicPr>
@@ -36619,7 +38065,7 @@
       </p:pic>
       <p:sp>
         <p:nvSpPr>
-          <p:cNvPr id="707" name="Guido Juckeland"/>
+          <p:cNvPr id="765" name="Guido Juckeland"/>
           <p:cNvSpPr txBox="1"/>
           <p:nvPr/>
         </p:nvSpPr>
@@ -36659,7 +38105,7 @@
       </p:sp>
       <p:sp>
         <p:nvSpPr>
-          <p:cNvPr id="708" name="Sebastian von Alfthan"/>
+          <p:cNvPr id="766" name="Sebastian von Alfthan"/>
           <p:cNvSpPr txBox="1"/>
           <p:nvPr/>
         </p:nvSpPr>
@@ -36699,7 +38145,7 @@
       </p:sp>
       <p:pic>
         <p:nvPicPr>
-          <p:cNvPr id="709" name="0.jpeg" descr="0.jpeg"/>
+          <p:cNvPr id="767" name="0.jpeg" descr="0.jpeg"/>
           <p:cNvPicPr>
             <a:picLocks noChangeAspect="1"/>
           </p:cNvPicPr>
@@ -36728,7 +38174,7 @@
       </p:pic>
       <p:sp>
         <p:nvSpPr>
-          <p:cNvPr id="710" name="UserProfile.Offices.Workarea_{{DocumentLanguage}}text"/>
+          <p:cNvPr id="768" name="UserProfile.Offices.Workarea_{{DocumentLanguage}}text"/>
           <p:cNvSpPr txBox="1"/>
           <p:nvPr/>
         </p:nvSpPr>
@@ -36775,7 +38221,7 @@
       </p:sp>
       <p:pic>
         <p:nvPicPr>
-          <p:cNvPr id="711" name="Unknown.png" descr="Unknown.png"/>
+          <p:cNvPr id="769" name="Unknown.png" descr="Unknown.png"/>
           <p:cNvPicPr>
             <a:picLocks noChangeAspect="1"/>
           </p:cNvPicPr>
@@ -36812,1571 +38258,6 @@
 </p:sld>
 </file>
 
-<file path=ppt/slides/slide14.xml><?xml version="1.0" encoding="utf-8"?>
-<p:sld xmlns:a="http://schemas.openxmlformats.org/drawingml/2006/main" xmlns:r="http://schemas.openxmlformats.org/officeDocument/2006/relationships" xmlns:p="http://schemas.openxmlformats.org/presentationml/2006/main" xmlns:m="http://schemas.openxmlformats.org/officeDocument/2006/math" xmlns:a14="http://schemas.microsoft.com/office/drawing/2010/main" showMasterSp="1" showMasterPhAnim="1">
-  <p:cSld>
-    <p:spTree>
-      <p:nvGrpSpPr>
-        <p:cNvPr id="1" name=""/>
-        <p:cNvGrpSpPr/>
-        <p:nvPr/>
-      </p:nvGrpSpPr>
-      <p:grpSpPr>
-        <a:xfrm>
-          <a:off x="0" y="0"/>
-          <a:ext cx="0" cy="0"/>
-          <a:chOff x="0" y="0"/>
-          <a:chExt cx="0" cy="0"/>
-        </a:xfrm>
-      </p:grpSpPr>
-      <p:sp>
-        <p:nvSpPr>
-          <p:cNvPr id="713" name="What code-parts got #pragma acc"/>
-          <p:cNvSpPr txBox="1"/>
-          <p:nvPr>
-            <p:ph type="title"/>
-          </p:nvPr>
-        </p:nvSpPr>
-        <p:spPr>
-          <a:xfrm>
-            <a:off x="4351042" y="-297861"/>
-            <a:ext cx="9312375" cy="972717"/>
-          </a:xfrm>
-          <a:prstGeom prst="rect">
-            <a:avLst/>
-          </a:prstGeom>
-        </p:spPr>
-        <p:txBody>
-          <a:bodyPr/>
-          <a:lstStyle/>
-          <a:p>
-            <a:pPr/>
-            <a:r>
-              <a:t>What code-parts got #pragma acc</a:t>
-            </a:r>
-          </a:p>
-        </p:txBody>
-      </p:sp>
-      <p:sp>
-        <p:nvSpPr>
-          <p:cNvPr id="714" name="Slide Number"/>
-          <p:cNvSpPr txBox="1"/>
-          <p:nvPr>
-            <p:ph type="sldNum" sz="quarter" idx="2"/>
-          </p:nvPr>
-        </p:nvSpPr>
-        <p:spPr>
-          <a:prstGeom prst="rect">
-            <a:avLst/>
-          </a:prstGeom>
-          <a:extLst>
-            <a:ext uri="{C572A759-6A51-4108-AA02-DFA0A04FC94B}">
-              <ma14:wrappingTextBoxFlag xmlns:ma14="http://schemas.microsoft.com/office/mac/drawingml/2011/main" val="1"/>
-            </a:ext>
-          </a:extLst>
-        </p:spPr>
-        <p:txBody>
-          <a:bodyPr/>
-          <a:lstStyle/>
-          <a:p>
-            <a:pPr/>
-            <a:fld id="{86CB4B4D-7CA3-9044-876B-883B54F8677D}" type="slidenum"/>
-          </a:p>
-        </p:txBody>
-      </p:sp>
-      <p:sp>
-        <p:nvSpPr>
-          <p:cNvPr id="715" name="All monitors:…"/>
-          <p:cNvSpPr txBox="1"/>
-          <p:nvPr/>
-        </p:nvSpPr>
-        <p:spPr>
-          <a:xfrm>
-            <a:off x="8912867" y="780303"/>
-            <a:ext cx="2357964" cy="826473"/>
-          </a:xfrm>
-          <a:prstGeom prst="rect">
-            <a:avLst/>
-          </a:prstGeom>
-          <a:solidFill>
-            <a:srgbClr val="FFFFFF"/>
-          </a:solidFill>
-          <a:ln w="25400">
-            <a:solidFill>
-              <a:schemeClr val="accent1"/>
-            </a:solidFill>
-          </a:ln>
-          <a:extLst>
-            <a:ext uri="{C572A759-6A51-4108-AA02-DFA0A04FC94B}">
-              <ma14:wrappingTextBoxFlag xmlns:ma14="http://schemas.microsoft.com/office/mac/drawingml/2011/main" val="1"/>
-            </a:ext>
-          </a:extLst>
-        </p:spPr>
-        <p:txBody>
-          <a:bodyPr lIns="0" tIns="0" rIns="0" bIns="0">
-            <a:spAutoFit/>
-          </a:bodyPr>
-          <a:lstStyle/>
-          <a:p>
-            <a:pPr/>
-            <a:r>
-              <a:t>All </a:t>
-            </a:r>
-            <a:r>
-              <a:rPr b="1"/>
-              <a:t>monitors</a:t>
-            </a:r>
-            <a:r>
-              <a:t>:</a:t>
-            </a:r>
-          </a:p>
-          <a:p>
-            <a:pPr/>
-            <a:r>
-              <a:t>#pragma acc atomic </a:t>
-            </a:r>
-            <a:br/>
-            <a:r>
-              <a:t>sections for arrays</a:t>
-            </a:r>
-          </a:p>
-        </p:txBody>
-      </p:sp>
-      <p:sp>
-        <p:nvSpPr>
-          <p:cNvPr id="716" name="Contrib comps: (atomics in mon’s, #pragma acc routine for TRACE-funcs)  contrib/FermiChopper_ILL.comp contrib/Guide_honeycomb.comp contrib/ISIS_moderator.comp contrib/Lens.comp contrib/Mirror_Elliptic.comp contrib/Mirror_Parabolic.comp contrib/PSD_Detect"/>
-          <p:cNvSpPr txBox="1"/>
-          <p:nvPr/>
-        </p:nvSpPr>
-        <p:spPr>
-          <a:xfrm>
-            <a:off x="8488741" y="3221259"/>
-            <a:ext cx="3546575" cy="3219153"/>
-          </a:xfrm>
-          <a:prstGeom prst="rect">
-            <a:avLst/>
-          </a:prstGeom>
-          <a:solidFill>
-            <a:srgbClr val="FFFFFF"/>
-          </a:solidFill>
-          <a:ln w="25400">
-            <a:solidFill>
-              <a:schemeClr val="accent1"/>
-            </a:solidFill>
-          </a:ln>
-          <a:extLst>
-            <a:ext uri="{C572A759-6A51-4108-AA02-DFA0A04FC94B}">
-              <ma14:wrappingTextBoxFlag xmlns:ma14="http://schemas.microsoft.com/office/mac/drawingml/2011/main" val="1"/>
-            </a:ext>
-          </a:extLst>
-        </p:spPr>
-        <p:txBody>
-          <a:bodyPr wrap="none" lIns="0" tIns="0" rIns="0" bIns="0">
-            <a:spAutoFit/>
-          </a:bodyPr>
-          <a:lstStyle/>
-          <a:p>
-            <a:pPr/>
-            <a:r>
-              <a:rPr b="1"/>
-              <a:t>Contrib</a:t>
-            </a:r>
-            <a:r>
-              <a:t> comps: (atomics in mon’s,</a:t>
-            </a:r>
-            <a:br/>
-            <a:r>
-              <a:t>#pragma acc routine for TRACE-funcs)</a:t>
-            </a:r>
-            <a:br/>
-            <a:br/>
-            <a:r>
-              <a:t>contrib/FermiChopper_ILL.comp</a:t>
-            </a:r>
-            <a:br/>
-            <a:r>
-              <a:t>contrib/Guide_honeycomb.comp</a:t>
-            </a:r>
-            <a:br/>
-            <a:r>
-              <a:t>contrib/ISIS_moderator.comp</a:t>
-            </a:r>
-            <a:br/>
-            <a:r>
-              <a:t>contrib/Lens.comp</a:t>
-            </a:r>
-            <a:br/>
-            <a:r>
-              <a:t>contrib/Mirror_Elliptic.comp</a:t>
-            </a:r>
-            <a:br/>
-            <a:r>
-              <a:t>contrib/Mirror_Parabolic.comp</a:t>
-            </a:r>
-            <a:br/>
-            <a:r>
-              <a:t>contrib/PSD_Detector.comp</a:t>
-            </a:r>
-            <a:br/>
-            <a:r>
-              <a:t>contrib/PSD_monitor_rad.comp</a:t>
-            </a:r>
-            <a:br/>
-            <a:r>
-              <a:t>contrib/SNS_source.comp</a:t>
-            </a:r>
-            <a:br/>
-            <a:r>
-              <a:t>contrib/SNS_source_analytic.comp</a:t>
-            </a:r>
-            <a:br/>
-            <a:r>
-              <a:t>contrib/ViewModISIS.comp</a:t>
-            </a:r>
-          </a:p>
-        </p:txBody>
-      </p:sp>
-      <p:sp>
-        <p:nvSpPr>
-          <p:cNvPr id="717" name="Misc: atomic capture for  insertion in array of particle events  misc/MCPL_output.comp"/>
-          <p:cNvSpPr txBox="1"/>
-          <p:nvPr/>
-        </p:nvSpPr>
-        <p:spPr>
-          <a:xfrm>
-            <a:off x="8853053" y="1718841"/>
-            <a:ext cx="2477592" cy="1390353"/>
-          </a:xfrm>
-          <a:prstGeom prst="rect">
-            <a:avLst/>
-          </a:prstGeom>
-          <a:solidFill>
-            <a:srgbClr val="FFFFFF"/>
-          </a:solidFill>
-          <a:ln w="25400">
-            <a:solidFill>
-              <a:schemeClr val="accent1"/>
-            </a:solidFill>
-          </a:ln>
-          <a:extLst>
-            <a:ext uri="{C572A759-6A51-4108-AA02-DFA0A04FC94B}">
-              <ma14:wrappingTextBoxFlag xmlns:ma14="http://schemas.microsoft.com/office/mac/drawingml/2011/main" val="1"/>
-            </a:ext>
-          </a:extLst>
-        </p:spPr>
-        <p:txBody>
-          <a:bodyPr wrap="none" lIns="0" tIns="0" rIns="0" bIns="0">
-            <a:spAutoFit/>
-          </a:bodyPr>
-          <a:lstStyle/>
-          <a:p>
-            <a:pPr/>
-            <a:r>
-              <a:rPr b="1"/>
-              <a:t>Misc</a:t>
-            </a:r>
-            <a:r>
-              <a:t>:</a:t>
-            </a:r>
-            <a:br/>
-            <a:r>
-              <a:t>atomic capture for </a:t>
-            </a:r>
-            <a:br/>
-            <a:r>
-              <a:t>insertion in array of particle</a:t>
-            </a:r>
-            <a:br/>
-            <a:r>
-              <a:t>events</a:t>
-            </a:r>
-            <a:br/>
-            <a:br/>
-            <a:r>
-              <a:t>misc/MCPL_output.comp</a:t>
-            </a:r>
-          </a:p>
-        </p:txBody>
-      </p:sp>
-      <p:sp>
-        <p:nvSpPr>
-          <p:cNvPr id="718" name="Optics: (TRACE-functions in SHARE +  declare create for Gauss structures)  optics/Elliptic_guide_gravity.comp optics/FermiChopper.comp optics/Guide_gravity.comp optics/Monochromator_curved.comp optics/Monochromator_flat.comp"/>
-          <p:cNvSpPr txBox="1"/>
-          <p:nvPr/>
-        </p:nvSpPr>
-        <p:spPr>
-          <a:xfrm>
-            <a:off x="4703935" y="4592859"/>
-            <a:ext cx="3623371" cy="1847553"/>
-          </a:xfrm>
-          <a:prstGeom prst="rect">
-            <a:avLst/>
-          </a:prstGeom>
-          <a:solidFill>
-            <a:srgbClr val="FFFFFF"/>
-          </a:solidFill>
-          <a:ln w="25400">
-            <a:solidFill>
-              <a:schemeClr val="accent1"/>
-            </a:solidFill>
-          </a:ln>
-          <a:extLst>
-            <a:ext uri="{C572A759-6A51-4108-AA02-DFA0A04FC94B}">
-              <ma14:wrappingTextBoxFlag xmlns:ma14="http://schemas.microsoft.com/office/mac/drawingml/2011/main" val="1"/>
-            </a:ext>
-          </a:extLst>
-        </p:spPr>
-        <p:txBody>
-          <a:bodyPr wrap="none" lIns="0" tIns="0" rIns="0" bIns="0">
-            <a:spAutoFit/>
-          </a:bodyPr>
-          <a:lstStyle/>
-          <a:p>
-            <a:pPr/>
-            <a:r>
-              <a:rPr b="1"/>
-              <a:t>Optics</a:t>
-            </a:r>
-            <a:r>
-              <a:t>: (TRACE-functions in SHARE + </a:t>
-            </a:r>
-            <a:br/>
-            <a:r>
-              <a:t>declare create for Gauss structures)</a:t>
-            </a:r>
-            <a:br/>
-            <a:br/>
-            <a:r>
-              <a:t>optics/Elliptic_guide_gravity.comp</a:t>
-            </a:r>
-            <a:br/>
-            <a:r>
-              <a:t>optics/FermiChopper.comp</a:t>
-            </a:r>
-            <a:br/>
-            <a:r>
-              <a:t>optics/Guide_gravity.comp</a:t>
-            </a:r>
-            <a:br/>
-            <a:r>
-              <a:t>optics/Monochromator_curved.comp</a:t>
-            </a:r>
-            <a:br/>
-            <a:r>
-              <a:t>optics/Monochromator_flat.comp</a:t>
-            </a:r>
-          </a:p>
-        </p:txBody>
-      </p:sp>
-      <p:sp>
-        <p:nvSpPr>
-          <p:cNvPr id="719" name="Samples: (TRACE-functions in SHARE)…"/>
-          <p:cNvSpPr txBox="1"/>
-          <p:nvPr/>
-        </p:nvSpPr>
-        <p:spPr>
-          <a:xfrm>
-            <a:off x="4678536" y="2662602"/>
-            <a:ext cx="3662958" cy="1802240"/>
-          </a:xfrm>
-          <a:prstGeom prst="rect">
-            <a:avLst/>
-          </a:prstGeom>
-          <a:solidFill>
-            <a:srgbClr val="FFFFFF"/>
-          </a:solidFill>
-          <a:ln w="25400">
-            <a:solidFill>
-              <a:schemeClr val="accent1"/>
-            </a:solidFill>
-          </a:ln>
-          <a:extLst>
-            <a:ext uri="{C572A759-6A51-4108-AA02-DFA0A04FC94B}">
-              <ma14:wrappingTextBoxFlag xmlns:ma14="http://schemas.microsoft.com/office/mac/drawingml/2011/main" val="1"/>
-            </a:ext>
-          </a:extLst>
-        </p:spPr>
-        <p:txBody>
-          <a:bodyPr wrap="none" lIns="0" tIns="0" rIns="0" bIns="0">
-            <a:spAutoFit/>
-          </a:bodyPr>
-          <a:lstStyle/>
-          <a:p>
-            <a:pPr>
-              <a:lnSpc>
-                <a:spcPct val="50000"/>
-              </a:lnSpc>
-            </a:pPr>
-            <a:r>
-              <a:rPr b="1"/>
-              <a:t>Samples</a:t>
-            </a:r>
-            <a:r>
-              <a:t>: (TRACE-functions in SHARE)</a:t>
-            </a:r>
-          </a:p>
-          <a:p>
-            <a:pPr>
-              <a:lnSpc>
-                <a:spcPct val="50000"/>
-              </a:lnSpc>
-            </a:pPr>
-            <a:br/>
-            <a:r>
-              <a:t>samples/Isotropic_Sqw.comp</a:t>
-            </a:r>
-          </a:p>
-          <a:p>
-            <a:pPr>
-              <a:lnSpc>
-                <a:spcPct val="50000"/>
-              </a:lnSpc>
-            </a:pPr>
-            <a:r>
-              <a:t>samples/Magnon_bcc.comp</a:t>
-            </a:r>
-          </a:p>
-          <a:p>
-            <a:pPr>
-              <a:lnSpc>
-                <a:spcPct val="50000"/>
-              </a:lnSpc>
-            </a:pPr>
-            <a:r>
-              <a:t>samples/Phonon_simple.comp</a:t>
-            </a:r>
-          </a:p>
-          <a:p>
-            <a:pPr>
-              <a:lnSpc>
-                <a:spcPct val="50000"/>
-              </a:lnSpc>
-            </a:pPr>
-            <a:r>
-              <a:t>samples/PowderN.comp</a:t>
-            </a:r>
-          </a:p>
-          <a:p>
-            <a:pPr>
-              <a:lnSpc>
-                <a:spcPct val="50000"/>
-              </a:lnSpc>
-            </a:pPr>
-            <a:r>
-              <a:t>samples/SANS_spheres2.comp</a:t>
-            </a:r>
-          </a:p>
-          <a:p>
-            <a:pPr>
-              <a:lnSpc>
-                <a:spcPct val="50000"/>
-              </a:lnSpc>
-            </a:pPr>
-            <a:r>
-              <a:t>samples/Single_crystal.comp</a:t>
-            </a:r>
-          </a:p>
-        </p:txBody>
-      </p:sp>
-      <p:sp>
-        <p:nvSpPr>
-          <p:cNvPr id="720" name="Sources: (TRACE-functions in SHARE)…"/>
-          <p:cNvSpPr txBox="1"/>
-          <p:nvPr/>
-        </p:nvSpPr>
-        <p:spPr>
-          <a:xfrm>
-            <a:off x="4678536" y="1714820"/>
-            <a:ext cx="3629026" cy="826473"/>
-          </a:xfrm>
-          <a:prstGeom prst="rect">
-            <a:avLst/>
-          </a:prstGeom>
-          <a:solidFill>
-            <a:srgbClr val="FFFFFF"/>
-          </a:solidFill>
-          <a:ln w="25400">
-            <a:solidFill>
-              <a:schemeClr val="accent1"/>
-            </a:solidFill>
-          </a:ln>
-          <a:extLst>
-            <a:ext uri="{C572A759-6A51-4108-AA02-DFA0A04FC94B}">
-              <ma14:wrappingTextBoxFlag xmlns:ma14="http://schemas.microsoft.com/office/mac/drawingml/2011/main" val="1"/>
-            </a:ext>
-          </a:extLst>
-        </p:spPr>
-        <p:txBody>
-          <a:bodyPr wrap="none" lIns="0" tIns="0" rIns="0" bIns="0">
-            <a:spAutoFit/>
-          </a:bodyPr>
-          <a:lstStyle/>
-          <a:p>
-            <a:pPr/>
-            <a:r>
-              <a:rPr b="1"/>
-              <a:t>Sources</a:t>
-            </a:r>
-            <a:r>
-              <a:t>: (TRACE-functions in SHARE)</a:t>
-            </a:r>
-          </a:p>
-          <a:p>
-            <a:pPr/>
-            <a:r>
-              <a:t>sources/Source_Maxwell_3.comp</a:t>
-            </a:r>
-            <a:br/>
-            <a:r>
-              <a:t>sources/Source_gen.comp</a:t>
-            </a:r>
-          </a:p>
-        </p:txBody>
-      </p:sp>
-      <p:sp>
-        <p:nvSpPr>
-          <p:cNvPr id="721" name="Examples:  25 Instruments that use various global vars in DECLARE that are neither input parameters or USERVARS"/>
-          <p:cNvSpPr txBox="1"/>
-          <p:nvPr/>
-        </p:nvSpPr>
-        <p:spPr>
-          <a:xfrm>
-            <a:off x="1014182" y="1615176"/>
-            <a:ext cx="3573265" cy="1161753"/>
-          </a:xfrm>
-          <a:prstGeom prst="rect">
-            <a:avLst/>
-          </a:prstGeom>
-          <a:solidFill>
-            <a:srgbClr val="FFFFFF"/>
-          </a:solidFill>
-          <a:ln w="25400">
-            <a:solidFill>
-              <a:schemeClr val="accent1"/>
-            </a:solidFill>
-          </a:ln>
-          <a:extLst>
-            <a:ext uri="{C572A759-6A51-4108-AA02-DFA0A04FC94B}">
-              <ma14:wrappingTextBoxFlag xmlns:ma14="http://schemas.microsoft.com/office/mac/drawingml/2011/main" val="1"/>
-            </a:ext>
-          </a:extLst>
-        </p:spPr>
-        <p:txBody>
-          <a:bodyPr wrap="none" lIns="0" tIns="0" rIns="0" bIns="0">
-            <a:spAutoFit/>
-          </a:bodyPr>
-          <a:lstStyle/>
-          <a:p>
-            <a:pPr/>
-            <a:r>
-              <a:t>Examples:</a:t>
-            </a:r>
-            <a:br/>
-            <a:br/>
-            <a:r>
-              <a:t>25 </a:t>
-            </a:r>
-            <a:r>
-              <a:rPr b="1"/>
-              <a:t>Instruments</a:t>
-            </a:r>
-            <a:r>
-              <a:t> that use various global</a:t>
-            </a:r>
-            <a:br/>
-            <a:r>
-              <a:t>vars in DECLARE that are neither</a:t>
-            </a:r>
-            <a:br/>
-            <a:r>
-              <a:t>input parameters or USERVARS</a:t>
-            </a:r>
-          </a:p>
-        </p:txBody>
-      </p:sp>
-      <p:sp>
-        <p:nvSpPr>
-          <p:cNvPr id="722" name="These share/runtime snippets: (A good mix of everything)  share/adapt_tree-lib.c share/interoff-lib.c share/mccode-r.c share/mccode-r.h share/mccode_main.c share/read_table-lib.c share/r-interoff-lib.c share/ESS_butterfly-geometry.c share/ESS_butterfly-l"/>
-          <p:cNvSpPr txBox="1"/>
-          <p:nvPr/>
-        </p:nvSpPr>
-        <p:spPr>
-          <a:xfrm>
-            <a:off x="1033663" y="2883765"/>
-            <a:ext cx="2872880" cy="3563299"/>
-          </a:xfrm>
-          <a:prstGeom prst="rect">
-            <a:avLst/>
-          </a:prstGeom>
-          <a:solidFill>
-            <a:srgbClr val="FFFFFF"/>
-          </a:solidFill>
-          <a:ln w="25400">
-            <a:solidFill>
-              <a:schemeClr val="accent1"/>
-            </a:solidFill>
-          </a:ln>
-          <a:extLst>
-            <a:ext uri="{C572A759-6A51-4108-AA02-DFA0A04FC94B}">
-              <ma14:wrappingTextBoxFlag xmlns:ma14="http://schemas.microsoft.com/office/mac/drawingml/2011/main" val="1"/>
-            </a:ext>
-          </a:extLst>
-        </p:spPr>
-        <p:txBody>
-          <a:bodyPr wrap="none" lIns="0" tIns="0" rIns="0" bIns="0">
-            <a:spAutoFit/>
-          </a:bodyPr>
-          <a:lstStyle/>
-          <a:p>
-            <a:pPr/>
-            <a:r>
-              <a:t>These </a:t>
-            </a:r>
-            <a:r>
-              <a:rPr b="1"/>
-              <a:t>share/runtime</a:t>
-            </a:r>
-            <a:r>
-              <a:t> snippets:</a:t>
-            </a:r>
-            <a:br/>
-            <a:r>
-              <a:t>(A good mix of everything)</a:t>
-            </a:r>
-            <a:br/>
-            <a:br/>
-            <a:r>
-              <a:rPr sz="1300"/>
-              <a:t>share/adapt_tree-lib.c</a:t>
-            </a:r>
-            <a:br>
-              <a:rPr sz="1300"/>
-            </a:br>
-            <a:r>
-              <a:rPr sz="1300"/>
-              <a:t>share/interoff-lib.c</a:t>
-            </a:r>
-            <a:br>
-              <a:rPr sz="1300"/>
-            </a:br>
-            <a:r>
-              <a:rPr sz="1300"/>
-              <a:t>share/mccode-r.c</a:t>
-            </a:r>
-            <a:br>
-              <a:rPr sz="1300"/>
-            </a:br>
-            <a:r>
-              <a:rPr sz="1300"/>
-              <a:t>share/mccode-r.h</a:t>
-            </a:r>
-            <a:br>
-              <a:rPr sz="1300"/>
-            </a:br>
-            <a:r>
-              <a:rPr sz="1300"/>
-              <a:t>share/mccode_main.c</a:t>
-            </a:r>
-            <a:br>
-              <a:rPr sz="1300"/>
-            </a:br>
-            <a:r>
-              <a:rPr sz="1300"/>
-              <a:t>share/read_table-lib.c</a:t>
-            </a:r>
-            <a:br>
-              <a:rPr sz="1300"/>
-            </a:br>
-            <a:r>
-              <a:rPr sz="1300"/>
-              <a:t>share/r-interoff-lib.c</a:t>
-            </a:r>
-            <a:br>
-              <a:rPr sz="1300"/>
-            </a:br>
-            <a:r>
-              <a:rPr sz="1300"/>
-              <a:t>share/ESS_butterfly-geometry.c</a:t>
-            </a:r>
-            <a:br>
-              <a:rPr sz="1300"/>
-            </a:br>
-            <a:r>
-              <a:rPr sz="1300"/>
-              <a:t>share/ESS_butterfly-lib.c</a:t>
-            </a:r>
-            <a:br>
-              <a:rPr sz="1300"/>
-            </a:br>
-            <a:r>
-              <a:rPr sz="1300"/>
-              <a:t>share/cov-lib.c</a:t>
-            </a:r>
-            <a:br>
-              <a:rPr sz="1300"/>
-            </a:br>
-            <a:r>
-              <a:rPr sz="1300"/>
-              <a:t>share/monitor_nd-lib.c</a:t>
-            </a:r>
-            <a:br>
-              <a:rPr sz="1300"/>
-            </a:br>
-            <a:r>
-              <a:rPr sz="1300"/>
-              <a:t>share/mcstas-r.c</a:t>
-            </a:r>
-            <a:br>
-              <a:rPr sz="1300"/>
-            </a:br>
-            <a:r>
-              <a:rPr sz="1300"/>
-              <a:t>share/mcstas-r.h</a:t>
-            </a:r>
-            <a:br>
-              <a:rPr sz="1300"/>
-            </a:br>
-            <a:r>
-              <a:rPr sz="1300"/>
-              <a:t>share/pol-lib.c</a:t>
-            </a:r>
-            <a:br>
-              <a:rPr sz="1300"/>
-            </a:br>
-            <a:r>
-              <a:rPr sz="1300"/>
-              <a:t>share/ref-lib.c</a:t>
-            </a:r>
-          </a:p>
-        </p:txBody>
-      </p:sp>
-      <p:sp>
-        <p:nvSpPr>
-          <p:cNvPr id="723" name="Obviously the code-generator…  mcstas/src/cogen.c.in"/>
-          <p:cNvSpPr txBox="1"/>
-          <p:nvPr/>
-        </p:nvSpPr>
-        <p:spPr>
-          <a:xfrm>
-            <a:off x="1003016" y="1021076"/>
-            <a:ext cx="3064471" cy="475953"/>
-          </a:xfrm>
-          <a:prstGeom prst="rect">
-            <a:avLst/>
-          </a:prstGeom>
-          <a:solidFill>
-            <a:srgbClr val="FFFFFF"/>
-          </a:solidFill>
-          <a:ln w="25400">
-            <a:solidFill>
-              <a:schemeClr val="accent1"/>
-            </a:solidFill>
-          </a:ln>
-          <a:extLst>
-            <a:ext uri="{C572A759-6A51-4108-AA02-DFA0A04FC94B}">
-              <ma14:wrappingTextBoxFlag xmlns:ma14="http://schemas.microsoft.com/office/mac/drawingml/2011/main" val="1"/>
-            </a:ext>
-          </a:extLst>
-        </p:spPr>
-        <p:txBody>
-          <a:bodyPr wrap="none" lIns="0" tIns="0" rIns="0" bIns="0">
-            <a:spAutoFit/>
-          </a:bodyPr>
-          <a:lstStyle/>
-          <a:p>
-            <a:pPr/>
-            <a:r>
-              <a:t>Obviously the </a:t>
-            </a:r>
-            <a:r>
-              <a:rPr b="1"/>
-              <a:t>code-generator</a:t>
-            </a:r>
-            <a:r>
-              <a:t>… </a:t>
-            </a:r>
-            <a:br/>
-            <a:r>
-              <a:t>mcstas/src/cogen.c.in</a:t>
-            </a:r>
-          </a:p>
-        </p:txBody>
-      </p:sp>
-      <p:pic>
-        <p:nvPicPr>
-          <p:cNvPr id="724" name="Screenshot 2020-08-15 at 12.40.31.png" descr="Screenshot 2020-08-15 at 12.40.31.png"/>
-          <p:cNvPicPr>
-            <a:picLocks noChangeAspect="1"/>
-          </p:cNvPicPr>
-          <p:nvPr/>
-        </p:nvPicPr>
-        <p:blipFill>
-          <a:blip r:embed="rId2">
-            <a:extLst/>
-          </a:blip>
-          <a:srcRect l="0" t="0" r="1010" b="45168"/>
-          <a:stretch>
-            <a:fillRect/>
-          </a:stretch>
-        </p:blipFill>
-        <p:spPr>
-          <a:xfrm>
-            <a:off x="2055842" y="221929"/>
-            <a:ext cx="2189933" cy="528198"/>
-          </a:xfrm>
-          <a:prstGeom prst="rect">
-            <a:avLst/>
-          </a:prstGeom>
-          <a:ln w="12700">
-            <a:miter lim="400000"/>
-          </a:ln>
-        </p:spPr>
-      </p:pic>
-    </p:spTree>
-  </p:cSld>
-  <p:clrMapOvr>
-    <a:masterClrMapping/>
-  </p:clrMapOvr>
-  <p:transition xmlns:p14="http://schemas.microsoft.com/office/powerpoint/2010/main" spd="med" advClick="1"/>
-</p:sld>
-</file>
-
-<file path=ppt/slides/slide15.xml><?xml version="1.0" encoding="utf-8"?>
-<p:sld xmlns:a="http://schemas.openxmlformats.org/drawingml/2006/main" xmlns:r="http://schemas.openxmlformats.org/officeDocument/2006/relationships" xmlns:p="http://schemas.openxmlformats.org/presentationml/2006/main" xmlns:m="http://schemas.openxmlformats.org/officeDocument/2006/math" xmlns:a14="http://schemas.microsoft.com/office/drawing/2010/main" showMasterSp="1" showMasterPhAnim="1">
-  <p:cSld>
-    <p:spTree>
-      <p:nvGrpSpPr>
-        <p:cNvPr id="1" name=""/>
-        <p:cNvGrpSpPr/>
-        <p:nvPr/>
-      </p:nvGrpSpPr>
-      <p:grpSpPr>
-        <a:xfrm>
-          <a:off x="0" y="0"/>
-          <a:ext cx="0" cy="0"/>
-          <a:chOff x="0" y="0"/>
-          <a:chExt cx="0" cy="0"/>
-        </a:xfrm>
-      </p:grpSpPr>
-      <p:sp>
-        <p:nvSpPr>
-          <p:cNvPr id="726" name="New RNG ‘KISS’"/>
-          <p:cNvSpPr txBox="1"/>
-          <p:nvPr>
-            <p:ph type="title"/>
-          </p:nvPr>
-        </p:nvSpPr>
-        <p:spPr>
-          <a:prstGeom prst="rect">
-            <a:avLst/>
-          </a:prstGeom>
-        </p:spPr>
-        <p:txBody>
-          <a:bodyPr/>
-          <a:lstStyle/>
-          <a:p>
-            <a:pPr/>
-            <a:r>
-              <a:t>New RNG ‘KISS’</a:t>
-            </a:r>
-          </a:p>
-        </p:txBody>
-      </p:sp>
-      <p:sp>
-        <p:nvSpPr>
-          <p:cNvPr id="727" name="We couldn’t easily port Mersenne Twister…"/>
-          <p:cNvSpPr txBox="1"/>
-          <p:nvPr>
-            <p:ph type="body" idx="1"/>
-          </p:nvPr>
-        </p:nvSpPr>
-        <p:spPr>
-          <a:prstGeom prst="rect">
-            <a:avLst/>
-          </a:prstGeom>
-        </p:spPr>
-        <p:txBody>
-          <a:bodyPr/>
-          <a:lstStyle/>
-          <a:p>
-            <a:pPr/>
-            <a:r>
-              <a:t>We couldn’t easily port Mersenne Twister</a:t>
-            </a:r>
-          </a:p>
-          <a:p>
-            <a:pPr/>
-          </a:p>
-          <a:p>
-            <a:pPr/>
-            <a:r>
-              <a:t>Experimenting with curand showed huge overhead for our relative small number of random numbers</a:t>
-            </a:r>
-          </a:p>
-          <a:p>
-            <a:pPr/>
-          </a:p>
-          <a:p>
-            <a:pPr/>
-            <a:r>
-              <a:t>An RNG ‘state’ carried with each particle - bonus: same seed gives same numbers even when comparing between CPU and GPU</a:t>
-            </a:r>
-          </a:p>
-          <a:p>
-            <a:pPr/>
-          </a:p>
-          <a:p>
-            <a:pPr/>
-            <a:r>
-              <a:t>Required patching prototype of ALL functions making use of e.g. rand01()</a:t>
-            </a:r>
-            <a:br/>
-            <a:br/>
-          </a:p>
-          <a:p>
-            <a:pPr/>
-            <a:r>
-              <a:t>New RNG is simple, fast and “good enough”: Reproduces results of 2.7 over all of the example suite, see </a:t>
-            </a:r>
-            <a:r>
-              <a:rPr u="sng">
-                <a:solidFill>
-                  <a:schemeClr val="accent2"/>
-                </a:solidFill>
-                <a:uFill>
-                  <a:solidFill>
-                    <a:schemeClr val="accent2"/>
-                  </a:solidFill>
-                </a:uFill>
-                <a:hlinkClick r:id="rId2" invalidUrl="" action="" tgtFrame="" tooltip="" history="1" highlightClick="0" endSnd="0"/>
-              </a:rPr>
-              <a:t>http://new-nightly.mcstas.org</a:t>
-            </a:r>
-          </a:p>
-        </p:txBody>
-      </p:sp>
-      <p:sp>
-        <p:nvSpPr>
-          <p:cNvPr id="728" name="Slide Number"/>
-          <p:cNvSpPr txBox="1"/>
-          <p:nvPr>
-            <p:ph type="sldNum" sz="quarter" idx="2"/>
-          </p:nvPr>
-        </p:nvSpPr>
-        <p:spPr>
-          <a:prstGeom prst="rect">
-            <a:avLst/>
-          </a:prstGeom>
-          <a:extLst>
-            <a:ext uri="{C572A759-6A51-4108-AA02-DFA0A04FC94B}">
-              <ma14:wrappingTextBoxFlag xmlns:ma14="http://schemas.microsoft.com/office/mac/drawingml/2011/main" val="1"/>
-            </a:ext>
-          </a:extLst>
-        </p:spPr>
-        <p:txBody>
-          <a:bodyPr/>
-          <a:lstStyle/>
-          <a:p>
-            <a:pPr/>
-            <a:fld id="{86CB4B4D-7CA3-9044-876B-883B54F8677D}" type="slidenum"/>
-          </a:p>
-        </p:txBody>
-      </p:sp>
-    </p:spTree>
-  </p:cSld>
-  <p:clrMapOvr>
-    <a:masterClrMapping/>
-  </p:clrMapOvr>
-  <p:transition xmlns:p14="http://schemas.microsoft.com/office/powerpoint/2010/main" spd="med" advClick="1"/>
-</p:sld>
-</file>
-
-<file path=ppt/slides/slide16.xml><?xml version="1.0" encoding="utf-8"?>
-<p:sld xmlns:a="http://schemas.openxmlformats.org/drawingml/2006/main" xmlns:r="http://schemas.openxmlformats.org/officeDocument/2006/relationships" xmlns:p="http://schemas.openxmlformats.org/presentationml/2006/main" xmlns:m="http://schemas.openxmlformats.org/officeDocument/2006/math" xmlns:a14="http://schemas.microsoft.com/office/drawing/2010/main" showMasterSp="1" showMasterPhAnim="1">
-  <p:cSld>
-    <p:spTree>
-      <p:nvGrpSpPr>
-        <p:cNvPr id="1" name=""/>
-        <p:cNvGrpSpPr/>
-        <p:nvPr/>
-      </p:nvGrpSpPr>
-      <p:grpSpPr>
-        <a:xfrm>
-          <a:off x="0" y="0"/>
-          <a:ext cx="0" cy="0"/>
-          <a:chOff x="0" y="0"/>
-          <a:chExt cx="0" cy="0"/>
-        </a:xfrm>
-      </p:grpSpPr>
-      <p:sp>
-        <p:nvSpPr>
-          <p:cNvPr id="730" name="Slide Number"/>
-          <p:cNvSpPr txBox="1"/>
-          <p:nvPr>
-            <p:ph type="sldNum" sz="quarter" idx="2"/>
-          </p:nvPr>
-        </p:nvSpPr>
-        <p:spPr>
-          <a:prstGeom prst="rect">
-            <a:avLst/>
-          </a:prstGeom>
-          <a:extLst>
-            <a:ext uri="{C572A759-6A51-4108-AA02-DFA0A04FC94B}">
-              <ma14:wrappingTextBoxFlag xmlns:ma14="http://schemas.microsoft.com/office/mac/drawingml/2011/main" val="1"/>
-            </a:ext>
-          </a:extLst>
-        </p:spPr>
-        <p:txBody>
-          <a:bodyPr/>
-          <a:lstStyle/>
-          <a:p>
-            <a:pPr/>
-            <a:fld id="{86CB4B4D-7CA3-9044-876B-883B54F8677D}" type="slidenum"/>
-          </a:p>
-        </p:txBody>
-      </p:sp>
-      <p:sp>
-        <p:nvSpPr>
-          <p:cNvPr id="731" name="PSD lots  of changes"/>
-          <p:cNvSpPr txBox="1"/>
-          <p:nvPr/>
-        </p:nvSpPr>
-        <p:spPr>
-          <a:xfrm>
-            <a:off x="156747" y="961242"/>
-            <a:ext cx="2181870" cy="972717"/>
-          </a:xfrm>
-          <a:prstGeom prst="rect">
-            <a:avLst/>
-          </a:prstGeom>
-          <a:ln w="12700">
-            <a:miter lim="400000"/>
-          </a:ln>
-          <a:extLst>
-            <a:ext uri="{C572A759-6A51-4108-AA02-DFA0A04FC94B}">
-              <ma14:wrappingTextBoxFlag xmlns:ma14="http://schemas.microsoft.com/office/mac/drawingml/2011/main" val="1"/>
-            </a:ext>
-          </a:extLst>
-        </p:spPr>
-        <p:txBody>
-          <a:bodyPr lIns="0" tIns="0" rIns="0" bIns="0" anchor="b">
-            <a:normAutofit fontScale="100000" lnSpcReduction="0"/>
-          </a:bodyPr>
-          <a:lstStyle/>
-          <a:p>
-            <a:pPr defTabSz="649223">
-              <a:spcBef>
-                <a:spcPts val="0"/>
-              </a:spcBef>
-              <a:defRPr b="1" sz="2130"/>
-            </a:pPr>
-            <a:r>
-              <a:t>PSD lots </a:t>
-            </a:r>
-            <a:br/>
-            <a:r>
-              <a:t>of</a:t>
-            </a:r>
-            <a:br/>
-            <a:r>
-              <a:t>changes</a:t>
-            </a:r>
-          </a:p>
-        </p:txBody>
-      </p:sp>
-      <p:pic>
-        <p:nvPicPr>
-          <p:cNvPr id="732" name="Screenshot 2020-01-17 at 15.20.07.png" descr="Screenshot 2020-01-17 at 15.20.07.png"/>
-          <p:cNvPicPr>
-            <a:picLocks noChangeAspect="1"/>
-          </p:cNvPicPr>
-          <p:nvPr/>
-        </p:nvPicPr>
-        <p:blipFill>
-          <a:blip r:embed="rId2">
-            <a:extLst/>
-          </a:blip>
-          <a:stretch>
-            <a:fillRect/>
-          </a:stretch>
-        </p:blipFill>
-        <p:spPr>
-          <a:xfrm>
-            <a:off x="1849243" y="-139700"/>
-            <a:ext cx="10589014" cy="6858000"/>
-          </a:xfrm>
-          <a:prstGeom prst="rect">
-            <a:avLst/>
-          </a:prstGeom>
-          <a:ln w="12700">
-            <a:miter lim="400000"/>
-          </a:ln>
-        </p:spPr>
-      </p:pic>
-      <p:pic>
-        <p:nvPicPr>
-          <p:cNvPr id="733" name="Screenshot 2020-08-15 at 12.40.31.png" descr="Screenshot 2020-08-15 at 12.40.31.png"/>
-          <p:cNvPicPr>
-            <a:picLocks noChangeAspect="1"/>
-          </p:cNvPicPr>
-          <p:nvPr/>
-        </p:nvPicPr>
-        <p:blipFill>
-          <a:blip r:embed="rId3">
-            <a:extLst/>
-          </a:blip>
-          <a:srcRect l="0" t="0" r="1010" b="45168"/>
-          <a:stretch>
-            <a:fillRect/>
-          </a:stretch>
-        </p:blipFill>
-        <p:spPr>
-          <a:xfrm>
-            <a:off x="10947650" y="215055"/>
-            <a:ext cx="1244409" cy="300143"/>
-          </a:xfrm>
-          <a:prstGeom prst="rect">
-            <a:avLst/>
-          </a:prstGeom>
-          <a:ln w="12700">
-            <a:miter lim="400000"/>
-          </a:ln>
-        </p:spPr>
-      </p:pic>
-    </p:spTree>
-  </p:cSld>
-  <p:clrMapOvr>
-    <a:masterClrMapping/>
-  </p:clrMapOvr>
-  <p:transition xmlns:p14="http://schemas.microsoft.com/office/powerpoint/2010/main" spd="med" advClick="1"/>
-</p:sld>
-</file>
-
-<file path=ppt/slides/slide17.xml><?xml version="1.0" encoding="utf-8"?>
-<p:sld xmlns:a="http://schemas.openxmlformats.org/drawingml/2006/main" xmlns:r="http://schemas.openxmlformats.org/officeDocument/2006/relationships" xmlns:p="http://schemas.openxmlformats.org/presentationml/2006/main" xmlns:m="http://schemas.openxmlformats.org/officeDocument/2006/math" xmlns:a14="http://schemas.microsoft.com/office/drawing/2010/main" showMasterSp="1" showMasterPhAnim="1">
-  <p:cSld>
-    <p:spTree>
-      <p:nvGrpSpPr>
-        <p:cNvPr id="1" name=""/>
-        <p:cNvGrpSpPr/>
-        <p:nvPr/>
-      </p:nvGrpSpPr>
-      <p:grpSpPr>
-        <a:xfrm>
-          <a:off x="0" y="0"/>
-          <a:ext cx="0" cy="0"/>
-          <a:chOff x="0" y="0"/>
-          <a:chExt cx="0" cy="0"/>
-        </a:xfrm>
-      </p:grpSpPr>
-      <p:sp>
-        <p:nvSpPr>
-          <p:cNvPr id="735" name="Same seed and same # mpi nodes -&gt; same output"/>
-          <p:cNvSpPr txBox="1"/>
-          <p:nvPr>
-            <p:ph type="title"/>
-          </p:nvPr>
-        </p:nvSpPr>
-        <p:spPr>
-          <a:prstGeom prst="rect">
-            <a:avLst/>
-          </a:prstGeom>
-        </p:spPr>
-        <p:txBody>
-          <a:bodyPr/>
-          <a:lstStyle/>
-          <a:p>
-            <a:pPr/>
-            <a:r>
-              <a:t>Same seed and same # mpi nodes -&gt; same output</a:t>
-            </a:r>
-          </a:p>
-        </p:txBody>
-      </p:sp>
-      <p:sp>
-        <p:nvSpPr>
-          <p:cNvPr id="736" name="Good for debugging…"/>
-          <p:cNvSpPr txBox="1"/>
-          <p:nvPr>
-            <p:ph type="body" idx="1"/>
-          </p:nvPr>
-        </p:nvSpPr>
-        <p:spPr>
-          <a:xfrm>
-            <a:off x="1774725" y="1922372"/>
-            <a:ext cx="9312376" cy="4545579"/>
-          </a:xfrm>
-          <a:prstGeom prst="rect">
-            <a:avLst/>
-          </a:prstGeom>
-        </p:spPr>
-        <p:txBody>
-          <a:bodyPr/>
-          <a:lstStyle/>
-          <a:p>
-            <a:pPr/>
-            <a:r>
-              <a:t>Good for debugging</a:t>
-            </a:r>
-          </a:p>
-          <a:p>
-            <a:pPr/>
-          </a:p>
-          <a:p>
-            <a:pPr/>
-            <a:r>
-              <a:t>If they don’t give the same CPU vs GPU, some comp(s) are not fully ported</a:t>
-            </a:r>
-          </a:p>
-          <a:p>
-            <a:pPr/>
-          </a:p>
-          <a:p>
-            <a:pPr/>
-            <a:r>
-              <a:t>Use Event_monitor_simple to follow calculation pr. neutron</a:t>
-            </a:r>
-          </a:p>
-        </p:txBody>
-      </p:sp>
-      <p:sp>
-        <p:nvSpPr>
-          <p:cNvPr id="737" name="Slide Number"/>
-          <p:cNvSpPr txBox="1"/>
-          <p:nvPr>
-            <p:ph type="sldNum" sz="quarter" idx="2"/>
-          </p:nvPr>
-        </p:nvSpPr>
-        <p:spPr>
-          <a:prstGeom prst="rect">
-            <a:avLst/>
-          </a:prstGeom>
-          <a:extLst>
-            <a:ext uri="{C572A759-6A51-4108-AA02-DFA0A04FC94B}">
-              <ma14:wrappingTextBoxFlag xmlns:ma14="http://schemas.microsoft.com/office/mac/drawingml/2011/main" val="1"/>
-            </a:ext>
-          </a:extLst>
-        </p:spPr>
-        <p:txBody>
-          <a:bodyPr/>
-          <a:lstStyle/>
-          <a:p>
-            <a:pPr/>
-            <a:fld id="{86CB4B4D-7CA3-9044-876B-883B54F8677D}" type="slidenum"/>
-          </a:p>
-        </p:txBody>
-      </p:sp>
-      <p:pic>
-        <p:nvPicPr>
-          <p:cNvPr id="738" name="CrossCheck_logo.jpg" descr="CrossCheck_logo.jpg"/>
-          <p:cNvPicPr>
-            <a:picLocks noChangeAspect="1"/>
-          </p:cNvPicPr>
-          <p:nvPr/>
-        </p:nvPicPr>
-        <p:blipFill>
-          <a:blip r:embed="rId2">
-            <a:extLst/>
-          </a:blip>
-          <a:stretch>
-            <a:fillRect/>
-          </a:stretch>
-        </p:blipFill>
-        <p:spPr>
-          <a:xfrm>
-            <a:off x="2410776" y="4109350"/>
-            <a:ext cx="7620001" cy="1308101"/>
-          </a:xfrm>
-          <a:prstGeom prst="rect">
-            <a:avLst/>
-          </a:prstGeom>
-          <a:ln w="12700">
-            <a:miter lim="400000"/>
-          </a:ln>
-        </p:spPr>
-      </p:pic>
-    </p:spTree>
-  </p:cSld>
-  <p:clrMapOvr>
-    <a:masterClrMapping/>
-  </p:clrMapOvr>
-  <p:transition xmlns:p14="http://schemas.microsoft.com/office/powerpoint/2010/main" spd="med" advClick="1"/>
-</p:sld>
-</file>
-
-<file path=ppt/slides/slide18.xml><?xml version="1.0" encoding="utf-8"?>
-<p:sld xmlns:a="http://schemas.openxmlformats.org/drawingml/2006/main" xmlns:r="http://schemas.openxmlformats.org/officeDocument/2006/relationships" xmlns:p="http://schemas.openxmlformats.org/presentationml/2006/main" xmlns:m="http://schemas.openxmlformats.org/officeDocument/2006/math" xmlns:a14="http://schemas.microsoft.com/office/drawing/2010/main" showMasterSp="1" showMasterPhAnim="1">
-  <p:cSld>
-    <p:spTree>
-      <p:nvGrpSpPr>
-        <p:cNvPr id="1" name=""/>
-        <p:cNvGrpSpPr/>
-        <p:nvPr/>
-      </p:nvGrpSpPr>
-      <p:grpSpPr>
-        <a:xfrm>
-          <a:off x="0" y="0"/>
-          <a:ext cx="0" cy="0"/>
-          <a:chOff x="0" y="0"/>
-          <a:chExt cx="0" cy="0"/>
-        </a:xfrm>
-      </p:grpSpPr>
-      <p:sp>
-        <p:nvSpPr>
-          <p:cNvPr id="740" name="Slide Number"/>
-          <p:cNvSpPr txBox="1"/>
-          <p:nvPr>
-            <p:ph type="sldNum" sz="quarter" idx="2"/>
-          </p:nvPr>
-        </p:nvSpPr>
-        <p:spPr>
-          <a:prstGeom prst="rect">
-            <a:avLst/>
-          </a:prstGeom>
-          <a:extLst>
-            <a:ext uri="{C572A759-6A51-4108-AA02-DFA0A04FC94B}">
-              <ma14:wrappingTextBoxFlag xmlns:ma14="http://schemas.microsoft.com/office/mac/drawingml/2011/main" val="1"/>
-            </a:ext>
-          </a:extLst>
-        </p:spPr>
-        <p:txBody>
-          <a:bodyPr/>
-          <a:lstStyle/>
-          <a:p>
-            <a:pPr/>
-            <a:fld id="{86CB4B4D-7CA3-9044-876B-883B54F8677D}" type="slidenum"/>
-          </a:p>
-        </p:txBody>
-      </p:sp>
-      <p:pic>
-        <p:nvPicPr>
-          <p:cNvPr id="741" name="Screenshot 2020-01-17 at 22.06.45.png" descr="Screenshot 2020-01-17 at 22.06.45.png"/>
-          <p:cNvPicPr>
-            <a:picLocks noChangeAspect="1"/>
-          </p:cNvPicPr>
-          <p:nvPr/>
-        </p:nvPicPr>
-        <p:blipFill>
-          <a:blip r:embed="rId2">
-            <a:extLst/>
-          </a:blip>
-          <a:stretch>
-            <a:fillRect/>
-          </a:stretch>
-        </p:blipFill>
-        <p:spPr>
-          <a:xfrm>
-            <a:off x="1797050" y="965200"/>
-            <a:ext cx="6680200" cy="711200"/>
-          </a:xfrm>
-          <a:prstGeom prst="rect">
-            <a:avLst/>
-          </a:prstGeom>
-          <a:ln w="12700">
-            <a:miter lim="400000"/>
-          </a:ln>
-        </p:spPr>
-      </p:pic>
-      <p:sp>
-        <p:nvSpPr>
-          <p:cNvPr id="742" name="Declare section"/>
-          <p:cNvSpPr txBox="1"/>
-          <p:nvPr/>
-        </p:nvSpPr>
-        <p:spPr>
-          <a:xfrm>
-            <a:off x="1977925" y="-43773"/>
-            <a:ext cx="9312376" cy="972717"/>
-          </a:xfrm>
-          <a:prstGeom prst="rect">
-            <a:avLst/>
-          </a:prstGeom>
-          <a:ln w="12700">
-            <a:miter lim="400000"/>
-          </a:ln>
-          <a:extLst>
-            <a:ext uri="{C572A759-6A51-4108-AA02-DFA0A04FC94B}">
-              <ma14:wrappingTextBoxFlag xmlns:ma14="http://schemas.microsoft.com/office/mac/drawingml/2011/main" val="1"/>
-            </a:ext>
-          </a:extLst>
-        </p:spPr>
-        <p:txBody>
-          <a:bodyPr lIns="0" tIns="0" rIns="0" bIns="0" anchor="b">
-            <a:normAutofit fontScale="100000" lnSpcReduction="0"/>
-          </a:bodyPr>
-          <a:lstStyle>
-            <a:lvl1pPr>
-              <a:spcBef>
-                <a:spcPts val="0"/>
-              </a:spcBef>
-              <a:defRPr b="1" sz="3000"/>
-            </a:lvl1pPr>
-          </a:lstStyle>
-          <a:p>
-            <a:pPr/>
-            <a:r>
-              <a:t>Declare section</a:t>
-            </a:r>
-          </a:p>
-        </p:txBody>
-      </p:sp>
-      <p:sp>
-        <p:nvSpPr>
-          <p:cNvPr id="743" name="Initialise section"/>
-          <p:cNvSpPr txBox="1"/>
-          <p:nvPr/>
-        </p:nvSpPr>
-        <p:spPr>
-          <a:xfrm>
-            <a:off x="1977925" y="1607227"/>
-            <a:ext cx="9312376" cy="972717"/>
-          </a:xfrm>
-          <a:prstGeom prst="rect">
-            <a:avLst/>
-          </a:prstGeom>
-          <a:ln w="12700">
-            <a:miter lim="400000"/>
-          </a:ln>
-          <a:extLst>
-            <a:ext uri="{C572A759-6A51-4108-AA02-DFA0A04FC94B}">
-              <ma14:wrappingTextBoxFlag xmlns:ma14="http://schemas.microsoft.com/office/mac/drawingml/2011/main" val="1"/>
-            </a:ext>
-          </a:extLst>
-        </p:spPr>
-        <p:txBody>
-          <a:bodyPr lIns="0" tIns="0" rIns="0" bIns="0" anchor="b">
-            <a:normAutofit fontScale="100000" lnSpcReduction="0"/>
-          </a:bodyPr>
-          <a:lstStyle>
-            <a:lvl1pPr>
-              <a:spcBef>
-                <a:spcPts val="0"/>
-              </a:spcBef>
-              <a:defRPr b="1" sz="3000"/>
-            </a:lvl1pPr>
-          </a:lstStyle>
-          <a:p>
-            <a:pPr/>
-            <a:r>
-              <a:t>Initialise section</a:t>
-            </a:r>
-          </a:p>
-        </p:txBody>
-      </p:sp>
-      <p:pic>
-        <p:nvPicPr>
-          <p:cNvPr id="744" name="Screenshot 2020-01-17 at 22.11.45.png" descr="Screenshot 2020-01-17 at 22.11.45.png"/>
-          <p:cNvPicPr>
-            <a:picLocks noChangeAspect="1"/>
-          </p:cNvPicPr>
-          <p:nvPr/>
-        </p:nvPicPr>
-        <p:blipFill>
-          <a:blip r:embed="rId3">
-            <a:extLst/>
-          </a:blip>
-          <a:stretch>
-            <a:fillRect/>
-          </a:stretch>
-        </p:blipFill>
-        <p:spPr>
-          <a:xfrm>
-            <a:off x="1860550" y="2728421"/>
-            <a:ext cx="4572000" cy="3759201"/>
-          </a:xfrm>
-          <a:prstGeom prst="rect">
-            <a:avLst/>
-          </a:prstGeom>
-          <a:ln w="12700">
-            <a:miter lim="400000"/>
-          </a:ln>
-        </p:spPr>
-      </p:pic>
-      <p:sp>
-        <p:nvSpPr>
-          <p:cNvPr id="745" name="Line"/>
-          <p:cNvSpPr/>
-          <p:nvPr/>
-        </p:nvSpPr>
-        <p:spPr>
-          <a:xfrm flipH="1">
-            <a:off x="5772150" y="5499100"/>
-            <a:ext cx="2447691" cy="0"/>
-          </a:xfrm>
-          <a:prstGeom prst="line">
-            <a:avLst/>
-          </a:prstGeom>
-          <a:ln w="25400">
-            <a:solidFill>
-              <a:schemeClr val="accent1"/>
-            </a:solidFill>
-            <a:tailEnd type="triangle"/>
-          </a:ln>
-          <a:effectLst>
-            <a:outerShdw sx="100000" sy="100000" kx="0" ky="0" algn="b" rotWithShape="0" blurRad="38100" dist="20000" dir="5400000">
-              <a:srgbClr val="000000">
-                <a:alpha val="38000"/>
-              </a:srgbClr>
-            </a:outerShdw>
-          </a:effectLst>
-        </p:spPr>
-        <p:txBody>
-          <a:bodyPr lIns="45719" rIns="45719"/>
-          <a:lstStyle/>
-          <a:p>
-            <a:pPr/>
-          </a:p>
-        </p:txBody>
-      </p:sp>
-      <p:sp>
-        <p:nvSpPr>
-          <p:cNvPr id="746" name="Functions per component with related component structs"/>
-          <p:cNvSpPr txBox="1"/>
-          <p:nvPr/>
-        </p:nvSpPr>
-        <p:spPr>
-          <a:xfrm>
-            <a:off x="8500467" y="5388123"/>
-            <a:ext cx="2723456" cy="450554"/>
-          </a:xfrm>
-          <a:prstGeom prst="rect">
-            <a:avLst/>
-          </a:prstGeom>
-          <a:ln w="12700">
-            <a:miter lim="400000"/>
-          </a:ln>
-          <a:extLst>
-            <a:ext uri="{C572A759-6A51-4108-AA02-DFA0A04FC94B}">
-              <ma14:wrappingTextBoxFlag xmlns:ma14="http://schemas.microsoft.com/office/mac/drawingml/2011/main" val="1"/>
-            </a:ext>
-          </a:extLst>
-        </p:spPr>
-        <p:txBody>
-          <a:bodyPr wrap="none" lIns="0" tIns="0" rIns="0" bIns="0">
-            <a:spAutoFit/>
-          </a:bodyPr>
-          <a:lstStyle/>
-          <a:p>
-            <a:pPr/>
-            <a:r>
-              <a:t>Functions per component with</a:t>
-            </a:r>
-            <a:br/>
-            <a:r>
-              <a:t>related component structs</a:t>
-            </a:r>
-          </a:p>
-        </p:txBody>
-      </p:sp>
-    </p:spTree>
-  </p:cSld>
-  <p:clrMapOvr>
-    <a:masterClrMapping/>
-  </p:clrMapOvr>
-  <p:transition xmlns:p14="http://schemas.microsoft.com/office/powerpoint/2010/main" spd="med" advClick="1"/>
-</p:sld>
-</file>
-
 <file path=ppt/slides/slide19.xml><?xml version="1.0" encoding="utf-8"?>
 <p:sld xmlns:a="http://schemas.openxmlformats.org/drawingml/2006/main" xmlns:r="http://schemas.openxmlformats.org/officeDocument/2006/relationships" xmlns:p="http://schemas.openxmlformats.org/presentationml/2006/main" xmlns:m="http://schemas.openxmlformats.org/officeDocument/2006/math" xmlns:a14="http://schemas.microsoft.com/office/drawing/2010/main" showMasterSp="1" showMasterPhAnim="1">
   <p:cSld>
@@ -38396,7 +38277,122 @@
       </p:grpSpPr>
       <p:sp>
         <p:nvSpPr>
-          <p:cNvPr id="748" name="Slide Number"/>
+          <p:cNvPr id="771" name="Conclusions"/>
+          <p:cNvSpPr txBox="1"/>
+          <p:nvPr>
+            <p:ph type="title"/>
+          </p:nvPr>
+        </p:nvSpPr>
+        <p:spPr>
+          <a:prstGeom prst="rect">
+            <a:avLst/>
+          </a:prstGeom>
+        </p:spPr>
+        <p:txBody>
+          <a:bodyPr/>
+          <a:lstStyle/>
+          <a:p>
+            <a:pPr/>
+            <a:r>
+              <a:t>Conclusions</a:t>
+            </a:r>
+          </a:p>
+        </p:txBody>
+      </p:sp>
+      <p:sp>
+        <p:nvSpPr>
+          <p:cNvPr id="772" name="It really does work nicely!…"/>
+          <p:cNvSpPr txBox="1"/>
+          <p:nvPr>
+            <p:ph type="body" idx="1"/>
+          </p:nvPr>
+        </p:nvSpPr>
+        <p:spPr>
+          <a:xfrm>
+            <a:off x="1774725" y="1664785"/>
+            <a:ext cx="9844170" cy="4610473"/>
+          </a:xfrm>
+          <a:prstGeom prst="rect">
+            <a:avLst/>
+          </a:prstGeom>
+        </p:spPr>
+        <p:txBody>
+          <a:bodyPr/>
+          <a:lstStyle/>
+          <a:p>
+            <a:pPr>
+              <a:defRPr b="1"/>
+            </a:pPr>
+            <a:r>
+              <a:t>It really does work nicely!</a:t>
+            </a:r>
+            <a:br/>
+          </a:p>
+          <a:p>
+            <a:pPr/>
+            <a:r>
+              <a:rPr b="1"/>
+              <a:t>Code changes</a:t>
+            </a:r>
+            <a:r>
+              <a:t> much </a:t>
+            </a:r>
+            <a:r>
+              <a:rPr b="1"/>
+              <a:t>less invasive</a:t>
+            </a:r>
+            <a:r>
+              <a:t> than envisioned!</a:t>
+            </a:r>
+            <a:br/>
+          </a:p>
+          <a:p>
+            <a:pPr/>
+            <a:r>
+              <a:t>Usually, the changes needed to port a code to GPU are small, but subtle… And can in some cases take time to find…</a:t>
+            </a:r>
+          </a:p>
+          <a:p>
+            <a:pPr/>
+          </a:p>
+          <a:p>
+            <a:pPr/>
+            <a:r>
+              <a:t>Generally speaking, the component suite is functional. And there are 100+ instrument models to revisit.</a:t>
+            </a:r>
+            <a:br>
+              <a:rPr b="1"/>
+            </a:br>
+            <a:r>
+              <a:rPr sz="1500"/>
+              <a:t>(we have workarounds or solutions in the pipe for the rest)</a:t>
+            </a:r>
+            <a:br>
+              <a:rPr sz="1500"/>
+            </a:br>
+          </a:p>
+          <a:p>
+            <a:pPr/>
+            <a:r>
+              <a:rPr b="1"/>
+              <a:t>Documentation</a:t>
+            </a:r>
+            <a:r>
+              <a:t> comes in the form of the released code + this set of slides…</a:t>
+            </a:r>
+            <a:br/>
+          </a:p>
+          <a:p>
+            <a:pPr/>
+            <a:r>
+              <a:t>Please try it out! We are ready to help!</a:t>
+            </a:r>
+          </a:p>
+        </p:txBody>
+      </p:sp>
+      <p:sp>
+        <p:nvSpPr>
+          <p:cNvPr id="773" name="Slide Number"/>
           <p:cNvSpPr txBox="1"/>
           <p:nvPr>
             <p:ph type="sldNum" sz="quarter" idx="2"/>
@@ -38421,92 +38417,9 @@
           </a:p>
         </p:txBody>
       </p:sp>
-      <p:sp>
-        <p:nvSpPr>
-          <p:cNvPr id="749" name="Instrument and component  structs built on…"/>
-          <p:cNvSpPr txBox="1"/>
-          <p:nvPr/>
-        </p:nvSpPr>
-        <p:spPr>
-          <a:xfrm>
-            <a:off x="619025" y="1175427"/>
-            <a:ext cx="2581475" cy="4874578"/>
-          </a:xfrm>
-          <a:prstGeom prst="rect">
-            <a:avLst/>
-          </a:prstGeom>
-          <a:ln w="12700">
-            <a:miter lim="400000"/>
-          </a:ln>
-          <a:extLst>
-            <a:ext uri="{C572A759-6A51-4108-AA02-DFA0A04FC94B}">
-              <ma14:wrappingTextBoxFlag xmlns:ma14="http://schemas.microsoft.com/office/mac/drawingml/2011/main" val="1"/>
-            </a:ext>
-          </a:extLst>
-        </p:spPr>
-        <p:txBody>
-          <a:bodyPr lIns="0" tIns="0" rIns="0" bIns="0" anchor="b">
-            <a:normAutofit fontScale="100000" lnSpcReduction="0"/>
-          </a:bodyPr>
-          <a:lstStyle/>
-          <a:p>
-            <a:pPr defTabSz="850391">
-              <a:spcBef>
-                <a:spcPts val="0"/>
-              </a:spcBef>
-              <a:defRPr b="1" sz="2790"/>
-            </a:pPr>
-            <a:r>
-              <a:t>Instrument and component </a:t>
-            </a:r>
-            <a:br/>
-            <a:r>
-              <a:t>structs built on</a:t>
-            </a:r>
-          </a:p>
-          <a:p>
-            <a:pPr defTabSz="850391">
-              <a:spcBef>
-                <a:spcPts val="0"/>
-              </a:spcBef>
-              <a:defRPr b="1" sz="2790"/>
-            </a:pPr>
-            <a:r>
-              <a:t>CPU and transferred to GPU using OpenACC</a:t>
-            </a:r>
-          </a:p>
-          <a:p>
-            <a:pPr defTabSz="850391">
-              <a:spcBef>
-                <a:spcPts val="0"/>
-              </a:spcBef>
-              <a:defRPr b="1" sz="2790"/>
-            </a:pPr>
-            <a:r>
-              <a:t>pragmas at the</a:t>
-            </a:r>
-          </a:p>
-          <a:p>
-            <a:pPr defTabSz="850391">
-              <a:spcBef>
-                <a:spcPts val="0"/>
-              </a:spcBef>
-              <a:defRPr b="1" sz="2790"/>
-            </a:pPr>
-            <a:r>
-              <a:t>end of  </a:t>
-            </a:r>
-            <a:br/>
-            <a:br/>
-            <a:r>
-              <a:t>INITIALISE</a:t>
-            </a:r>
-          </a:p>
-        </p:txBody>
-      </p:sp>
       <p:pic>
         <p:nvPicPr>
-          <p:cNvPr id="750" name="Screenshot 2020-01-17 at 22.36.17.png" descr="Screenshot 2020-01-17 at 22.36.17.png"/>
+          <p:cNvPr id="774" name="30891_1Z.jpg" descr="30891_1Z.jpg"/>
           <p:cNvPicPr>
             <a:picLocks noChangeAspect="1"/>
           </p:cNvPicPr>
@@ -38522,8 +38435,8 @@
         </p:blipFill>
         <p:spPr>
           <a:xfrm>
-            <a:off x="4102100" y="1327150"/>
-            <a:ext cx="5425289" cy="3691970"/>
+            <a:off x="8957935" y="121254"/>
+            <a:ext cx="2931681" cy="1986215"/>
           </a:xfrm>
           <a:prstGeom prst="rect">
             <a:avLst/>
@@ -38533,86 +38446,9 @@
           </a:ln>
         </p:spPr>
       </p:pic>
-      <p:sp>
-        <p:nvSpPr>
-          <p:cNvPr id="751" name="Line"/>
-          <p:cNvSpPr/>
-          <p:nvPr/>
-        </p:nvSpPr>
-        <p:spPr>
-          <a:xfrm flipV="1">
-            <a:off x="9328149" y="3017819"/>
-            <a:ext cx="1" cy="1189793"/>
-          </a:xfrm>
-          <a:prstGeom prst="line">
-            <a:avLst/>
-          </a:prstGeom>
-          <a:ln w="25400">
-            <a:solidFill>
-              <a:schemeClr val="accent1"/>
-            </a:solidFill>
-            <a:headEnd type="triangle"/>
-            <a:tailEnd type="triangle"/>
-          </a:ln>
-          <a:effectLst>
-            <a:outerShdw sx="100000" sy="100000" kx="0" ky="0" algn="b" rotWithShape="0" blurRad="38100" dist="20000" dir="5400000">
-              <a:srgbClr val="000000">
-                <a:alpha val="38000"/>
-              </a:srgbClr>
-            </a:outerShdw>
-          </a:effectLst>
-        </p:spPr>
-        <p:txBody>
-          <a:bodyPr lIns="45719" rIns="45719"/>
-          <a:lstStyle/>
-          <a:p>
-            <a:pPr/>
-          </a:p>
-        </p:txBody>
-      </p:sp>
-      <p:sp>
-        <p:nvSpPr>
-          <p:cNvPr id="752" name="Similar “host” update in FINALLY"/>
-          <p:cNvSpPr txBox="1"/>
-          <p:nvPr/>
-        </p:nvSpPr>
-        <p:spPr>
-          <a:xfrm>
-            <a:off x="9630767" y="3387439"/>
-            <a:ext cx="1887439" cy="450554"/>
-          </a:xfrm>
-          <a:prstGeom prst="rect">
-            <a:avLst/>
-          </a:prstGeom>
-          <a:ln w="12700">
-            <a:miter lim="400000"/>
-          </a:ln>
-          <a:extLst>
-            <a:ext uri="{C572A759-6A51-4108-AA02-DFA0A04FC94B}">
-              <ma14:wrappingTextBoxFlag xmlns:ma14="http://schemas.microsoft.com/office/mac/drawingml/2011/main" val="1"/>
-            </a:ext>
-          </a:extLst>
-        </p:spPr>
-        <p:txBody>
-          <a:bodyPr wrap="none" lIns="0" tIns="0" rIns="0" bIns="0">
-            <a:spAutoFit/>
-          </a:bodyPr>
-          <a:lstStyle/>
-          <a:p>
-            <a:pPr/>
-            <a:r>
-              <a:t>Similar “host” update</a:t>
-            </a:r>
-            <a:br/>
-            <a:r>
-              <a:t>in FINALLY</a:t>
-            </a:r>
-          </a:p>
-        </p:txBody>
-      </p:sp>
       <p:pic>
         <p:nvPicPr>
-          <p:cNvPr id="753" name="Screenshot 2020-08-15 at 12.40.31.png" descr="Screenshot 2020-08-15 at 12.40.31.png"/>
+          <p:cNvPr id="775" name="Unknown.png" descr="Unknown.png"/>
           <p:cNvPicPr>
             <a:picLocks noChangeAspect="1"/>
           </p:cNvPicPr>
@@ -38622,15 +38458,15 @@
           <a:blip r:embed="rId3">
             <a:extLst/>
           </a:blip>
-          <a:srcRect l="0" t="0" r="1010" b="45168"/>
+          <a:srcRect l="0" t="20495" r="0" b="20495"/>
           <a:stretch>
             <a:fillRect/>
           </a:stretch>
         </p:blipFill>
         <p:spPr>
           <a:xfrm>
-            <a:off x="10947650" y="215055"/>
-            <a:ext cx="1244409" cy="300143"/>
+            <a:off x="10674158" y="1588937"/>
+            <a:ext cx="1236066" cy="344557"/>
           </a:xfrm>
           <a:prstGeom prst="rect">
             <a:avLst/>
@@ -38869,1258 +38705,6 @@
           </a:p>
         </p:txBody>
       </p:sp>
-    </p:spTree>
-  </p:cSld>
-  <p:clrMapOvr>
-    <a:masterClrMapping/>
-  </p:clrMapOvr>
-  <p:transition xmlns:p14="http://schemas.microsoft.com/office/powerpoint/2010/main" spd="med" advClick="1"/>
-</p:sld>
-</file>
-
-<file path=ppt/slides/slide20.xml><?xml version="1.0" encoding="utf-8"?>
-<p:sld xmlns:a="http://schemas.openxmlformats.org/drawingml/2006/main" xmlns:r="http://schemas.openxmlformats.org/officeDocument/2006/relationships" xmlns:p="http://schemas.openxmlformats.org/presentationml/2006/main" xmlns:m="http://schemas.openxmlformats.org/officeDocument/2006/math" xmlns:a14="http://schemas.microsoft.com/office/drawing/2010/main" showMasterSp="1" showMasterPhAnim="1">
-  <p:cSld>
-    <p:spTree>
-      <p:nvGrpSpPr>
-        <p:cNvPr id="1" name=""/>
-        <p:cNvGrpSpPr/>
-        <p:nvPr/>
-      </p:nvGrpSpPr>
-      <p:grpSpPr>
-        <a:xfrm>
-          <a:off x="0" y="0"/>
-          <a:ext cx="0" cy="0"/>
-          <a:chOff x="0" y="0"/>
-          <a:chExt cx="0" cy="0"/>
-        </a:xfrm>
-      </p:grpSpPr>
-      <p:sp>
-        <p:nvSpPr>
-          <p:cNvPr id="755" name="“Full” list…"/>
-          <p:cNvSpPr txBox="1"/>
-          <p:nvPr>
-            <p:ph type="title"/>
-          </p:nvPr>
-        </p:nvSpPr>
-        <p:spPr>
-          <a:xfrm>
-            <a:off x="228169" y="1818889"/>
-            <a:ext cx="2044713" cy="1312171"/>
-          </a:xfrm>
-          <a:prstGeom prst="rect">
-            <a:avLst/>
-          </a:prstGeom>
-        </p:spPr>
-        <p:txBody>
-          <a:bodyPr/>
-          <a:lstStyle/>
-          <a:p>
-            <a:pPr defTabSz="649223">
-              <a:defRPr sz="2130"/>
-            </a:pPr>
-            <a:r>
-              <a:t>“Full” list</a:t>
-            </a:r>
-          </a:p>
-          <a:p>
-            <a:pPr defTabSz="649223">
-              <a:defRPr sz="2130"/>
-            </a:pPr>
-            <a:r>
-              <a:t>of pragmas and  accel-code used</a:t>
-            </a:r>
-          </a:p>
-        </p:txBody>
-      </p:sp>
-      <p:sp>
-        <p:nvSpPr>
-          <p:cNvPr id="756" name="Slide Number"/>
-          <p:cNvSpPr txBox="1"/>
-          <p:nvPr>
-            <p:ph type="sldNum" sz="quarter" idx="2"/>
-          </p:nvPr>
-        </p:nvSpPr>
-        <p:spPr>
-          <a:prstGeom prst="rect">
-            <a:avLst/>
-          </a:prstGeom>
-          <a:extLst>
-            <a:ext uri="{C572A759-6A51-4108-AA02-DFA0A04FC94B}">
-              <ma14:wrappingTextBoxFlag xmlns:ma14="http://schemas.microsoft.com/office/mac/drawingml/2011/main" val="1"/>
-            </a:ext>
-          </a:extLst>
-        </p:spPr>
-        <p:txBody>
-          <a:bodyPr/>
-          <a:lstStyle/>
-          <a:p>
-            <a:pPr/>
-            <a:fld id="{86CB4B4D-7CA3-9044-876B-883B54F8677D}" type="slidenum"/>
-          </a:p>
-        </p:txBody>
-      </p:sp>
-      <p:pic>
-        <p:nvPicPr>
-          <p:cNvPr id="757" name="Screenshot 2020-01-18 at 13.41.36.png" descr="Screenshot 2020-01-18 at 13.41.36.png"/>
-          <p:cNvPicPr>
-            <a:picLocks noChangeAspect="1"/>
-          </p:cNvPicPr>
-          <p:nvPr/>
-        </p:nvPicPr>
-        <p:blipFill>
-          <a:blip r:embed="rId2">
-            <a:extLst/>
-          </a:blip>
-          <a:stretch>
-            <a:fillRect/>
-          </a:stretch>
-        </p:blipFill>
-        <p:spPr>
-          <a:xfrm>
-            <a:off x="2381926" y="0"/>
-            <a:ext cx="5807972" cy="6858001"/>
-          </a:xfrm>
-          <a:prstGeom prst="rect">
-            <a:avLst/>
-          </a:prstGeom>
-          <a:ln w="12700">
-            <a:miter lim="400000"/>
-          </a:ln>
-        </p:spPr>
-      </p:pic>
-      <p:sp>
-        <p:nvSpPr>
-          <p:cNvPr id="758" name="“math.h on GPU”"/>
-          <p:cNvSpPr txBox="1"/>
-          <p:nvPr/>
-        </p:nvSpPr>
-        <p:spPr>
-          <a:xfrm>
-            <a:off x="8301786" y="104389"/>
-            <a:ext cx="1164556" cy="172815"/>
-          </a:xfrm>
-          <a:prstGeom prst="rect">
-            <a:avLst/>
-          </a:prstGeom>
-          <a:ln w="12700">
-            <a:miter lim="400000"/>
-          </a:ln>
-          <a:extLst>
-            <a:ext uri="{C572A759-6A51-4108-AA02-DFA0A04FC94B}">
-              <ma14:wrappingTextBoxFlag xmlns:ma14="http://schemas.microsoft.com/office/mac/drawingml/2011/main" val="1"/>
-            </a:ext>
-          </a:extLst>
-        </p:spPr>
-        <p:txBody>
-          <a:bodyPr wrap="none" lIns="0" tIns="0" rIns="0" bIns="0">
-            <a:spAutoFit/>
-          </a:bodyPr>
-          <a:lstStyle>
-            <a:lvl1pPr>
-              <a:defRPr sz="1200"/>
-            </a:lvl1pPr>
-          </a:lstStyle>
-          <a:p>
-            <a:pPr/>
-            <a:r>
-              <a:t>“math.h on GPU”</a:t>
-            </a:r>
-          </a:p>
-        </p:txBody>
-      </p:sp>
-      <p:sp>
-        <p:nvSpPr>
-          <p:cNvPr id="759" name="Line"/>
-          <p:cNvSpPr/>
-          <p:nvPr/>
-        </p:nvSpPr>
-        <p:spPr>
-          <a:xfrm flipH="1" flipV="1">
-            <a:off x="4203580" y="84715"/>
-            <a:ext cx="3975059" cy="100524"/>
-          </a:xfrm>
-          <a:prstGeom prst="line">
-            <a:avLst/>
-          </a:prstGeom>
-          <a:ln w="25400">
-            <a:solidFill>
-              <a:schemeClr val="accent1">
-                <a:alpha val="6802"/>
-              </a:schemeClr>
-            </a:solidFill>
-            <a:tailEnd type="triangle"/>
-          </a:ln>
-          <a:effectLst>
-            <a:outerShdw sx="100000" sy="100000" kx="0" ky="0" algn="b" rotWithShape="0" blurRad="38100" dist="20000" dir="5400000">
-              <a:srgbClr val="000000">
-                <a:alpha val="38000"/>
-              </a:srgbClr>
-            </a:outerShdw>
-          </a:effectLst>
-        </p:spPr>
-        <p:txBody>
-          <a:bodyPr lIns="45719" rIns="45719"/>
-          <a:lstStyle/>
-          <a:p>
-            <a:pPr/>
-          </a:p>
-        </p:txBody>
-      </p:sp>
-      <p:sp>
-        <p:nvSpPr>
-          <p:cNvPr id="760" name="Line"/>
-          <p:cNvSpPr/>
-          <p:nvPr/>
-        </p:nvSpPr>
-        <p:spPr>
-          <a:xfrm flipH="1" flipV="1">
-            <a:off x="6018631" y="661384"/>
-            <a:ext cx="2174111" cy="1"/>
-          </a:xfrm>
-          <a:prstGeom prst="line">
-            <a:avLst/>
-          </a:prstGeom>
-          <a:ln w="25400">
-            <a:solidFill>
-              <a:schemeClr val="accent1">
-                <a:alpha val="6802"/>
-              </a:schemeClr>
-            </a:solidFill>
-            <a:tailEnd type="triangle"/>
-          </a:ln>
-          <a:effectLst>
-            <a:outerShdw sx="100000" sy="100000" kx="0" ky="0" algn="b" rotWithShape="0" blurRad="38100" dist="20000" dir="5400000">
-              <a:srgbClr val="000000">
-                <a:alpha val="38000"/>
-              </a:srgbClr>
-            </a:outerShdw>
-          </a:effectLst>
-        </p:spPr>
-        <p:txBody>
-          <a:bodyPr lIns="45719" rIns="45719"/>
-          <a:lstStyle/>
-          <a:p>
-            <a:pPr/>
-          </a:p>
-        </p:txBody>
-      </p:sp>
-      <p:sp>
-        <p:nvSpPr>
-          <p:cNvPr id="761" name="Needed basic variables / flags"/>
-          <p:cNvSpPr txBox="1"/>
-          <p:nvPr/>
-        </p:nvSpPr>
-        <p:spPr>
-          <a:xfrm>
-            <a:off x="8301786" y="523489"/>
-            <a:ext cx="2045842" cy="172815"/>
-          </a:xfrm>
-          <a:prstGeom prst="rect">
-            <a:avLst/>
-          </a:prstGeom>
-          <a:ln w="12700">
-            <a:miter lim="400000"/>
-          </a:ln>
-          <a:extLst>
-            <a:ext uri="{C572A759-6A51-4108-AA02-DFA0A04FC94B}">
-              <ma14:wrappingTextBoxFlag xmlns:ma14="http://schemas.microsoft.com/office/mac/drawingml/2011/main" val="1"/>
-            </a:ext>
-          </a:extLst>
-        </p:spPr>
-        <p:txBody>
-          <a:bodyPr wrap="none" lIns="0" tIns="0" rIns="0" bIns="0">
-            <a:spAutoFit/>
-          </a:bodyPr>
-          <a:lstStyle>
-            <a:lvl1pPr>
-              <a:defRPr sz="1200"/>
-            </a:lvl1pPr>
-          </a:lstStyle>
-          <a:p>
-            <a:pPr/>
-            <a:r>
-              <a:t>Needed basic variables / flags</a:t>
-            </a:r>
-          </a:p>
-        </p:txBody>
-      </p:sp>
-      <p:sp>
-        <p:nvSpPr>
-          <p:cNvPr id="762" name="Line"/>
-          <p:cNvSpPr/>
-          <p:nvPr/>
-        </p:nvSpPr>
-        <p:spPr>
-          <a:xfrm flipH="1" flipV="1">
-            <a:off x="6018631" y="1296384"/>
-            <a:ext cx="2174111" cy="1"/>
-          </a:xfrm>
-          <a:prstGeom prst="line">
-            <a:avLst/>
-          </a:prstGeom>
-          <a:ln w="25400">
-            <a:solidFill>
-              <a:schemeClr val="accent1">
-                <a:alpha val="6802"/>
-              </a:schemeClr>
-            </a:solidFill>
-            <a:tailEnd type="triangle"/>
-          </a:ln>
-          <a:effectLst>
-            <a:outerShdw sx="100000" sy="100000" kx="0" ky="0" algn="b" rotWithShape="0" blurRad="38100" dist="20000" dir="5400000">
-              <a:srgbClr val="000000">
-                <a:alpha val="38000"/>
-              </a:srgbClr>
-            </a:outerShdw>
-          </a:effectLst>
-        </p:spPr>
-        <p:txBody>
-          <a:bodyPr lIns="45719" rIns="45719"/>
-          <a:lstStyle/>
-          <a:p>
-            <a:pPr/>
-          </a:p>
-        </p:txBody>
-      </p:sp>
-      <p:sp>
-        <p:nvSpPr>
-          <p:cNvPr id="763" name="GPUify all functions to be executed on GPU, i.e. in TRACE"/>
-          <p:cNvSpPr txBox="1"/>
-          <p:nvPr/>
-        </p:nvSpPr>
-        <p:spPr>
-          <a:xfrm>
-            <a:off x="8301786" y="1158489"/>
-            <a:ext cx="2384649" cy="350615"/>
-          </a:xfrm>
-          <a:prstGeom prst="rect">
-            <a:avLst/>
-          </a:prstGeom>
-          <a:ln w="12700">
-            <a:miter lim="400000"/>
-          </a:ln>
-          <a:extLst>
-            <a:ext uri="{C572A759-6A51-4108-AA02-DFA0A04FC94B}">
-              <ma14:wrappingTextBoxFlag xmlns:ma14="http://schemas.microsoft.com/office/mac/drawingml/2011/main" val="1"/>
-            </a:ext>
-          </a:extLst>
-        </p:spPr>
-        <p:txBody>
-          <a:bodyPr wrap="none" lIns="0" tIns="0" rIns="0" bIns="0">
-            <a:spAutoFit/>
-          </a:bodyPr>
-          <a:lstStyle/>
-          <a:p>
-            <a:pPr>
-              <a:defRPr sz="1200"/>
-            </a:pPr>
-            <a:r>
-              <a:t>GPUify all functions to be executed</a:t>
-            </a:r>
-            <a:br/>
-            <a:r>
-              <a:t>on GPU, i.e. in TRACE</a:t>
-            </a:r>
-          </a:p>
-        </p:txBody>
-      </p:sp>
-      <p:sp>
-        <p:nvSpPr>
-          <p:cNvPr id="764" name="Line"/>
-          <p:cNvSpPr/>
-          <p:nvPr/>
-        </p:nvSpPr>
-        <p:spPr>
-          <a:xfrm flipH="1" flipV="1">
-            <a:off x="6018631" y="2058384"/>
-            <a:ext cx="2174111" cy="1"/>
-          </a:xfrm>
-          <a:prstGeom prst="line">
-            <a:avLst/>
-          </a:prstGeom>
-          <a:ln w="25400">
-            <a:solidFill>
-              <a:schemeClr val="accent1">
-                <a:alpha val="6802"/>
-              </a:schemeClr>
-            </a:solidFill>
-            <a:tailEnd type="triangle"/>
-          </a:ln>
-          <a:effectLst>
-            <a:outerShdw sx="100000" sy="100000" kx="0" ky="0" algn="b" rotWithShape="0" blurRad="38100" dist="20000" dir="5400000">
-              <a:srgbClr val="000000">
-                <a:alpha val="38000"/>
-              </a:srgbClr>
-            </a:outerShdw>
-          </a:effectLst>
-        </p:spPr>
-        <p:txBody>
-          <a:bodyPr lIns="45719" rIns="45719"/>
-          <a:lstStyle/>
-          <a:p>
-            <a:pPr/>
-          </a:p>
-        </p:txBody>
-      </p:sp>
-      <p:sp>
-        <p:nvSpPr>
-          <p:cNvPr id="765" name="Global instrument struct and component structs, including members like detector arrays etc."/>
-          <p:cNvSpPr txBox="1"/>
-          <p:nvPr/>
-        </p:nvSpPr>
-        <p:spPr>
-          <a:xfrm>
-            <a:off x="8301786" y="1818889"/>
-            <a:ext cx="2714973" cy="528415"/>
-          </a:xfrm>
-          <a:prstGeom prst="rect">
-            <a:avLst/>
-          </a:prstGeom>
-          <a:ln w="12700">
-            <a:miter lim="400000"/>
-          </a:ln>
-          <a:extLst>
-            <a:ext uri="{C572A759-6A51-4108-AA02-DFA0A04FC94B}">
-              <ma14:wrappingTextBoxFlag xmlns:ma14="http://schemas.microsoft.com/office/mac/drawingml/2011/main" val="1"/>
-            </a:ext>
-          </a:extLst>
-        </p:spPr>
-        <p:txBody>
-          <a:bodyPr wrap="none" lIns="0" tIns="0" rIns="0" bIns="0">
-            <a:spAutoFit/>
-          </a:bodyPr>
-          <a:lstStyle/>
-          <a:p>
-            <a:pPr>
-              <a:defRPr sz="1200"/>
-            </a:pPr>
-            <a:r>
-              <a:t>Global instrument struct and component</a:t>
-            </a:r>
-            <a:br/>
-            <a:r>
-              <a:t>structs, including members like detector</a:t>
-            </a:r>
-            <a:br/>
-            <a:r>
-              <a:t>arrays etc.</a:t>
-            </a:r>
-          </a:p>
-        </p:txBody>
-      </p:sp>
-      <p:sp>
-        <p:nvSpPr>
-          <p:cNvPr id="766" name="Line"/>
-          <p:cNvSpPr/>
-          <p:nvPr/>
-        </p:nvSpPr>
-        <p:spPr>
-          <a:xfrm flipH="1" flipV="1">
-            <a:off x="6018631" y="2718784"/>
-            <a:ext cx="2174111" cy="1"/>
-          </a:xfrm>
-          <a:prstGeom prst="line">
-            <a:avLst/>
-          </a:prstGeom>
-          <a:ln w="25400">
-            <a:solidFill>
-              <a:schemeClr val="accent1">
-                <a:alpha val="6802"/>
-              </a:schemeClr>
-            </a:solidFill>
-            <a:tailEnd type="triangle"/>
-          </a:ln>
-          <a:effectLst>
-            <a:outerShdw sx="100000" sy="100000" kx="0" ky="0" algn="b" rotWithShape="0" blurRad="38100" dist="20000" dir="5400000">
-              <a:srgbClr val="000000">
-                <a:alpha val="38000"/>
-              </a:srgbClr>
-            </a:outerShdw>
-          </a:effectLst>
-        </p:spPr>
-        <p:txBody>
-          <a:bodyPr lIns="45719" rIns="45719"/>
-          <a:lstStyle/>
-          <a:p>
-            <a:pPr/>
-          </a:p>
-        </p:txBody>
-      </p:sp>
-      <p:sp>
-        <p:nvSpPr>
-          <p:cNvPr id="767" name="OpenACC pure c-code, e.g. for the  attaches (pointer-setup)"/>
-          <p:cNvSpPr txBox="1"/>
-          <p:nvPr/>
-        </p:nvSpPr>
-        <p:spPr>
-          <a:xfrm>
-            <a:off x="8301786" y="2606289"/>
-            <a:ext cx="2410024" cy="350615"/>
-          </a:xfrm>
-          <a:prstGeom prst="rect">
-            <a:avLst/>
-          </a:prstGeom>
-          <a:ln w="12700">
-            <a:miter lim="400000"/>
-          </a:ln>
-          <a:extLst>
-            <a:ext uri="{C572A759-6A51-4108-AA02-DFA0A04FC94B}">
-              <ma14:wrappingTextBoxFlag xmlns:ma14="http://schemas.microsoft.com/office/mac/drawingml/2011/main" val="1"/>
-            </a:ext>
-          </a:extLst>
-        </p:spPr>
-        <p:txBody>
-          <a:bodyPr wrap="none" lIns="0" tIns="0" rIns="0" bIns="0">
-            <a:spAutoFit/>
-          </a:bodyPr>
-          <a:lstStyle/>
-          <a:p>
-            <a:pPr>
-              <a:defRPr sz="1200"/>
-            </a:pPr>
-            <a:r>
-              <a:t>OpenACC pure c-code, e.g. for the </a:t>
-            </a:r>
-            <a:br/>
-            <a:r>
-              <a:t>attaches (pointer-setup)</a:t>
-            </a:r>
-          </a:p>
-        </p:txBody>
-      </p:sp>
-      <p:sp>
-        <p:nvSpPr>
-          <p:cNvPr id="768" name="Line"/>
-          <p:cNvSpPr/>
-          <p:nvPr/>
-        </p:nvSpPr>
-        <p:spPr>
-          <a:xfrm flipH="1">
-            <a:off x="6018631" y="3861784"/>
-            <a:ext cx="2174111" cy="1"/>
-          </a:xfrm>
-          <a:prstGeom prst="line">
-            <a:avLst/>
-          </a:prstGeom>
-          <a:ln w="25400">
-            <a:solidFill>
-              <a:schemeClr val="accent1">
-                <a:alpha val="6802"/>
-              </a:schemeClr>
-            </a:solidFill>
-            <a:tailEnd type="triangle"/>
-          </a:ln>
-          <a:effectLst>
-            <a:outerShdw sx="100000" sy="100000" kx="0" ky="0" algn="b" rotWithShape="0" blurRad="38100" dist="20000" dir="5400000">
-              <a:srgbClr val="000000">
-                <a:alpha val="38000"/>
-              </a:srgbClr>
-            </a:outerShdw>
-          </a:effectLst>
-        </p:spPr>
-        <p:txBody>
-          <a:bodyPr lIns="45719" rIns="45719"/>
-          <a:lstStyle/>
-          <a:p>
-            <a:pPr/>
-          </a:p>
-        </p:txBody>
-      </p:sp>
-      <p:sp>
-        <p:nvSpPr>
-          <p:cNvPr id="769" name="Ensure GLOBAL structs updated GPU-side end of INITIALISE"/>
-          <p:cNvSpPr txBox="1"/>
-          <p:nvPr/>
-        </p:nvSpPr>
-        <p:spPr>
-          <a:xfrm>
-            <a:off x="8301786" y="3622288"/>
-            <a:ext cx="2226519" cy="350616"/>
-          </a:xfrm>
-          <a:prstGeom prst="rect">
-            <a:avLst/>
-          </a:prstGeom>
-          <a:ln w="12700">
-            <a:miter lim="400000"/>
-          </a:ln>
-          <a:extLst>
-            <a:ext uri="{C572A759-6A51-4108-AA02-DFA0A04FC94B}">
-              <ma14:wrappingTextBoxFlag xmlns:ma14="http://schemas.microsoft.com/office/mac/drawingml/2011/main" val="1"/>
-            </a:ext>
-          </a:extLst>
-        </p:spPr>
-        <p:txBody>
-          <a:bodyPr wrap="none" lIns="0" tIns="0" rIns="0" bIns="0">
-            <a:spAutoFit/>
-          </a:bodyPr>
-          <a:lstStyle/>
-          <a:p>
-            <a:pPr>
-              <a:defRPr sz="1200"/>
-            </a:pPr>
-            <a:r>
-              <a:t>Ensure GLOBAL structs updated</a:t>
-            </a:r>
-            <a:br/>
-            <a:r>
-              <a:t>GPU-side end of INITIALISE</a:t>
-            </a:r>
-          </a:p>
-        </p:txBody>
-      </p:sp>
-      <p:sp>
-        <p:nvSpPr>
-          <p:cNvPr id="770" name="Line"/>
-          <p:cNvSpPr/>
-          <p:nvPr/>
-        </p:nvSpPr>
-        <p:spPr>
-          <a:xfrm flipH="1">
-            <a:off x="6018631" y="4611084"/>
-            <a:ext cx="2174111" cy="1"/>
-          </a:xfrm>
-          <a:prstGeom prst="line">
-            <a:avLst/>
-          </a:prstGeom>
-          <a:ln w="25400">
-            <a:solidFill>
-              <a:schemeClr val="accent1">
-                <a:alpha val="6802"/>
-              </a:schemeClr>
-            </a:solidFill>
-            <a:tailEnd type="triangle"/>
-          </a:ln>
-          <a:effectLst>
-            <a:outerShdw sx="100000" sy="100000" kx="0" ky="0" algn="b" rotWithShape="0" blurRad="38100" dist="20000" dir="5400000">
-              <a:srgbClr val="000000">
-                <a:alpha val="38000"/>
-              </a:srgbClr>
-            </a:outerShdw>
-          </a:effectLst>
-        </p:spPr>
-        <p:txBody>
-          <a:bodyPr lIns="45719" rIns="45719"/>
-          <a:lstStyle/>
-          <a:p>
-            <a:pPr/>
-          </a:p>
-        </p:txBody>
-      </p:sp>
-      <p:sp>
-        <p:nvSpPr>
-          <p:cNvPr id="771" name="GPUify all functions to be executed on GPU, i.e. in TRACE"/>
-          <p:cNvSpPr txBox="1"/>
-          <p:nvPr/>
-        </p:nvSpPr>
-        <p:spPr>
-          <a:xfrm>
-            <a:off x="8301786" y="4269988"/>
-            <a:ext cx="2384649" cy="350616"/>
-          </a:xfrm>
-          <a:prstGeom prst="rect">
-            <a:avLst/>
-          </a:prstGeom>
-          <a:ln w="12700">
-            <a:miter lim="400000"/>
-          </a:ln>
-          <a:extLst>
-            <a:ext uri="{C572A759-6A51-4108-AA02-DFA0A04FC94B}">
-              <ma14:wrappingTextBoxFlag xmlns:ma14="http://schemas.microsoft.com/office/mac/drawingml/2011/main" val="1"/>
-            </a:ext>
-          </a:extLst>
-        </p:spPr>
-        <p:txBody>
-          <a:bodyPr wrap="none" lIns="0" tIns="0" rIns="0" bIns="0">
-            <a:spAutoFit/>
-          </a:bodyPr>
-          <a:lstStyle/>
-          <a:p>
-            <a:pPr>
-              <a:defRPr sz="1200"/>
-            </a:pPr>
-            <a:r>
-              <a:t>GPUify all functions to be executed</a:t>
-            </a:r>
-            <a:br/>
-            <a:r>
-              <a:t>on GPU, i.e. in TRACE</a:t>
-            </a:r>
-          </a:p>
-        </p:txBody>
-      </p:sp>
-      <p:sp>
-        <p:nvSpPr>
-          <p:cNvPr id="772" name="Line"/>
-          <p:cNvSpPr/>
-          <p:nvPr/>
-        </p:nvSpPr>
-        <p:spPr>
-          <a:xfrm flipH="1">
-            <a:off x="6018631" y="4826984"/>
-            <a:ext cx="2174111" cy="1"/>
-          </a:xfrm>
-          <a:prstGeom prst="line">
-            <a:avLst/>
-          </a:prstGeom>
-          <a:ln w="25400">
-            <a:solidFill>
-              <a:schemeClr val="accent1">
-                <a:alpha val="6802"/>
-              </a:schemeClr>
-            </a:solidFill>
-            <a:tailEnd type="triangle"/>
-          </a:ln>
-          <a:effectLst>
-            <a:outerShdw sx="100000" sy="100000" kx="0" ky="0" algn="b" rotWithShape="0" blurRad="38100" dist="20000" dir="5400000">
-              <a:srgbClr val="000000">
-                <a:alpha val="38000"/>
-              </a:srgbClr>
-            </a:outerShdw>
-          </a:effectLst>
-        </p:spPr>
-        <p:txBody>
-          <a:bodyPr lIns="45719" rIns="45719"/>
-          <a:lstStyle/>
-          <a:p>
-            <a:pPr/>
-          </a:p>
-        </p:txBody>
-      </p:sp>
-      <p:sp>
-        <p:nvSpPr>
-          <p:cNvPr id="773" name="anything written to by multiple threads  (detectors) should be “atomic”"/>
-          <p:cNvSpPr txBox="1"/>
-          <p:nvPr/>
-        </p:nvSpPr>
-        <p:spPr>
-          <a:xfrm>
-            <a:off x="8289111" y="4638977"/>
-            <a:ext cx="2613323" cy="350615"/>
-          </a:xfrm>
-          <a:prstGeom prst="rect">
-            <a:avLst/>
-          </a:prstGeom>
-          <a:ln w="12700">
-            <a:miter lim="400000"/>
-          </a:ln>
-          <a:extLst>
-            <a:ext uri="{C572A759-6A51-4108-AA02-DFA0A04FC94B}">
-              <ma14:wrappingTextBoxFlag xmlns:ma14="http://schemas.microsoft.com/office/mac/drawingml/2011/main" val="1"/>
-            </a:ext>
-          </a:extLst>
-        </p:spPr>
-        <p:txBody>
-          <a:bodyPr wrap="none" lIns="0" tIns="0" rIns="0" bIns="0">
-            <a:spAutoFit/>
-          </a:bodyPr>
-          <a:lstStyle/>
-          <a:p>
-            <a:pPr>
-              <a:defRPr sz="1200"/>
-            </a:pPr>
-            <a:r>
-              <a:t>anything written to by multiple threads </a:t>
-            </a:r>
-            <a:br/>
-            <a:r>
-              <a:t>(detectors) should be “atomic” </a:t>
-            </a:r>
-          </a:p>
-        </p:txBody>
-      </p:sp>
-      <p:sp>
-        <p:nvSpPr>
-          <p:cNvPr id="774" name="Line"/>
-          <p:cNvSpPr/>
-          <p:nvPr/>
-        </p:nvSpPr>
-        <p:spPr>
-          <a:xfrm flipH="1" flipV="1">
-            <a:off x="4420022" y="4992084"/>
-            <a:ext cx="7025809" cy="1"/>
-          </a:xfrm>
-          <a:prstGeom prst="line">
-            <a:avLst/>
-          </a:prstGeom>
-          <a:ln w="25400">
-            <a:solidFill>
-              <a:schemeClr val="accent1">
-                <a:alpha val="6802"/>
-              </a:schemeClr>
-            </a:solidFill>
-            <a:tailEnd type="triangle"/>
-          </a:ln>
-          <a:effectLst>
-            <a:outerShdw sx="100000" sy="100000" kx="0" ky="0" algn="b" rotWithShape="0" blurRad="38100" dist="20000" dir="5400000">
-              <a:srgbClr val="000000">
-                <a:alpha val="38000"/>
-              </a:srgbClr>
-            </a:outerShdw>
-          </a:effectLst>
-        </p:spPr>
-        <p:txBody>
-          <a:bodyPr lIns="45719" rIns="45719"/>
-          <a:lstStyle/>
-          <a:p>
-            <a:pPr/>
-          </a:p>
-        </p:txBody>
-      </p:sp>
-      <p:sp>
-        <p:nvSpPr>
-          <p:cNvPr id="775" name="Loop V1"/>
-          <p:cNvSpPr txBox="1"/>
-          <p:nvPr/>
-        </p:nvSpPr>
-        <p:spPr>
-          <a:xfrm>
-            <a:off x="11473936" y="4905677"/>
-            <a:ext cx="580480" cy="172815"/>
-          </a:xfrm>
-          <a:prstGeom prst="rect">
-            <a:avLst/>
-          </a:prstGeom>
-          <a:ln w="12700">
-            <a:miter lim="400000"/>
-          </a:ln>
-          <a:extLst>
-            <a:ext uri="{C572A759-6A51-4108-AA02-DFA0A04FC94B}">
-              <ma14:wrappingTextBoxFlag xmlns:ma14="http://schemas.microsoft.com/office/mac/drawingml/2011/main" val="1"/>
-            </a:ext>
-          </a:extLst>
-        </p:spPr>
-        <p:txBody>
-          <a:bodyPr wrap="none" lIns="0" tIns="0" rIns="0" bIns="0">
-            <a:spAutoFit/>
-          </a:bodyPr>
-          <a:lstStyle>
-            <a:lvl1pPr>
-              <a:defRPr sz="1200"/>
-            </a:lvl1pPr>
-          </a:lstStyle>
-          <a:p>
-            <a:pPr/>
-            <a:r>
-              <a:t>Loop V1</a:t>
-            </a:r>
-          </a:p>
-        </p:txBody>
-      </p:sp>
-      <p:sp>
-        <p:nvSpPr>
-          <p:cNvPr id="776" name="Line"/>
-          <p:cNvSpPr/>
-          <p:nvPr/>
-        </p:nvSpPr>
-        <p:spPr>
-          <a:xfrm flipV="1">
-            <a:off x="8359903" y="5096224"/>
-            <a:ext cx="1" cy="774997"/>
-          </a:xfrm>
-          <a:prstGeom prst="line">
-            <a:avLst/>
-          </a:prstGeom>
-          <a:ln w="25400">
-            <a:solidFill>
-              <a:schemeClr val="accent1">
-                <a:alpha val="6802"/>
-              </a:schemeClr>
-            </a:solidFill>
-            <a:headEnd type="triangle"/>
-            <a:tailEnd type="triangle"/>
-          </a:ln>
-          <a:effectLst>
-            <a:outerShdw sx="100000" sy="100000" kx="0" ky="0" algn="b" rotWithShape="0" blurRad="38100" dist="20000" dir="5400000">
-              <a:srgbClr val="000000">
-                <a:alpha val="38000"/>
-              </a:srgbClr>
-            </a:outerShdw>
-          </a:effectLst>
-        </p:spPr>
-        <p:txBody>
-          <a:bodyPr lIns="45719" rIns="45719"/>
-          <a:lstStyle/>
-          <a:p>
-            <a:pPr/>
-          </a:p>
-        </p:txBody>
-      </p:sp>
-      <p:sp>
-        <p:nvSpPr>
-          <p:cNvPr id="777" name="Loop V2"/>
-          <p:cNvSpPr txBox="1"/>
-          <p:nvPr/>
-        </p:nvSpPr>
-        <p:spPr>
-          <a:xfrm>
-            <a:off x="8529908" y="5363565"/>
-            <a:ext cx="580480" cy="172815"/>
-          </a:xfrm>
-          <a:prstGeom prst="rect">
-            <a:avLst/>
-          </a:prstGeom>
-          <a:ln w="12700">
-            <a:miter lim="400000"/>
-          </a:ln>
-          <a:extLst>
-            <a:ext uri="{C572A759-6A51-4108-AA02-DFA0A04FC94B}">
-              <ma14:wrappingTextBoxFlag xmlns:ma14="http://schemas.microsoft.com/office/mac/drawingml/2011/main" val="1"/>
-            </a:ext>
-          </a:extLst>
-        </p:spPr>
-        <p:txBody>
-          <a:bodyPr wrap="none" lIns="0" tIns="0" rIns="0" bIns="0">
-            <a:spAutoFit/>
-          </a:bodyPr>
-          <a:lstStyle>
-            <a:lvl1pPr>
-              <a:defRPr sz="1200"/>
-            </a:lvl1pPr>
-          </a:lstStyle>
-          <a:p>
-            <a:pPr/>
-            <a:r>
-              <a:t>Loop V2</a:t>
-            </a:r>
-          </a:p>
-        </p:txBody>
-      </p:sp>
-      <p:sp>
-        <p:nvSpPr>
-          <p:cNvPr id="778" name="Line"/>
-          <p:cNvSpPr/>
-          <p:nvPr/>
-        </p:nvSpPr>
-        <p:spPr>
-          <a:xfrm flipH="1">
-            <a:off x="6018631" y="6289596"/>
-            <a:ext cx="2174111" cy="1"/>
-          </a:xfrm>
-          <a:prstGeom prst="line">
-            <a:avLst/>
-          </a:prstGeom>
-          <a:ln w="25400">
-            <a:solidFill>
-              <a:schemeClr val="accent1">
-                <a:alpha val="6802"/>
-              </a:schemeClr>
-            </a:solidFill>
-            <a:tailEnd type="triangle"/>
-          </a:ln>
-          <a:effectLst>
-            <a:outerShdw sx="100000" sy="100000" kx="0" ky="0" algn="b" rotWithShape="0" blurRad="38100" dist="20000" dir="5400000">
-              <a:srgbClr val="000000">
-                <a:alpha val="38000"/>
-              </a:srgbClr>
-            </a:outerShdw>
-          </a:effectLst>
-        </p:spPr>
-        <p:txBody>
-          <a:bodyPr lIns="45719" rIns="45719"/>
-          <a:lstStyle/>
-          <a:p>
-            <a:pPr/>
-          </a:p>
-        </p:txBody>
-      </p:sp>
-      <p:sp>
-        <p:nvSpPr>
-          <p:cNvPr id="779" name="Ensure GLOBAL structs updated host-side start of FINALLY"/>
-          <p:cNvSpPr txBox="1"/>
-          <p:nvPr/>
-        </p:nvSpPr>
-        <p:spPr>
-          <a:xfrm>
-            <a:off x="8211447" y="6114289"/>
-            <a:ext cx="2226519" cy="350615"/>
-          </a:xfrm>
-          <a:prstGeom prst="rect">
-            <a:avLst/>
-          </a:prstGeom>
-          <a:ln w="12700">
-            <a:miter lim="400000"/>
-          </a:ln>
-          <a:extLst>
-            <a:ext uri="{C572A759-6A51-4108-AA02-DFA0A04FC94B}">
-              <ma14:wrappingTextBoxFlag xmlns:ma14="http://schemas.microsoft.com/office/mac/drawingml/2011/main" val="1"/>
-            </a:ext>
-          </a:extLst>
-        </p:spPr>
-        <p:txBody>
-          <a:bodyPr wrap="none" lIns="0" tIns="0" rIns="0" bIns="0">
-            <a:spAutoFit/>
-          </a:bodyPr>
-          <a:lstStyle/>
-          <a:p>
-            <a:pPr>
-              <a:defRPr sz="1200"/>
-            </a:pPr>
-            <a:r>
-              <a:t>Ensure GLOBAL structs updated</a:t>
-            </a:r>
-            <a:br/>
-            <a:r>
-              <a:t>host-side start of FINALLY</a:t>
-            </a:r>
-          </a:p>
-        </p:txBody>
-      </p:sp>
-    </p:spTree>
-  </p:cSld>
-  <p:clrMapOvr>
-    <a:masterClrMapping/>
-  </p:clrMapOvr>
-  <p:transition xmlns:p14="http://schemas.microsoft.com/office/powerpoint/2010/main" spd="med" advClick="1"/>
-</p:sld>
-</file>
-
-<file path=ppt/slides/slide21.xml><?xml version="1.0" encoding="utf-8"?>
-<p:sld xmlns:a="http://schemas.openxmlformats.org/drawingml/2006/main" xmlns:r="http://schemas.openxmlformats.org/officeDocument/2006/relationships" xmlns:p="http://schemas.openxmlformats.org/presentationml/2006/main" xmlns:m="http://schemas.openxmlformats.org/officeDocument/2006/math" xmlns:a14="http://schemas.microsoft.com/office/drawing/2010/main" showMasterSp="1" showMasterPhAnim="1">
-  <p:cSld>
-    <p:spTree>
-      <p:nvGrpSpPr>
-        <p:cNvPr id="1" name=""/>
-        <p:cNvGrpSpPr/>
-        <p:nvPr/>
-      </p:nvGrpSpPr>
-      <p:grpSpPr>
-        <a:xfrm>
-          <a:off x="0" y="0"/>
-          <a:ext cx="0" cy="0"/>
-          <a:chOff x="0" y="0"/>
-          <a:chExt cx="0" cy="0"/>
-        </a:xfrm>
-      </p:grpSpPr>
-      <p:sp>
-        <p:nvSpPr>
-          <p:cNvPr id="781" name="Conclusions"/>
-          <p:cNvSpPr txBox="1"/>
-          <p:nvPr>
-            <p:ph type="title"/>
-          </p:nvPr>
-        </p:nvSpPr>
-        <p:spPr>
-          <a:prstGeom prst="rect">
-            <a:avLst/>
-          </a:prstGeom>
-        </p:spPr>
-        <p:txBody>
-          <a:bodyPr/>
-          <a:lstStyle/>
-          <a:p>
-            <a:pPr/>
-            <a:r>
-              <a:t>Conclusions</a:t>
-            </a:r>
-          </a:p>
-        </p:txBody>
-      </p:sp>
-      <p:sp>
-        <p:nvSpPr>
-          <p:cNvPr id="782" name="It really does work nicely!…"/>
-          <p:cNvSpPr txBox="1"/>
-          <p:nvPr>
-            <p:ph type="body" idx="1"/>
-          </p:nvPr>
-        </p:nvSpPr>
-        <p:spPr>
-          <a:xfrm>
-            <a:off x="1774725" y="1664785"/>
-            <a:ext cx="9844170" cy="4610473"/>
-          </a:xfrm>
-          <a:prstGeom prst="rect">
-            <a:avLst/>
-          </a:prstGeom>
-        </p:spPr>
-        <p:txBody>
-          <a:bodyPr/>
-          <a:lstStyle/>
-          <a:p>
-            <a:pPr>
-              <a:defRPr b="1"/>
-            </a:pPr>
-            <a:r>
-              <a:t>It really does work nicely!</a:t>
-            </a:r>
-            <a:br/>
-          </a:p>
-          <a:p>
-            <a:pPr/>
-            <a:r>
-              <a:rPr b="1"/>
-              <a:t>Code changes</a:t>
-            </a:r>
-            <a:r>
-              <a:t> much </a:t>
-            </a:r>
-            <a:r>
-              <a:rPr b="1"/>
-              <a:t>less invasive</a:t>
-            </a:r>
-            <a:r>
-              <a:t> than envisioned!</a:t>
-            </a:r>
-            <a:br/>
-          </a:p>
-          <a:p>
-            <a:pPr/>
-            <a:r>
-              <a:t>It often gives a speedup of </a:t>
-            </a:r>
-            <a:r>
-              <a:rPr b="1"/>
-              <a:t>1-2 orders </a:t>
-            </a:r>
-            <a:r>
-              <a:t>of magnitude over 1 cpu</a:t>
-            </a:r>
-            <a:br/>
-          </a:p>
-          <a:p>
-            <a:pPr/>
-            <a:r>
-              <a:rPr b="1"/>
-              <a:t>Most things work </a:t>
-            </a:r>
-            <a:br>
-              <a:rPr b="1"/>
-            </a:br>
-            <a:r>
-              <a:rPr sz="1500"/>
-              <a:t>(we have workarounds or solutions in the pipe for the rest)</a:t>
-            </a:r>
-            <a:br>
-              <a:rPr sz="1500"/>
-            </a:br>
-          </a:p>
-          <a:p>
-            <a:pPr/>
-            <a:r>
-              <a:rPr b="1"/>
-              <a:t>Documentation</a:t>
-            </a:r>
-            <a:r>
-              <a:t> comes in the form of the released code + this set of slides…</a:t>
-            </a:r>
-            <a:br/>
-          </a:p>
-          <a:p>
-            <a:pPr/>
-            <a:r>
-              <a:t>McStas 3.0 is as of yet “ported” to GPU but </a:t>
-            </a:r>
-            <a:r>
-              <a:rPr b="1"/>
-              <a:t>not fully “optimised” performance-wise</a:t>
-            </a:r>
-            <a:r>
-              <a:t>, we will try to go to another Hackathon</a:t>
-            </a:r>
-            <a:br/>
-          </a:p>
-          <a:p>
-            <a:pPr/>
-            <a:r>
-              <a:rPr b="1"/>
-              <a:t>Union</a:t>
-            </a:r>
-            <a:r>
-              <a:t> needs a dedicated </a:t>
-            </a:r>
-            <a:r>
-              <a:rPr b="1"/>
-              <a:t>Hackathon</a:t>
-            </a:r>
-          </a:p>
-        </p:txBody>
-      </p:sp>
-      <p:sp>
-        <p:nvSpPr>
-          <p:cNvPr id="783" name="Slide Number"/>
-          <p:cNvSpPr txBox="1"/>
-          <p:nvPr>
-            <p:ph type="sldNum" sz="quarter" idx="2"/>
-          </p:nvPr>
-        </p:nvSpPr>
-        <p:spPr>
-          <a:prstGeom prst="rect">
-            <a:avLst/>
-          </a:prstGeom>
-          <a:extLst>
-            <a:ext uri="{C572A759-6A51-4108-AA02-DFA0A04FC94B}">
-              <ma14:wrappingTextBoxFlag xmlns:ma14="http://schemas.microsoft.com/office/mac/drawingml/2011/main" val="1"/>
-            </a:ext>
-          </a:extLst>
-        </p:spPr>
-        <p:txBody>
-          <a:bodyPr/>
-          <a:lstStyle/>
-          <a:p>
-            <a:pPr/>
-            <a:fld id="{86CB4B4D-7CA3-9044-876B-883B54F8677D}" type="slidenum"/>
-          </a:p>
-        </p:txBody>
-      </p:sp>
-      <p:pic>
-        <p:nvPicPr>
-          <p:cNvPr id="784" name="30891_1Z.jpg" descr="30891_1Z.jpg"/>
-          <p:cNvPicPr>
-            <a:picLocks noChangeAspect="1"/>
-          </p:cNvPicPr>
-          <p:nvPr/>
-        </p:nvPicPr>
-        <p:blipFill>
-          <a:blip r:embed="rId2">
-            <a:extLst/>
-          </a:blip>
-          <a:stretch>
-            <a:fillRect/>
-          </a:stretch>
-        </p:blipFill>
-        <p:spPr>
-          <a:xfrm>
-            <a:off x="8957935" y="121254"/>
-            <a:ext cx="2931681" cy="1986215"/>
-          </a:xfrm>
-          <a:prstGeom prst="rect">
-            <a:avLst/>
-          </a:prstGeom>
-          <a:ln w="12700">
-            <a:miter lim="400000"/>
-          </a:ln>
-        </p:spPr>
-      </p:pic>
-      <p:pic>
-        <p:nvPicPr>
-          <p:cNvPr id="785" name="Unknown.png" descr="Unknown.png"/>
-          <p:cNvPicPr>
-            <a:picLocks noChangeAspect="1"/>
-          </p:cNvPicPr>
-          <p:nvPr/>
-        </p:nvPicPr>
-        <p:blipFill>
-          <a:blip r:embed="rId3">
-            <a:extLst/>
-          </a:blip>
-          <a:srcRect l="0" t="20495" r="0" b="20495"/>
-          <a:stretch>
-            <a:fillRect/>
-          </a:stretch>
-        </p:blipFill>
-        <p:spPr>
-          <a:xfrm>
-            <a:off x="10674158" y="1588937"/>
-            <a:ext cx="1236066" cy="344557"/>
-          </a:xfrm>
-          <a:prstGeom prst="rect">
-            <a:avLst/>
-          </a:prstGeom>
-          <a:ln w="12700">
-            <a:miter lim="400000"/>
-          </a:ln>
-        </p:spPr>
-      </p:pic>
     </p:spTree>
   </p:cSld>
   <p:clrMapOvr>
@@ -40679,13 +39263,17 @@
       </p:grpSpPr>
       <p:sp>
         <p:nvSpPr>
-          <p:cNvPr id="597" name="The neutron and USERVARS in the instrument"/>
+          <p:cNvPr id="597" name="What code-parts got #pragma acc"/>
           <p:cNvSpPr txBox="1"/>
           <p:nvPr>
             <p:ph type="title"/>
           </p:nvPr>
         </p:nvSpPr>
         <p:spPr>
+          <a:xfrm>
+            <a:off x="4351042" y="-297861"/>
+            <a:ext cx="9312375" cy="972717"/>
+          </a:xfrm>
           <a:prstGeom prst="rect">
             <a:avLst/>
           </a:prstGeom>
@@ -40696,7 +39284,7 @@
           <a:p>
             <a:pPr/>
             <a:r>
-              <a:t>The neutron and USERVARS in the instrument </a:t>
+              <a:t>What code-parts got #pragma acc</a:t>
             </a:r>
           </a:p>
         </p:txBody>
@@ -40728,9 +39316,1981 @@
           </a:p>
         </p:txBody>
       </p:sp>
+      <p:sp>
+        <p:nvSpPr>
+          <p:cNvPr id="599" name="All monitors:…"/>
+          <p:cNvSpPr txBox="1"/>
+          <p:nvPr/>
+        </p:nvSpPr>
+        <p:spPr>
+          <a:xfrm>
+            <a:off x="8912867" y="780303"/>
+            <a:ext cx="2357964" cy="826473"/>
+          </a:xfrm>
+          <a:prstGeom prst="rect">
+            <a:avLst/>
+          </a:prstGeom>
+          <a:solidFill>
+            <a:srgbClr val="FFFFFF"/>
+          </a:solidFill>
+          <a:ln w="25400">
+            <a:solidFill>
+              <a:schemeClr val="accent1"/>
+            </a:solidFill>
+          </a:ln>
+          <a:extLst>
+            <a:ext uri="{C572A759-6A51-4108-AA02-DFA0A04FC94B}">
+              <ma14:wrappingTextBoxFlag xmlns:ma14="http://schemas.microsoft.com/office/mac/drawingml/2011/main" val="1"/>
+            </a:ext>
+          </a:extLst>
+        </p:spPr>
+        <p:txBody>
+          <a:bodyPr lIns="0" tIns="0" rIns="0" bIns="0">
+            <a:spAutoFit/>
+          </a:bodyPr>
+          <a:lstStyle/>
+          <a:p>
+            <a:pPr/>
+            <a:r>
+              <a:t>All </a:t>
+            </a:r>
+            <a:r>
+              <a:rPr b="1"/>
+              <a:t>monitors</a:t>
+            </a:r>
+            <a:r>
+              <a:t>:</a:t>
+            </a:r>
+          </a:p>
+          <a:p>
+            <a:pPr/>
+            <a:r>
+              <a:t>#pragma acc atomic </a:t>
+            </a:r>
+            <a:br/>
+            <a:r>
+              <a:t>sections for arrays</a:t>
+            </a:r>
+          </a:p>
+        </p:txBody>
+      </p:sp>
+      <p:sp>
+        <p:nvSpPr>
+          <p:cNvPr id="600" name="Contrib comps: (atomics in mon’s, #pragma acc routine for TRACE-funcs)  contrib/FermiChopper_ILL.comp contrib/Guide_honeycomb.comp contrib/ISIS_moderator.comp contrib/Lens.comp contrib/Mirror_Elliptic.comp contrib/Mirror_Parabolic.comp contrib/PSD_Detect"/>
+          <p:cNvSpPr txBox="1"/>
+          <p:nvPr/>
+        </p:nvSpPr>
+        <p:spPr>
+          <a:xfrm>
+            <a:off x="8488741" y="3221259"/>
+            <a:ext cx="3546575" cy="3219153"/>
+          </a:xfrm>
+          <a:prstGeom prst="rect">
+            <a:avLst/>
+          </a:prstGeom>
+          <a:solidFill>
+            <a:srgbClr val="FFFFFF"/>
+          </a:solidFill>
+          <a:ln w="25400">
+            <a:solidFill>
+              <a:schemeClr val="accent1"/>
+            </a:solidFill>
+          </a:ln>
+          <a:extLst>
+            <a:ext uri="{C572A759-6A51-4108-AA02-DFA0A04FC94B}">
+              <ma14:wrappingTextBoxFlag xmlns:ma14="http://schemas.microsoft.com/office/mac/drawingml/2011/main" val="1"/>
+            </a:ext>
+          </a:extLst>
+        </p:spPr>
+        <p:txBody>
+          <a:bodyPr wrap="none" lIns="0" tIns="0" rIns="0" bIns="0">
+            <a:spAutoFit/>
+          </a:bodyPr>
+          <a:lstStyle/>
+          <a:p>
+            <a:pPr/>
+            <a:r>
+              <a:rPr b="1"/>
+              <a:t>Contrib</a:t>
+            </a:r>
+            <a:r>
+              <a:t> comps: (atomics in mon’s,</a:t>
+            </a:r>
+            <a:br/>
+            <a:r>
+              <a:t>#pragma acc routine for TRACE-funcs)</a:t>
+            </a:r>
+            <a:br/>
+            <a:br/>
+            <a:r>
+              <a:t>contrib/FermiChopper_ILL.comp</a:t>
+            </a:r>
+            <a:br/>
+            <a:r>
+              <a:t>contrib/Guide_honeycomb.comp</a:t>
+            </a:r>
+            <a:br/>
+            <a:r>
+              <a:t>contrib/ISIS_moderator.comp</a:t>
+            </a:r>
+            <a:br/>
+            <a:r>
+              <a:t>contrib/Lens.comp</a:t>
+            </a:r>
+            <a:br/>
+            <a:r>
+              <a:t>contrib/Mirror_Elliptic.comp</a:t>
+            </a:r>
+            <a:br/>
+            <a:r>
+              <a:t>contrib/Mirror_Parabolic.comp</a:t>
+            </a:r>
+            <a:br/>
+            <a:r>
+              <a:t>contrib/PSD_Detector.comp</a:t>
+            </a:r>
+            <a:br/>
+            <a:r>
+              <a:t>contrib/PSD_monitor_rad.comp</a:t>
+            </a:r>
+            <a:br/>
+            <a:r>
+              <a:t>contrib/SNS_source.comp</a:t>
+            </a:r>
+            <a:br/>
+            <a:r>
+              <a:t>contrib/SNS_source_analytic.comp</a:t>
+            </a:r>
+            <a:br/>
+            <a:r>
+              <a:t>contrib/ViewModISIS.comp</a:t>
+            </a:r>
+          </a:p>
+        </p:txBody>
+      </p:sp>
+      <p:sp>
+        <p:nvSpPr>
+          <p:cNvPr id="601" name="Misc: atomic capture for  insertion in array of particle events  misc/MCPL_output.comp"/>
+          <p:cNvSpPr txBox="1"/>
+          <p:nvPr/>
+        </p:nvSpPr>
+        <p:spPr>
+          <a:xfrm>
+            <a:off x="8853053" y="1718841"/>
+            <a:ext cx="2477592" cy="1390353"/>
+          </a:xfrm>
+          <a:prstGeom prst="rect">
+            <a:avLst/>
+          </a:prstGeom>
+          <a:solidFill>
+            <a:srgbClr val="FFFFFF"/>
+          </a:solidFill>
+          <a:ln w="25400">
+            <a:solidFill>
+              <a:schemeClr val="accent1"/>
+            </a:solidFill>
+          </a:ln>
+          <a:extLst>
+            <a:ext uri="{C572A759-6A51-4108-AA02-DFA0A04FC94B}">
+              <ma14:wrappingTextBoxFlag xmlns:ma14="http://schemas.microsoft.com/office/mac/drawingml/2011/main" val="1"/>
+            </a:ext>
+          </a:extLst>
+        </p:spPr>
+        <p:txBody>
+          <a:bodyPr wrap="none" lIns="0" tIns="0" rIns="0" bIns="0">
+            <a:spAutoFit/>
+          </a:bodyPr>
+          <a:lstStyle/>
+          <a:p>
+            <a:pPr/>
+            <a:r>
+              <a:rPr b="1"/>
+              <a:t>Misc</a:t>
+            </a:r>
+            <a:r>
+              <a:t>:</a:t>
+            </a:r>
+            <a:br/>
+            <a:r>
+              <a:t>atomic capture for </a:t>
+            </a:r>
+            <a:br/>
+            <a:r>
+              <a:t>insertion in array of particle</a:t>
+            </a:r>
+            <a:br/>
+            <a:r>
+              <a:t>events</a:t>
+            </a:r>
+            <a:br/>
+            <a:br/>
+            <a:r>
+              <a:t>misc/MCPL_output.comp</a:t>
+            </a:r>
+          </a:p>
+        </p:txBody>
+      </p:sp>
+      <p:sp>
+        <p:nvSpPr>
+          <p:cNvPr id="602" name="Optics: (TRACE-functions in SHARE +  declare create for Gauss structures)  optics/Elliptic_guide_gravity.comp optics/FermiChopper.comp optics/Guide_gravity.comp optics/Monochromator_curved.comp optics/Monochromator_flat.comp"/>
+          <p:cNvSpPr txBox="1"/>
+          <p:nvPr/>
+        </p:nvSpPr>
+        <p:spPr>
+          <a:xfrm>
+            <a:off x="4703935" y="4592859"/>
+            <a:ext cx="3623371" cy="1847553"/>
+          </a:xfrm>
+          <a:prstGeom prst="rect">
+            <a:avLst/>
+          </a:prstGeom>
+          <a:solidFill>
+            <a:srgbClr val="FFFFFF"/>
+          </a:solidFill>
+          <a:ln w="25400">
+            <a:solidFill>
+              <a:schemeClr val="accent1"/>
+            </a:solidFill>
+          </a:ln>
+          <a:extLst>
+            <a:ext uri="{C572A759-6A51-4108-AA02-DFA0A04FC94B}">
+              <ma14:wrappingTextBoxFlag xmlns:ma14="http://schemas.microsoft.com/office/mac/drawingml/2011/main" val="1"/>
+            </a:ext>
+          </a:extLst>
+        </p:spPr>
+        <p:txBody>
+          <a:bodyPr wrap="none" lIns="0" tIns="0" rIns="0" bIns="0">
+            <a:spAutoFit/>
+          </a:bodyPr>
+          <a:lstStyle/>
+          <a:p>
+            <a:pPr/>
+            <a:r>
+              <a:rPr b="1"/>
+              <a:t>Optics</a:t>
+            </a:r>
+            <a:r>
+              <a:t>: (TRACE-functions in SHARE + </a:t>
+            </a:r>
+            <a:br/>
+            <a:r>
+              <a:t>declare create for Gauss structures)</a:t>
+            </a:r>
+            <a:br/>
+            <a:br/>
+            <a:r>
+              <a:t>optics/Elliptic_guide_gravity.comp</a:t>
+            </a:r>
+            <a:br/>
+            <a:r>
+              <a:t>optics/FermiChopper.comp</a:t>
+            </a:r>
+            <a:br/>
+            <a:r>
+              <a:t>optics/Guide_gravity.comp</a:t>
+            </a:r>
+            <a:br/>
+            <a:r>
+              <a:t>optics/Monochromator_curved.comp</a:t>
+            </a:r>
+            <a:br/>
+            <a:r>
+              <a:t>optics/Monochromator_flat.comp</a:t>
+            </a:r>
+          </a:p>
+        </p:txBody>
+      </p:sp>
+      <p:sp>
+        <p:nvSpPr>
+          <p:cNvPr id="603" name="Samples: (TRACE-functions in SHARE)…"/>
+          <p:cNvSpPr txBox="1"/>
+          <p:nvPr/>
+        </p:nvSpPr>
+        <p:spPr>
+          <a:xfrm>
+            <a:off x="4678536" y="2662602"/>
+            <a:ext cx="3662958" cy="1802240"/>
+          </a:xfrm>
+          <a:prstGeom prst="rect">
+            <a:avLst/>
+          </a:prstGeom>
+          <a:solidFill>
+            <a:srgbClr val="FFFFFF"/>
+          </a:solidFill>
+          <a:ln w="25400">
+            <a:solidFill>
+              <a:schemeClr val="accent1"/>
+            </a:solidFill>
+          </a:ln>
+          <a:extLst>
+            <a:ext uri="{C572A759-6A51-4108-AA02-DFA0A04FC94B}">
+              <ma14:wrappingTextBoxFlag xmlns:ma14="http://schemas.microsoft.com/office/mac/drawingml/2011/main" val="1"/>
+            </a:ext>
+          </a:extLst>
+        </p:spPr>
+        <p:txBody>
+          <a:bodyPr wrap="none" lIns="0" tIns="0" rIns="0" bIns="0">
+            <a:spAutoFit/>
+          </a:bodyPr>
+          <a:lstStyle/>
+          <a:p>
+            <a:pPr>
+              <a:lnSpc>
+                <a:spcPct val="50000"/>
+              </a:lnSpc>
+            </a:pPr>
+            <a:r>
+              <a:rPr b="1"/>
+              <a:t>Samples</a:t>
+            </a:r>
+            <a:r>
+              <a:t>: (TRACE-functions in SHARE)</a:t>
+            </a:r>
+          </a:p>
+          <a:p>
+            <a:pPr>
+              <a:lnSpc>
+                <a:spcPct val="50000"/>
+              </a:lnSpc>
+            </a:pPr>
+            <a:br/>
+            <a:r>
+              <a:t>samples/Isotropic_Sqw.comp</a:t>
+            </a:r>
+          </a:p>
+          <a:p>
+            <a:pPr>
+              <a:lnSpc>
+                <a:spcPct val="50000"/>
+              </a:lnSpc>
+            </a:pPr>
+            <a:r>
+              <a:t>samples/Magnon_bcc.comp</a:t>
+            </a:r>
+          </a:p>
+          <a:p>
+            <a:pPr>
+              <a:lnSpc>
+                <a:spcPct val="50000"/>
+              </a:lnSpc>
+            </a:pPr>
+            <a:r>
+              <a:t>samples/Phonon_simple.comp</a:t>
+            </a:r>
+          </a:p>
+          <a:p>
+            <a:pPr>
+              <a:lnSpc>
+                <a:spcPct val="50000"/>
+              </a:lnSpc>
+            </a:pPr>
+            <a:r>
+              <a:t>samples/PowderN.comp</a:t>
+            </a:r>
+          </a:p>
+          <a:p>
+            <a:pPr>
+              <a:lnSpc>
+                <a:spcPct val="50000"/>
+              </a:lnSpc>
+            </a:pPr>
+            <a:r>
+              <a:t>samples/SANS_spheres2.comp</a:t>
+            </a:r>
+          </a:p>
+          <a:p>
+            <a:pPr>
+              <a:lnSpc>
+                <a:spcPct val="50000"/>
+              </a:lnSpc>
+            </a:pPr>
+            <a:r>
+              <a:t>samples/Single_crystal.comp</a:t>
+            </a:r>
+          </a:p>
+        </p:txBody>
+      </p:sp>
+      <p:sp>
+        <p:nvSpPr>
+          <p:cNvPr id="604" name="Sources: (TRACE-functions in SHARE)…"/>
+          <p:cNvSpPr txBox="1"/>
+          <p:nvPr/>
+        </p:nvSpPr>
+        <p:spPr>
+          <a:xfrm>
+            <a:off x="4678536" y="1714820"/>
+            <a:ext cx="3629026" cy="826473"/>
+          </a:xfrm>
+          <a:prstGeom prst="rect">
+            <a:avLst/>
+          </a:prstGeom>
+          <a:solidFill>
+            <a:srgbClr val="FFFFFF"/>
+          </a:solidFill>
+          <a:ln w="25400">
+            <a:solidFill>
+              <a:schemeClr val="accent1"/>
+            </a:solidFill>
+          </a:ln>
+          <a:extLst>
+            <a:ext uri="{C572A759-6A51-4108-AA02-DFA0A04FC94B}">
+              <ma14:wrappingTextBoxFlag xmlns:ma14="http://schemas.microsoft.com/office/mac/drawingml/2011/main" val="1"/>
+            </a:ext>
+          </a:extLst>
+        </p:spPr>
+        <p:txBody>
+          <a:bodyPr wrap="none" lIns="0" tIns="0" rIns="0" bIns="0">
+            <a:spAutoFit/>
+          </a:bodyPr>
+          <a:lstStyle/>
+          <a:p>
+            <a:pPr/>
+            <a:r>
+              <a:rPr b="1"/>
+              <a:t>Sources</a:t>
+            </a:r>
+            <a:r>
+              <a:t>: (TRACE-functions in SHARE)</a:t>
+            </a:r>
+          </a:p>
+          <a:p>
+            <a:pPr/>
+            <a:r>
+              <a:t>sources/Source_Maxwell_3.comp</a:t>
+            </a:r>
+            <a:br/>
+            <a:r>
+              <a:t>sources/Source_gen.comp</a:t>
+            </a:r>
+          </a:p>
+        </p:txBody>
+      </p:sp>
+      <p:sp>
+        <p:nvSpPr>
+          <p:cNvPr id="605" name="Examples:  25 Instruments that use various global vars in DECLARE that are neither input parameters or USERVARS"/>
+          <p:cNvSpPr txBox="1"/>
+          <p:nvPr/>
+        </p:nvSpPr>
+        <p:spPr>
+          <a:xfrm>
+            <a:off x="1014182" y="1615176"/>
+            <a:ext cx="3573265" cy="1161753"/>
+          </a:xfrm>
+          <a:prstGeom prst="rect">
+            <a:avLst/>
+          </a:prstGeom>
+          <a:solidFill>
+            <a:srgbClr val="FFFFFF"/>
+          </a:solidFill>
+          <a:ln w="25400">
+            <a:solidFill>
+              <a:schemeClr val="accent1"/>
+            </a:solidFill>
+          </a:ln>
+          <a:extLst>
+            <a:ext uri="{C572A759-6A51-4108-AA02-DFA0A04FC94B}">
+              <ma14:wrappingTextBoxFlag xmlns:ma14="http://schemas.microsoft.com/office/mac/drawingml/2011/main" val="1"/>
+            </a:ext>
+          </a:extLst>
+        </p:spPr>
+        <p:txBody>
+          <a:bodyPr wrap="none" lIns="0" tIns="0" rIns="0" bIns="0">
+            <a:spAutoFit/>
+          </a:bodyPr>
+          <a:lstStyle/>
+          <a:p>
+            <a:pPr/>
+            <a:r>
+              <a:t>Examples:</a:t>
+            </a:r>
+            <a:br/>
+            <a:br/>
+            <a:r>
+              <a:t>25 </a:t>
+            </a:r>
+            <a:r>
+              <a:rPr b="1"/>
+              <a:t>Instruments</a:t>
+            </a:r>
+            <a:r>
+              <a:t> that use various global</a:t>
+            </a:r>
+            <a:br/>
+            <a:r>
+              <a:t>vars in DECLARE that are neither</a:t>
+            </a:r>
+            <a:br/>
+            <a:r>
+              <a:t>input parameters or USERVARS</a:t>
+            </a:r>
+          </a:p>
+        </p:txBody>
+      </p:sp>
+      <p:sp>
+        <p:nvSpPr>
+          <p:cNvPr id="606" name="These share/runtime snippets: (A good mix of everything)  share/adapt_tree-lib.c share/interoff-lib.c share/mccode-r.c share/mccode-r.h share/mccode_main.c share/read_table-lib.c share/r-interoff-lib.c share/ESS_butterfly-geometry.c share/ESS_butterfly-l"/>
+          <p:cNvSpPr txBox="1"/>
+          <p:nvPr/>
+        </p:nvSpPr>
+        <p:spPr>
+          <a:xfrm>
+            <a:off x="1033663" y="2883765"/>
+            <a:ext cx="2872880" cy="3563299"/>
+          </a:xfrm>
+          <a:prstGeom prst="rect">
+            <a:avLst/>
+          </a:prstGeom>
+          <a:solidFill>
+            <a:srgbClr val="FFFFFF"/>
+          </a:solidFill>
+          <a:ln w="25400">
+            <a:solidFill>
+              <a:schemeClr val="accent1"/>
+            </a:solidFill>
+          </a:ln>
+          <a:extLst>
+            <a:ext uri="{C572A759-6A51-4108-AA02-DFA0A04FC94B}">
+              <ma14:wrappingTextBoxFlag xmlns:ma14="http://schemas.microsoft.com/office/mac/drawingml/2011/main" val="1"/>
+            </a:ext>
+          </a:extLst>
+        </p:spPr>
+        <p:txBody>
+          <a:bodyPr wrap="none" lIns="0" tIns="0" rIns="0" bIns="0">
+            <a:spAutoFit/>
+          </a:bodyPr>
+          <a:lstStyle/>
+          <a:p>
+            <a:pPr/>
+            <a:r>
+              <a:t>These </a:t>
+            </a:r>
+            <a:r>
+              <a:rPr b="1"/>
+              <a:t>share/runtime</a:t>
+            </a:r>
+            <a:r>
+              <a:t> snippets:</a:t>
+            </a:r>
+            <a:br/>
+            <a:r>
+              <a:t>(A good mix of everything)</a:t>
+            </a:r>
+            <a:br/>
+            <a:br/>
+            <a:r>
+              <a:rPr sz="1300"/>
+              <a:t>share/adapt_tree-lib.c</a:t>
+            </a:r>
+            <a:br>
+              <a:rPr sz="1300"/>
+            </a:br>
+            <a:r>
+              <a:rPr sz="1300"/>
+              <a:t>share/interoff-lib.c</a:t>
+            </a:r>
+            <a:br>
+              <a:rPr sz="1300"/>
+            </a:br>
+            <a:r>
+              <a:rPr sz="1300"/>
+              <a:t>share/mccode-r.c</a:t>
+            </a:r>
+            <a:br>
+              <a:rPr sz="1300"/>
+            </a:br>
+            <a:r>
+              <a:rPr sz="1300"/>
+              <a:t>share/mccode-r.h</a:t>
+            </a:r>
+            <a:br>
+              <a:rPr sz="1300"/>
+            </a:br>
+            <a:r>
+              <a:rPr sz="1300"/>
+              <a:t>share/mccode_main.c</a:t>
+            </a:r>
+            <a:br>
+              <a:rPr sz="1300"/>
+            </a:br>
+            <a:r>
+              <a:rPr sz="1300"/>
+              <a:t>share/read_table-lib.c</a:t>
+            </a:r>
+            <a:br>
+              <a:rPr sz="1300"/>
+            </a:br>
+            <a:r>
+              <a:rPr sz="1300"/>
+              <a:t>share/r-interoff-lib.c</a:t>
+            </a:r>
+            <a:br>
+              <a:rPr sz="1300"/>
+            </a:br>
+            <a:r>
+              <a:rPr sz="1300"/>
+              <a:t>share/ESS_butterfly-geometry.c</a:t>
+            </a:r>
+            <a:br>
+              <a:rPr sz="1300"/>
+            </a:br>
+            <a:r>
+              <a:rPr sz="1300"/>
+              <a:t>share/ESS_butterfly-lib.c</a:t>
+            </a:r>
+            <a:br>
+              <a:rPr sz="1300"/>
+            </a:br>
+            <a:r>
+              <a:rPr sz="1300"/>
+              <a:t>share/cov-lib.c</a:t>
+            </a:r>
+            <a:br>
+              <a:rPr sz="1300"/>
+            </a:br>
+            <a:r>
+              <a:rPr sz="1300"/>
+              <a:t>share/monitor_nd-lib.c</a:t>
+            </a:r>
+            <a:br>
+              <a:rPr sz="1300"/>
+            </a:br>
+            <a:r>
+              <a:rPr sz="1300"/>
+              <a:t>share/mcstas-r.c</a:t>
+            </a:r>
+            <a:br>
+              <a:rPr sz="1300"/>
+            </a:br>
+            <a:r>
+              <a:rPr sz="1300"/>
+              <a:t>share/mcstas-r.h</a:t>
+            </a:r>
+            <a:br>
+              <a:rPr sz="1300"/>
+            </a:br>
+            <a:r>
+              <a:rPr sz="1300"/>
+              <a:t>share/pol-lib.c</a:t>
+            </a:r>
+            <a:br>
+              <a:rPr sz="1300"/>
+            </a:br>
+            <a:r>
+              <a:rPr sz="1300"/>
+              <a:t>share/ref-lib.c</a:t>
+            </a:r>
+          </a:p>
+        </p:txBody>
+      </p:sp>
+      <p:sp>
+        <p:nvSpPr>
+          <p:cNvPr id="607" name="Obviously the code-generator…  mcstas/src/cogen.c.in"/>
+          <p:cNvSpPr txBox="1"/>
+          <p:nvPr/>
+        </p:nvSpPr>
+        <p:spPr>
+          <a:xfrm>
+            <a:off x="1003016" y="1021076"/>
+            <a:ext cx="3064471" cy="475953"/>
+          </a:xfrm>
+          <a:prstGeom prst="rect">
+            <a:avLst/>
+          </a:prstGeom>
+          <a:solidFill>
+            <a:srgbClr val="FFFFFF"/>
+          </a:solidFill>
+          <a:ln w="25400">
+            <a:solidFill>
+              <a:schemeClr val="accent1"/>
+            </a:solidFill>
+          </a:ln>
+          <a:extLst>
+            <a:ext uri="{C572A759-6A51-4108-AA02-DFA0A04FC94B}">
+              <ma14:wrappingTextBoxFlag xmlns:ma14="http://schemas.microsoft.com/office/mac/drawingml/2011/main" val="1"/>
+            </a:ext>
+          </a:extLst>
+        </p:spPr>
+        <p:txBody>
+          <a:bodyPr wrap="none" lIns="0" tIns="0" rIns="0" bIns="0">
+            <a:spAutoFit/>
+          </a:bodyPr>
+          <a:lstStyle/>
+          <a:p>
+            <a:pPr/>
+            <a:r>
+              <a:t>Obviously the </a:t>
+            </a:r>
+            <a:r>
+              <a:rPr b="1"/>
+              <a:t>code-generator</a:t>
+            </a:r>
+            <a:r>
+              <a:t>… </a:t>
+            </a:r>
+            <a:br/>
+            <a:r>
+              <a:t>mcstas/src/cogen.c.in</a:t>
+            </a:r>
+          </a:p>
+        </p:txBody>
+      </p:sp>
       <p:pic>
         <p:nvPicPr>
-          <p:cNvPr id="599" name="Screenshot 2020-01-17 at 21.55.31.png" descr="Screenshot 2020-01-17 at 21.55.31.png"/>
+          <p:cNvPr id="608" name="Screenshot 2020-08-15 at 12.40.31.png" descr="Screenshot 2020-08-15 at 12.40.31.png"/>
+          <p:cNvPicPr>
+            <a:picLocks noChangeAspect="1"/>
+          </p:cNvPicPr>
+          <p:nvPr/>
+        </p:nvPicPr>
+        <p:blipFill>
+          <a:blip r:embed="rId2">
+            <a:extLst/>
+          </a:blip>
+          <a:srcRect l="0" t="0" r="1010" b="45168"/>
+          <a:stretch>
+            <a:fillRect/>
+          </a:stretch>
+        </p:blipFill>
+        <p:spPr>
+          <a:xfrm>
+            <a:off x="2055842" y="221929"/>
+            <a:ext cx="2189933" cy="528198"/>
+          </a:xfrm>
+          <a:prstGeom prst="rect">
+            <a:avLst/>
+          </a:prstGeom>
+          <a:ln w="12700">
+            <a:miter lim="400000"/>
+          </a:ln>
+        </p:spPr>
+      </p:pic>
+    </p:spTree>
+  </p:cSld>
+  <p:clrMapOvr>
+    <a:masterClrMapping/>
+  </p:clrMapOvr>
+  <p:transition xmlns:p14="http://schemas.microsoft.com/office/powerpoint/2010/main" spd="med" advClick="1"/>
+</p:sld>
+</file>
+
+<file path=ppt/slides/slide5.xml><?xml version="1.0" encoding="utf-8"?>
+<p:sld xmlns:a="http://schemas.openxmlformats.org/drawingml/2006/main" xmlns:r="http://schemas.openxmlformats.org/officeDocument/2006/relationships" xmlns:p="http://schemas.openxmlformats.org/presentationml/2006/main" xmlns:m="http://schemas.openxmlformats.org/officeDocument/2006/math" xmlns:a14="http://schemas.microsoft.com/office/drawing/2010/main" showMasterSp="1" showMasterPhAnim="1">
+  <p:cSld>
+    <p:spTree>
+      <p:nvGrpSpPr>
+        <p:cNvPr id="1" name=""/>
+        <p:cNvGrpSpPr/>
+        <p:nvPr/>
+      </p:nvGrpSpPr>
+      <p:grpSpPr>
+        <a:xfrm>
+          <a:off x="0" y="0"/>
+          <a:ext cx="0" cy="0"/>
+          <a:chOff x="0" y="0"/>
+          <a:chExt cx="0" cy="0"/>
+        </a:xfrm>
+      </p:grpSpPr>
+      <p:sp>
+        <p:nvSpPr>
+          <p:cNvPr id="610" name="“Full” list…"/>
+          <p:cNvSpPr txBox="1"/>
+          <p:nvPr>
+            <p:ph type="title"/>
+          </p:nvPr>
+        </p:nvSpPr>
+        <p:spPr>
+          <a:xfrm>
+            <a:off x="228169" y="1818889"/>
+            <a:ext cx="2044713" cy="1312171"/>
+          </a:xfrm>
+          <a:prstGeom prst="rect">
+            <a:avLst/>
+          </a:prstGeom>
+        </p:spPr>
+        <p:txBody>
+          <a:bodyPr/>
+          <a:lstStyle/>
+          <a:p>
+            <a:pPr defTabSz="649223">
+              <a:defRPr sz="2130"/>
+            </a:pPr>
+            <a:r>
+              <a:t>“Full” list</a:t>
+            </a:r>
+          </a:p>
+          <a:p>
+            <a:pPr defTabSz="649223">
+              <a:defRPr sz="2130"/>
+            </a:pPr>
+            <a:r>
+              <a:t>of pragmas and  accel-code used</a:t>
+            </a:r>
+          </a:p>
+        </p:txBody>
+      </p:sp>
+      <p:sp>
+        <p:nvSpPr>
+          <p:cNvPr id="611" name="Slide Number"/>
+          <p:cNvSpPr txBox="1"/>
+          <p:nvPr>
+            <p:ph type="sldNum" sz="quarter" idx="2"/>
+          </p:nvPr>
+        </p:nvSpPr>
+        <p:spPr>
+          <a:prstGeom prst="rect">
+            <a:avLst/>
+          </a:prstGeom>
+          <a:extLst>
+            <a:ext uri="{C572A759-6A51-4108-AA02-DFA0A04FC94B}">
+              <ma14:wrappingTextBoxFlag xmlns:ma14="http://schemas.microsoft.com/office/mac/drawingml/2011/main" val="1"/>
+            </a:ext>
+          </a:extLst>
+        </p:spPr>
+        <p:txBody>
+          <a:bodyPr/>
+          <a:lstStyle/>
+          <a:p>
+            <a:pPr/>
+            <a:fld id="{86CB4B4D-7CA3-9044-876B-883B54F8677D}" type="slidenum"/>
+          </a:p>
+        </p:txBody>
+      </p:sp>
+      <p:pic>
+        <p:nvPicPr>
+          <p:cNvPr id="612" name="Screenshot 2020-01-18 at 13.41.36.png" descr="Screenshot 2020-01-18 at 13.41.36.png"/>
+          <p:cNvPicPr>
+            <a:picLocks noChangeAspect="1"/>
+          </p:cNvPicPr>
+          <p:nvPr/>
+        </p:nvPicPr>
+        <p:blipFill>
+          <a:blip r:embed="rId2">
+            <a:extLst/>
+          </a:blip>
+          <a:stretch>
+            <a:fillRect/>
+          </a:stretch>
+        </p:blipFill>
+        <p:spPr>
+          <a:xfrm>
+            <a:off x="2381926" y="0"/>
+            <a:ext cx="5807972" cy="6858001"/>
+          </a:xfrm>
+          <a:prstGeom prst="rect">
+            <a:avLst/>
+          </a:prstGeom>
+          <a:ln w="12700">
+            <a:miter lim="400000"/>
+          </a:ln>
+        </p:spPr>
+      </p:pic>
+      <p:sp>
+        <p:nvSpPr>
+          <p:cNvPr id="613" name="“math.h on GPU”"/>
+          <p:cNvSpPr txBox="1"/>
+          <p:nvPr/>
+        </p:nvSpPr>
+        <p:spPr>
+          <a:xfrm>
+            <a:off x="8301786" y="104389"/>
+            <a:ext cx="1164556" cy="172815"/>
+          </a:xfrm>
+          <a:prstGeom prst="rect">
+            <a:avLst/>
+          </a:prstGeom>
+          <a:ln w="12700">
+            <a:miter lim="400000"/>
+          </a:ln>
+          <a:extLst>
+            <a:ext uri="{C572A759-6A51-4108-AA02-DFA0A04FC94B}">
+              <ma14:wrappingTextBoxFlag xmlns:ma14="http://schemas.microsoft.com/office/mac/drawingml/2011/main" val="1"/>
+            </a:ext>
+          </a:extLst>
+        </p:spPr>
+        <p:txBody>
+          <a:bodyPr wrap="none" lIns="0" tIns="0" rIns="0" bIns="0">
+            <a:spAutoFit/>
+          </a:bodyPr>
+          <a:lstStyle>
+            <a:lvl1pPr>
+              <a:defRPr sz="1200"/>
+            </a:lvl1pPr>
+          </a:lstStyle>
+          <a:p>
+            <a:pPr/>
+            <a:r>
+              <a:t>“math.h on GPU”</a:t>
+            </a:r>
+          </a:p>
+        </p:txBody>
+      </p:sp>
+      <p:sp>
+        <p:nvSpPr>
+          <p:cNvPr id="614" name="Line"/>
+          <p:cNvSpPr/>
+          <p:nvPr/>
+        </p:nvSpPr>
+        <p:spPr>
+          <a:xfrm flipH="1" flipV="1">
+            <a:off x="4203580" y="84715"/>
+            <a:ext cx="3975059" cy="100524"/>
+          </a:xfrm>
+          <a:prstGeom prst="line">
+            <a:avLst/>
+          </a:prstGeom>
+          <a:ln w="25400">
+            <a:solidFill>
+              <a:schemeClr val="accent1">
+                <a:alpha val="6802"/>
+              </a:schemeClr>
+            </a:solidFill>
+            <a:tailEnd type="triangle"/>
+          </a:ln>
+          <a:effectLst>
+            <a:outerShdw sx="100000" sy="100000" kx="0" ky="0" algn="b" rotWithShape="0" blurRad="38100" dist="20000" dir="5400000">
+              <a:srgbClr val="000000">
+                <a:alpha val="38000"/>
+              </a:srgbClr>
+            </a:outerShdw>
+          </a:effectLst>
+        </p:spPr>
+        <p:txBody>
+          <a:bodyPr lIns="45719" rIns="45719"/>
+          <a:lstStyle/>
+          <a:p>
+            <a:pPr/>
+          </a:p>
+        </p:txBody>
+      </p:sp>
+      <p:sp>
+        <p:nvSpPr>
+          <p:cNvPr id="615" name="Line"/>
+          <p:cNvSpPr/>
+          <p:nvPr/>
+        </p:nvSpPr>
+        <p:spPr>
+          <a:xfrm flipH="1" flipV="1">
+            <a:off x="6018631" y="661384"/>
+            <a:ext cx="2174111" cy="1"/>
+          </a:xfrm>
+          <a:prstGeom prst="line">
+            <a:avLst/>
+          </a:prstGeom>
+          <a:ln w="25400">
+            <a:solidFill>
+              <a:schemeClr val="accent1">
+                <a:alpha val="6802"/>
+              </a:schemeClr>
+            </a:solidFill>
+            <a:tailEnd type="triangle"/>
+          </a:ln>
+          <a:effectLst>
+            <a:outerShdw sx="100000" sy="100000" kx="0" ky="0" algn="b" rotWithShape="0" blurRad="38100" dist="20000" dir="5400000">
+              <a:srgbClr val="000000">
+                <a:alpha val="38000"/>
+              </a:srgbClr>
+            </a:outerShdw>
+          </a:effectLst>
+        </p:spPr>
+        <p:txBody>
+          <a:bodyPr lIns="45719" rIns="45719"/>
+          <a:lstStyle/>
+          <a:p>
+            <a:pPr/>
+          </a:p>
+        </p:txBody>
+      </p:sp>
+      <p:sp>
+        <p:nvSpPr>
+          <p:cNvPr id="616" name="Needed basic variables / flags"/>
+          <p:cNvSpPr txBox="1"/>
+          <p:nvPr/>
+        </p:nvSpPr>
+        <p:spPr>
+          <a:xfrm>
+            <a:off x="8301786" y="523489"/>
+            <a:ext cx="2045842" cy="172815"/>
+          </a:xfrm>
+          <a:prstGeom prst="rect">
+            <a:avLst/>
+          </a:prstGeom>
+          <a:ln w="12700">
+            <a:miter lim="400000"/>
+          </a:ln>
+          <a:extLst>
+            <a:ext uri="{C572A759-6A51-4108-AA02-DFA0A04FC94B}">
+              <ma14:wrappingTextBoxFlag xmlns:ma14="http://schemas.microsoft.com/office/mac/drawingml/2011/main" val="1"/>
+            </a:ext>
+          </a:extLst>
+        </p:spPr>
+        <p:txBody>
+          <a:bodyPr wrap="none" lIns="0" tIns="0" rIns="0" bIns="0">
+            <a:spAutoFit/>
+          </a:bodyPr>
+          <a:lstStyle>
+            <a:lvl1pPr>
+              <a:defRPr sz="1200"/>
+            </a:lvl1pPr>
+          </a:lstStyle>
+          <a:p>
+            <a:pPr/>
+            <a:r>
+              <a:t>Needed basic variables / flags</a:t>
+            </a:r>
+          </a:p>
+        </p:txBody>
+      </p:sp>
+      <p:sp>
+        <p:nvSpPr>
+          <p:cNvPr id="617" name="Line"/>
+          <p:cNvSpPr/>
+          <p:nvPr/>
+        </p:nvSpPr>
+        <p:spPr>
+          <a:xfrm flipH="1" flipV="1">
+            <a:off x="6018631" y="1296384"/>
+            <a:ext cx="2174111" cy="1"/>
+          </a:xfrm>
+          <a:prstGeom prst="line">
+            <a:avLst/>
+          </a:prstGeom>
+          <a:ln w="25400">
+            <a:solidFill>
+              <a:schemeClr val="accent1">
+                <a:alpha val="6802"/>
+              </a:schemeClr>
+            </a:solidFill>
+            <a:tailEnd type="triangle"/>
+          </a:ln>
+          <a:effectLst>
+            <a:outerShdw sx="100000" sy="100000" kx="0" ky="0" algn="b" rotWithShape="0" blurRad="38100" dist="20000" dir="5400000">
+              <a:srgbClr val="000000">
+                <a:alpha val="38000"/>
+              </a:srgbClr>
+            </a:outerShdw>
+          </a:effectLst>
+        </p:spPr>
+        <p:txBody>
+          <a:bodyPr lIns="45719" rIns="45719"/>
+          <a:lstStyle/>
+          <a:p>
+            <a:pPr/>
+          </a:p>
+        </p:txBody>
+      </p:sp>
+      <p:sp>
+        <p:nvSpPr>
+          <p:cNvPr id="618" name="GPUify all functions to be executed on GPU, i.e. in TRACE"/>
+          <p:cNvSpPr txBox="1"/>
+          <p:nvPr/>
+        </p:nvSpPr>
+        <p:spPr>
+          <a:xfrm>
+            <a:off x="8301786" y="1158489"/>
+            <a:ext cx="2384649" cy="350615"/>
+          </a:xfrm>
+          <a:prstGeom prst="rect">
+            <a:avLst/>
+          </a:prstGeom>
+          <a:ln w="12700">
+            <a:miter lim="400000"/>
+          </a:ln>
+          <a:extLst>
+            <a:ext uri="{C572A759-6A51-4108-AA02-DFA0A04FC94B}">
+              <ma14:wrappingTextBoxFlag xmlns:ma14="http://schemas.microsoft.com/office/mac/drawingml/2011/main" val="1"/>
+            </a:ext>
+          </a:extLst>
+        </p:spPr>
+        <p:txBody>
+          <a:bodyPr wrap="none" lIns="0" tIns="0" rIns="0" bIns="0">
+            <a:spAutoFit/>
+          </a:bodyPr>
+          <a:lstStyle/>
+          <a:p>
+            <a:pPr>
+              <a:defRPr sz="1200"/>
+            </a:pPr>
+            <a:r>
+              <a:t>GPUify all functions to be executed</a:t>
+            </a:r>
+            <a:br/>
+            <a:r>
+              <a:t>on GPU, i.e. in TRACE</a:t>
+            </a:r>
+          </a:p>
+        </p:txBody>
+      </p:sp>
+      <p:sp>
+        <p:nvSpPr>
+          <p:cNvPr id="619" name="Line"/>
+          <p:cNvSpPr/>
+          <p:nvPr/>
+        </p:nvSpPr>
+        <p:spPr>
+          <a:xfrm flipH="1" flipV="1">
+            <a:off x="6018631" y="2058384"/>
+            <a:ext cx="2174111" cy="1"/>
+          </a:xfrm>
+          <a:prstGeom prst="line">
+            <a:avLst/>
+          </a:prstGeom>
+          <a:ln w="25400">
+            <a:solidFill>
+              <a:schemeClr val="accent1">
+                <a:alpha val="6802"/>
+              </a:schemeClr>
+            </a:solidFill>
+            <a:tailEnd type="triangle"/>
+          </a:ln>
+          <a:effectLst>
+            <a:outerShdw sx="100000" sy="100000" kx="0" ky="0" algn="b" rotWithShape="0" blurRad="38100" dist="20000" dir="5400000">
+              <a:srgbClr val="000000">
+                <a:alpha val="38000"/>
+              </a:srgbClr>
+            </a:outerShdw>
+          </a:effectLst>
+        </p:spPr>
+        <p:txBody>
+          <a:bodyPr lIns="45719" rIns="45719"/>
+          <a:lstStyle/>
+          <a:p>
+            <a:pPr/>
+          </a:p>
+        </p:txBody>
+      </p:sp>
+      <p:sp>
+        <p:nvSpPr>
+          <p:cNvPr id="620" name="Global instrument struct and component structs, including members like detector arrays etc."/>
+          <p:cNvSpPr txBox="1"/>
+          <p:nvPr/>
+        </p:nvSpPr>
+        <p:spPr>
+          <a:xfrm>
+            <a:off x="8301786" y="1818889"/>
+            <a:ext cx="2714973" cy="528415"/>
+          </a:xfrm>
+          <a:prstGeom prst="rect">
+            <a:avLst/>
+          </a:prstGeom>
+          <a:ln w="12700">
+            <a:miter lim="400000"/>
+          </a:ln>
+          <a:extLst>
+            <a:ext uri="{C572A759-6A51-4108-AA02-DFA0A04FC94B}">
+              <ma14:wrappingTextBoxFlag xmlns:ma14="http://schemas.microsoft.com/office/mac/drawingml/2011/main" val="1"/>
+            </a:ext>
+          </a:extLst>
+        </p:spPr>
+        <p:txBody>
+          <a:bodyPr wrap="none" lIns="0" tIns="0" rIns="0" bIns="0">
+            <a:spAutoFit/>
+          </a:bodyPr>
+          <a:lstStyle/>
+          <a:p>
+            <a:pPr>
+              <a:defRPr sz="1200"/>
+            </a:pPr>
+            <a:r>
+              <a:t>Global instrument struct and component</a:t>
+            </a:r>
+            <a:br/>
+            <a:r>
+              <a:t>structs, including members like detector</a:t>
+            </a:r>
+            <a:br/>
+            <a:r>
+              <a:t>arrays etc.</a:t>
+            </a:r>
+          </a:p>
+        </p:txBody>
+      </p:sp>
+      <p:sp>
+        <p:nvSpPr>
+          <p:cNvPr id="621" name="Line"/>
+          <p:cNvSpPr/>
+          <p:nvPr/>
+        </p:nvSpPr>
+        <p:spPr>
+          <a:xfrm flipH="1" flipV="1">
+            <a:off x="6018631" y="2718784"/>
+            <a:ext cx="2174111" cy="1"/>
+          </a:xfrm>
+          <a:prstGeom prst="line">
+            <a:avLst/>
+          </a:prstGeom>
+          <a:ln w="25400">
+            <a:solidFill>
+              <a:schemeClr val="accent1">
+                <a:alpha val="6802"/>
+              </a:schemeClr>
+            </a:solidFill>
+            <a:tailEnd type="triangle"/>
+          </a:ln>
+          <a:effectLst>
+            <a:outerShdw sx="100000" sy="100000" kx="0" ky="0" algn="b" rotWithShape="0" blurRad="38100" dist="20000" dir="5400000">
+              <a:srgbClr val="000000">
+                <a:alpha val="38000"/>
+              </a:srgbClr>
+            </a:outerShdw>
+          </a:effectLst>
+        </p:spPr>
+        <p:txBody>
+          <a:bodyPr lIns="45719" rIns="45719"/>
+          <a:lstStyle/>
+          <a:p>
+            <a:pPr/>
+          </a:p>
+        </p:txBody>
+      </p:sp>
+      <p:sp>
+        <p:nvSpPr>
+          <p:cNvPr id="622" name="OpenACC pure c-code, e.g. for the  attaches (pointer-setup)"/>
+          <p:cNvSpPr txBox="1"/>
+          <p:nvPr/>
+        </p:nvSpPr>
+        <p:spPr>
+          <a:xfrm>
+            <a:off x="8301786" y="2606289"/>
+            <a:ext cx="2410024" cy="350615"/>
+          </a:xfrm>
+          <a:prstGeom prst="rect">
+            <a:avLst/>
+          </a:prstGeom>
+          <a:ln w="12700">
+            <a:miter lim="400000"/>
+          </a:ln>
+          <a:extLst>
+            <a:ext uri="{C572A759-6A51-4108-AA02-DFA0A04FC94B}">
+              <ma14:wrappingTextBoxFlag xmlns:ma14="http://schemas.microsoft.com/office/mac/drawingml/2011/main" val="1"/>
+            </a:ext>
+          </a:extLst>
+        </p:spPr>
+        <p:txBody>
+          <a:bodyPr wrap="none" lIns="0" tIns="0" rIns="0" bIns="0">
+            <a:spAutoFit/>
+          </a:bodyPr>
+          <a:lstStyle/>
+          <a:p>
+            <a:pPr>
+              <a:defRPr sz="1200"/>
+            </a:pPr>
+            <a:r>
+              <a:t>OpenACC pure c-code, e.g. for the </a:t>
+            </a:r>
+            <a:br/>
+            <a:r>
+              <a:t>attaches (pointer-setup)</a:t>
+            </a:r>
+          </a:p>
+        </p:txBody>
+      </p:sp>
+      <p:sp>
+        <p:nvSpPr>
+          <p:cNvPr id="623" name="Line"/>
+          <p:cNvSpPr/>
+          <p:nvPr/>
+        </p:nvSpPr>
+        <p:spPr>
+          <a:xfrm flipH="1">
+            <a:off x="6018631" y="3861784"/>
+            <a:ext cx="2174111" cy="1"/>
+          </a:xfrm>
+          <a:prstGeom prst="line">
+            <a:avLst/>
+          </a:prstGeom>
+          <a:ln w="25400">
+            <a:solidFill>
+              <a:schemeClr val="accent1">
+                <a:alpha val="6802"/>
+              </a:schemeClr>
+            </a:solidFill>
+            <a:tailEnd type="triangle"/>
+          </a:ln>
+          <a:effectLst>
+            <a:outerShdw sx="100000" sy="100000" kx="0" ky="0" algn="b" rotWithShape="0" blurRad="38100" dist="20000" dir="5400000">
+              <a:srgbClr val="000000">
+                <a:alpha val="38000"/>
+              </a:srgbClr>
+            </a:outerShdw>
+          </a:effectLst>
+        </p:spPr>
+        <p:txBody>
+          <a:bodyPr lIns="45719" rIns="45719"/>
+          <a:lstStyle/>
+          <a:p>
+            <a:pPr/>
+          </a:p>
+        </p:txBody>
+      </p:sp>
+      <p:sp>
+        <p:nvSpPr>
+          <p:cNvPr id="624" name="Ensure GLOBAL structs updated GPU-side end of INITIALISE"/>
+          <p:cNvSpPr txBox="1"/>
+          <p:nvPr/>
+        </p:nvSpPr>
+        <p:spPr>
+          <a:xfrm>
+            <a:off x="8301786" y="3622288"/>
+            <a:ext cx="2226519" cy="350616"/>
+          </a:xfrm>
+          <a:prstGeom prst="rect">
+            <a:avLst/>
+          </a:prstGeom>
+          <a:ln w="12700">
+            <a:miter lim="400000"/>
+          </a:ln>
+          <a:extLst>
+            <a:ext uri="{C572A759-6A51-4108-AA02-DFA0A04FC94B}">
+              <ma14:wrappingTextBoxFlag xmlns:ma14="http://schemas.microsoft.com/office/mac/drawingml/2011/main" val="1"/>
+            </a:ext>
+          </a:extLst>
+        </p:spPr>
+        <p:txBody>
+          <a:bodyPr wrap="none" lIns="0" tIns="0" rIns="0" bIns="0">
+            <a:spAutoFit/>
+          </a:bodyPr>
+          <a:lstStyle/>
+          <a:p>
+            <a:pPr>
+              <a:defRPr sz="1200"/>
+            </a:pPr>
+            <a:r>
+              <a:t>Ensure GLOBAL structs updated</a:t>
+            </a:r>
+            <a:br/>
+            <a:r>
+              <a:t>GPU-side end of INITIALISE</a:t>
+            </a:r>
+          </a:p>
+        </p:txBody>
+      </p:sp>
+      <p:sp>
+        <p:nvSpPr>
+          <p:cNvPr id="625" name="Line"/>
+          <p:cNvSpPr/>
+          <p:nvPr/>
+        </p:nvSpPr>
+        <p:spPr>
+          <a:xfrm flipH="1">
+            <a:off x="6018631" y="4611084"/>
+            <a:ext cx="2174111" cy="1"/>
+          </a:xfrm>
+          <a:prstGeom prst="line">
+            <a:avLst/>
+          </a:prstGeom>
+          <a:ln w="25400">
+            <a:solidFill>
+              <a:schemeClr val="accent1">
+                <a:alpha val="6802"/>
+              </a:schemeClr>
+            </a:solidFill>
+            <a:tailEnd type="triangle"/>
+          </a:ln>
+          <a:effectLst>
+            <a:outerShdw sx="100000" sy="100000" kx="0" ky="0" algn="b" rotWithShape="0" blurRad="38100" dist="20000" dir="5400000">
+              <a:srgbClr val="000000">
+                <a:alpha val="38000"/>
+              </a:srgbClr>
+            </a:outerShdw>
+          </a:effectLst>
+        </p:spPr>
+        <p:txBody>
+          <a:bodyPr lIns="45719" rIns="45719"/>
+          <a:lstStyle/>
+          <a:p>
+            <a:pPr/>
+          </a:p>
+        </p:txBody>
+      </p:sp>
+      <p:sp>
+        <p:nvSpPr>
+          <p:cNvPr id="626" name="GPUify all functions to be executed on GPU, i.e. in TRACE"/>
+          <p:cNvSpPr txBox="1"/>
+          <p:nvPr/>
+        </p:nvSpPr>
+        <p:spPr>
+          <a:xfrm>
+            <a:off x="8301786" y="4269988"/>
+            <a:ext cx="2384649" cy="350616"/>
+          </a:xfrm>
+          <a:prstGeom prst="rect">
+            <a:avLst/>
+          </a:prstGeom>
+          <a:ln w="12700">
+            <a:miter lim="400000"/>
+          </a:ln>
+          <a:extLst>
+            <a:ext uri="{C572A759-6A51-4108-AA02-DFA0A04FC94B}">
+              <ma14:wrappingTextBoxFlag xmlns:ma14="http://schemas.microsoft.com/office/mac/drawingml/2011/main" val="1"/>
+            </a:ext>
+          </a:extLst>
+        </p:spPr>
+        <p:txBody>
+          <a:bodyPr wrap="none" lIns="0" tIns="0" rIns="0" bIns="0">
+            <a:spAutoFit/>
+          </a:bodyPr>
+          <a:lstStyle/>
+          <a:p>
+            <a:pPr>
+              <a:defRPr sz="1200"/>
+            </a:pPr>
+            <a:r>
+              <a:t>GPUify all functions to be executed</a:t>
+            </a:r>
+            <a:br/>
+            <a:r>
+              <a:t>on GPU, i.e. in TRACE</a:t>
+            </a:r>
+          </a:p>
+        </p:txBody>
+      </p:sp>
+      <p:sp>
+        <p:nvSpPr>
+          <p:cNvPr id="627" name="Line"/>
+          <p:cNvSpPr/>
+          <p:nvPr/>
+        </p:nvSpPr>
+        <p:spPr>
+          <a:xfrm flipH="1">
+            <a:off x="6018631" y="4826984"/>
+            <a:ext cx="2174111" cy="1"/>
+          </a:xfrm>
+          <a:prstGeom prst="line">
+            <a:avLst/>
+          </a:prstGeom>
+          <a:ln w="25400">
+            <a:solidFill>
+              <a:schemeClr val="accent1">
+                <a:alpha val="6802"/>
+              </a:schemeClr>
+            </a:solidFill>
+            <a:tailEnd type="triangle"/>
+          </a:ln>
+          <a:effectLst>
+            <a:outerShdw sx="100000" sy="100000" kx="0" ky="0" algn="b" rotWithShape="0" blurRad="38100" dist="20000" dir="5400000">
+              <a:srgbClr val="000000">
+                <a:alpha val="38000"/>
+              </a:srgbClr>
+            </a:outerShdw>
+          </a:effectLst>
+        </p:spPr>
+        <p:txBody>
+          <a:bodyPr lIns="45719" rIns="45719"/>
+          <a:lstStyle/>
+          <a:p>
+            <a:pPr/>
+          </a:p>
+        </p:txBody>
+      </p:sp>
+      <p:sp>
+        <p:nvSpPr>
+          <p:cNvPr id="628" name="anything written to by multiple threads  (detectors) should be “atomic”"/>
+          <p:cNvSpPr txBox="1"/>
+          <p:nvPr/>
+        </p:nvSpPr>
+        <p:spPr>
+          <a:xfrm>
+            <a:off x="8289111" y="4638977"/>
+            <a:ext cx="2613323" cy="350615"/>
+          </a:xfrm>
+          <a:prstGeom prst="rect">
+            <a:avLst/>
+          </a:prstGeom>
+          <a:ln w="12700">
+            <a:miter lim="400000"/>
+          </a:ln>
+          <a:extLst>
+            <a:ext uri="{C572A759-6A51-4108-AA02-DFA0A04FC94B}">
+              <ma14:wrappingTextBoxFlag xmlns:ma14="http://schemas.microsoft.com/office/mac/drawingml/2011/main" val="1"/>
+            </a:ext>
+          </a:extLst>
+        </p:spPr>
+        <p:txBody>
+          <a:bodyPr wrap="none" lIns="0" tIns="0" rIns="0" bIns="0">
+            <a:spAutoFit/>
+          </a:bodyPr>
+          <a:lstStyle/>
+          <a:p>
+            <a:pPr>
+              <a:defRPr sz="1200"/>
+            </a:pPr>
+            <a:r>
+              <a:t>anything written to by multiple threads </a:t>
+            </a:r>
+            <a:br/>
+            <a:r>
+              <a:t>(detectors) should be “atomic” </a:t>
+            </a:r>
+          </a:p>
+        </p:txBody>
+      </p:sp>
+      <p:sp>
+        <p:nvSpPr>
+          <p:cNvPr id="629" name="Line"/>
+          <p:cNvSpPr/>
+          <p:nvPr/>
+        </p:nvSpPr>
+        <p:spPr>
+          <a:xfrm flipH="1" flipV="1">
+            <a:off x="4420022" y="4992084"/>
+            <a:ext cx="7025809" cy="1"/>
+          </a:xfrm>
+          <a:prstGeom prst="line">
+            <a:avLst/>
+          </a:prstGeom>
+          <a:ln w="25400">
+            <a:solidFill>
+              <a:schemeClr val="accent1">
+                <a:alpha val="6802"/>
+              </a:schemeClr>
+            </a:solidFill>
+            <a:tailEnd type="triangle"/>
+          </a:ln>
+          <a:effectLst>
+            <a:outerShdw sx="100000" sy="100000" kx="0" ky="0" algn="b" rotWithShape="0" blurRad="38100" dist="20000" dir="5400000">
+              <a:srgbClr val="000000">
+                <a:alpha val="38000"/>
+              </a:srgbClr>
+            </a:outerShdw>
+          </a:effectLst>
+        </p:spPr>
+        <p:txBody>
+          <a:bodyPr lIns="45719" rIns="45719"/>
+          <a:lstStyle/>
+          <a:p>
+            <a:pPr/>
+          </a:p>
+        </p:txBody>
+      </p:sp>
+      <p:sp>
+        <p:nvSpPr>
+          <p:cNvPr id="630" name="Loop V1"/>
+          <p:cNvSpPr txBox="1"/>
+          <p:nvPr/>
+        </p:nvSpPr>
+        <p:spPr>
+          <a:xfrm>
+            <a:off x="11473936" y="4905677"/>
+            <a:ext cx="580480" cy="172815"/>
+          </a:xfrm>
+          <a:prstGeom prst="rect">
+            <a:avLst/>
+          </a:prstGeom>
+          <a:ln w="12700">
+            <a:miter lim="400000"/>
+          </a:ln>
+          <a:extLst>
+            <a:ext uri="{C572A759-6A51-4108-AA02-DFA0A04FC94B}">
+              <ma14:wrappingTextBoxFlag xmlns:ma14="http://schemas.microsoft.com/office/mac/drawingml/2011/main" val="1"/>
+            </a:ext>
+          </a:extLst>
+        </p:spPr>
+        <p:txBody>
+          <a:bodyPr wrap="none" lIns="0" tIns="0" rIns="0" bIns="0">
+            <a:spAutoFit/>
+          </a:bodyPr>
+          <a:lstStyle>
+            <a:lvl1pPr>
+              <a:defRPr sz="1200"/>
+            </a:lvl1pPr>
+          </a:lstStyle>
+          <a:p>
+            <a:pPr/>
+            <a:r>
+              <a:t>Loop V1</a:t>
+            </a:r>
+          </a:p>
+        </p:txBody>
+      </p:sp>
+      <p:sp>
+        <p:nvSpPr>
+          <p:cNvPr id="631" name="Line"/>
+          <p:cNvSpPr/>
+          <p:nvPr/>
+        </p:nvSpPr>
+        <p:spPr>
+          <a:xfrm flipV="1">
+            <a:off x="8359903" y="5096224"/>
+            <a:ext cx="1" cy="774997"/>
+          </a:xfrm>
+          <a:prstGeom prst="line">
+            <a:avLst/>
+          </a:prstGeom>
+          <a:ln w="25400">
+            <a:solidFill>
+              <a:schemeClr val="accent1">
+                <a:alpha val="6802"/>
+              </a:schemeClr>
+            </a:solidFill>
+            <a:headEnd type="triangle"/>
+            <a:tailEnd type="triangle"/>
+          </a:ln>
+          <a:effectLst>
+            <a:outerShdw sx="100000" sy="100000" kx="0" ky="0" algn="b" rotWithShape="0" blurRad="38100" dist="20000" dir="5400000">
+              <a:srgbClr val="000000">
+                <a:alpha val="38000"/>
+              </a:srgbClr>
+            </a:outerShdw>
+          </a:effectLst>
+        </p:spPr>
+        <p:txBody>
+          <a:bodyPr lIns="45719" rIns="45719"/>
+          <a:lstStyle/>
+          <a:p>
+            <a:pPr/>
+          </a:p>
+        </p:txBody>
+      </p:sp>
+      <p:sp>
+        <p:nvSpPr>
+          <p:cNvPr id="632" name="Loop V2"/>
+          <p:cNvSpPr txBox="1"/>
+          <p:nvPr/>
+        </p:nvSpPr>
+        <p:spPr>
+          <a:xfrm>
+            <a:off x="8529908" y="5363565"/>
+            <a:ext cx="580480" cy="172815"/>
+          </a:xfrm>
+          <a:prstGeom prst="rect">
+            <a:avLst/>
+          </a:prstGeom>
+          <a:ln w="12700">
+            <a:miter lim="400000"/>
+          </a:ln>
+          <a:extLst>
+            <a:ext uri="{C572A759-6A51-4108-AA02-DFA0A04FC94B}">
+              <ma14:wrappingTextBoxFlag xmlns:ma14="http://schemas.microsoft.com/office/mac/drawingml/2011/main" val="1"/>
+            </a:ext>
+          </a:extLst>
+        </p:spPr>
+        <p:txBody>
+          <a:bodyPr wrap="none" lIns="0" tIns="0" rIns="0" bIns="0">
+            <a:spAutoFit/>
+          </a:bodyPr>
+          <a:lstStyle>
+            <a:lvl1pPr>
+              <a:defRPr sz="1200"/>
+            </a:lvl1pPr>
+          </a:lstStyle>
+          <a:p>
+            <a:pPr/>
+            <a:r>
+              <a:t>Loop V2</a:t>
+            </a:r>
+          </a:p>
+        </p:txBody>
+      </p:sp>
+      <p:sp>
+        <p:nvSpPr>
+          <p:cNvPr id="633" name="Line"/>
+          <p:cNvSpPr/>
+          <p:nvPr/>
+        </p:nvSpPr>
+        <p:spPr>
+          <a:xfrm flipH="1">
+            <a:off x="6018631" y="6289596"/>
+            <a:ext cx="2174111" cy="1"/>
+          </a:xfrm>
+          <a:prstGeom prst="line">
+            <a:avLst/>
+          </a:prstGeom>
+          <a:ln w="25400">
+            <a:solidFill>
+              <a:schemeClr val="accent1">
+                <a:alpha val="6802"/>
+              </a:schemeClr>
+            </a:solidFill>
+            <a:tailEnd type="triangle"/>
+          </a:ln>
+          <a:effectLst>
+            <a:outerShdw sx="100000" sy="100000" kx="0" ky="0" algn="b" rotWithShape="0" blurRad="38100" dist="20000" dir="5400000">
+              <a:srgbClr val="000000">
+                <a:alpha val="38000"/>
+              </a:srgbClr>
+            </a:outerShdw>
+          </a:effectLst>
+        </p:spPr>
+        <p:txBody>
+          <a:bodyPr lIns="45719" rIns="45719"/>
+          <a:lstStyle/>
+          <a:p>
+            <a:pPr/>
+          </a:p>
+        </p:txBody>
+      </p:sp>
+      <p:sp>
+        <p:nvSpPr>
+          <p:cNvPr id="634" name="Ensure GLOBAL structs updated host-side start of FINALLY"/>
+          <p:cNvSpPr txBox="1"/>
+          <p:nvPr/>
+        </p:nvSpPr>
+        <p:spPr>
+          <a:xfrm>
+            <a:off x="8211447" y="6114289"/>
+            <a:ext cx="2226519" cy="350615"/>
+          </a:xfrm>
+          <a:prstGeom prst="rect">
+            <a:avLst/>
+          </a:prstGeom>
+          <a:ln w="12700">
+            <a:miter lim="400000"/>
+          </a:ln>
+          <a:extLst>
+            <a:ext uri="{C572A759-6A51-4108-AA02-DFA0A04FC94B}">
+              <ma14:wrappingTextBoxFlag xmlns:ma14="http://schemas.microsoft.com/office/mac/drawingml/2011/main" val="1"/>
+            </a:ext>
+          </a:extLst>
+        </p:spPr>
+        <p:txBody>
+          <a:bodyPr wrap="none" lIns="0" tIns="0" rIns="0" bIns="0">
+            <a:spAutoFit/>
+          </a:bodyPr>
+          <a:lstStyle/>
+          <a:p>
+            <a:pPr>
+              <a:defRPr sz="1200"/>
+            </a:pPr>
+            <a:r>
+              <a:t>Ensure GLOBAL structs updated</a:t>
+            </a:r>
+            <a:br/>
+            <a:r>
+              <a:t>host-side start of FINALLY</a:t>
+            </a:r>
+          </a:p>
+        </p:txBody>
+      </p:sp>
+    </p:spTree>
+  </p:cSld>
+  <p:clrMapOvr>
+    <a:masterClrMapping/>
+  </p:clrMapOvr>
+  <p:transition xmlns:p14="http://schemas.microsoft.com/office/powerpoint/2010/main" spd="med" advClick="1"/>
+</p:sld>
+</file>
+
+<file path=ppt/slides/slide6.xml><?xml version="1.0" encoding="utf-8"?>
+<p:sld xmlns:a="http://schemas.openxmlformats.org/drawingml/2006/main" xmlns:r="http://schemas.openxmlformats.org/officeDocument/2006/relationships" xmlns:p="http://schemas.openxmlformats.org/presentationml/2006/main" xmlns:m="http://schemas.openxmlformats.org/officeDocument/2006/math" xmlns:a14="http://schemas.microsoft.com/office/drawing/2010/main" showMasterSp="1" showMasterPhAnim="1">
+  <p:cSld>
+    <p:spTree>
+      <p:nvGrpSpPr>
+        <p:cNvPr id="1" name=""/>
+        <p:cNvGrpSpPr/>
+        <p:nvPr/>
+      </p:nvGrpSpPr>
+      <p:grpSpPr>
+        <a:xfrm>
+          <a:off x="0" y="0"/>
+          <a:ext cx="0" cy="0"/>
+          <a:chOff x="0" y="0"/>
+          <a:chExt cx="0" cy="0"/>
+        </a:xfrm>
+      </p:grpSpPr>
+      <p:sp>
+        <p:nvSpPr>
+          <p:cNvPr id="636" name="New RNG ‘KISS’"/>
+          <p:cNvSpPr txBox="1"/>
+          <p:nvPr>
+            <p:ph type="title"/>
+          </p:nvPr>
+        </p:nvSpPr>
+        <p:spPr>
+          <a:prstGeom prst="rect">
+            <a:avLst/>
+          </a:prstGeom>
+        </p:spPr>
+        <p:txBody>
+          <a:bodyPr/>
+          <a:lstStyle/>
+          <a:p>
+            <a:pPr/>
+            <a:r>
+              <a:t>New RNG ‘KISS’</a:t>
+            </a:r>
+          </a:p>
+        </p:txBody>
+      </p:sp>
+      <p:sp>
+        <p:nvSpPr>
+          <p:cNvPr id="637" name="We couldn’t easily port Mersenne Twister…"/>
+          <p:cNvSpPr txBox="1"/>
+          <p:nvPr>
+            <p:ph type="body" idx="1"/>
+          </p:nvPr>
+        </p:nvSpPr>
+        <p:spPr>
+          <a:prstGeom prst="rect">
+            <a:avLst/>
+          </a:prstGeom>
+        </p:spPr>
+        <p:txBody>
+          <a:bodyPr/>
+          <a:lstStyle/>
+          <a:p>
+            <a:pPr/>
+            <a:r>
+              <a:t>We couldn’t easily port Mersenne Twister</a:t>
+            </a:r>
+          </a:p>
+          <a:p>
+            <a:pPr/>
+          </a:p>
+          <a:p>
+            <a:pPr/>
+            <a:r>
+              <a:t>Experimenting with curand showed huge overhead for our relative small number of random numbers</a:t>
+            </a:r>
+          </a:p>
+          <a:p>
+            <a:pPr/>
+          </a:p>
+          <a:p>
+            <a:pPr/>
+            <a:r>
+              <a:t>An RNG ‘state’ carried with each particle - bonus: same seed gives same numbers even when comparing between CPU and GPU</a:t>
+            </a:r>
+          </a:p>
+          <a:p>
+            <a:pPr/>
+          </a:p>
+          <a:p>
+            <a:pPr/>
+            <a:r>
+              <a:t>Required patching prototype of ALL functions making use of e.g. rand01()</a:t>
+            </a:r>
+            <a:br/>
+            <a:br/>
+          </a:p>
+          <a:p>
+            <a:pPr/>
+            <a:r>
+              <a:t>New RNG is simple, fast and “good enough”: Reproduces results of 2.7 over all of the example suite, see </a:t>
+            </a:r>
+            <a:r>
+              <a:rPr u="sng">
+                <a:solidFill>
+                  <a:schemeClr val="accent2"/>
+                </a:solidFill>
+                <a:uFill>
+                  <a:solidFill>
+                    <a:schemeClr val="accent2"/>
+                  </a:solidFill>
+                </a:uFill>
+                <a:hlinkClick r:id="rId2" invalidUrl="" action="" tgtFrame="" tooltip="" history="1" highlightClick="0" endSnd="0"/>
+              </a:rPr>
+              <a:t>http://new-nightly.mcstas.org</a:t>
+            </a:r>
+          </a:p>
+        </p:txBody>
+      </p:sp>
+      <p:sp>
+        <p:nvSpPr>
+          <p:cNvPr id="638" name="Slide Number"/>
+          <p:cNvSpPr txBox="1"/>
+          <p:nvPr>
+            <p:ph type="sldNum" sz="quarter" idx="2"/>
+          </p:nvPr>
+        </p:nvSpPr>
+        <p:spPr>
+          <a:prstGeom prst="rect">
+            <a:avLst/>
+          </a:prstGeom>
+          <a:extLst>
+            <a:ext uri="{C572A759-6A51-4108-AA02-DFA0A04FC94B}">
+              <ma14:wrappingTextBoxFlag xmlns:ma14="http://schemas.microsoft.com/office/mac/drawingml/2011/main" val="1"/>
+            </a:ext>
+          </a:extLst>
+        </p:spPr>
+        <p:txBody>
+          <a:bodyPr/>
+          <a:lstStyle/>
+          <a:p>
+            <a:pPr/>
+            <a:fld id="{86CB4B4D-7CA3-9044-876B-883B54F8677D}" type="slidenum"/>
+          </a:p>
+        </p:txBody>
+      </p:sp>
+    </p:spTree>
+  </p:cSld>
+  <p:clrMapOvr>
+    <a:masterClrMapping/>
+  </p:clrMapOvr>
+  <p:transition xmlns:p14="http://schemas.microsoft.com/office/powerpoint/2010/main" spd="med" advClick="1"/>
+</p:sld>
+</file>
+
+<file path=ppt/slides/slide7.xml><?xml version="1.0" encoding="utf-8"?>
+<p:sld xmlns:a="http://schemas.openxmlformats.org/drawingml/2006/main" xmlns:r="http://schemas.openxmlformats.org/officeDocument/2006/relationships" xmlns:p="http://schemas.openxmlformats.org/presentationml/2006/main" xmlns:m="http://schemas.openxmlformats.org/officeDocument/2006/math" xmlns:a14="http://schemas.microsoft.com/office/drawing/2010/main" showMasterSp="1" showMasterPhAnim="1">
+  <p:cSld>
+    <p:spTree>
+      <p:nvGrpSpPr>
+        <p:cNvPr id="1" name=""/>
+        <p:cNvGrpSpPr/>
+        <p:nvPr/>
+      </p:nvGrpSpPr>
+      <p:grpSpPr>
+        <a:xfrm>
+          <a:off x="0" y="0"/>
+          <a:ext cx="0" cy="0"/>
+          <a:chOff x="0" y="0"/>
+          <a:chExt cx="0" cy="0"/>
+        </a:xfrm>
+      </p:grpSpPr>
+      <p:sp>
+        <p:nvSpPr>
+          <p:cNvPr id="640" name="The neutron and USERVARS in the instrument"/>
+          <p:cNvSpPr txBox="1"/>
+          <p:nvPr>
+            <p:ph type="title"/>
+          </p:nvPr>
+        </p:nvSpPr>
+        <p:spPr>
+          <a:prstGeom prst="rect">
+            <a:avLst/>
+          </a:prstGeom>
+        </p:spPr>
+        <p:txBody>
+          <a:bodyPr/>
+          <a:lstStyle/>
+          <a:p>
+            <a:pPr/>
+            <a:r>
+              <a:t>The neutron and USERVARS in the instrument </a:t>
+            </a:r>
+          </a:p>
+        </p:txBody>
+      </p:sp>
+      <p:sp>
+        <p:nvSpPr>
+          <p:cNvPr id="641" name="Slide Number"/>
+          <p:cNvSpPr txBox="1"/>
+          <p:nvPr>
+            <p:ph type="sldNum" sz="quarter" idx="2"/>
+          </p:nvPr>
+        </p:nvSpPr>
+        <p:spPr>
+          <a:prstGeom prst="rect">
+            <a:avLst/>
+          </a:prstGeom>
+          <a:extLst>
+            <a:ext uri="{C572A759-6A51-4108-AA02-DFA0A04FC94B}">
+              <ma14:wrappingTextBoxFlag xmlns:ma14="http://schemas.microsoft.com/office/mac/drawingml/2011/main" val="1"/>
+            </a:ext>
+          </a:extLst>
+        </p:spPr>
+        <p:txBody>
+          <a:bodyPr/>
+          <a:lstStyle/>
+          <a:p>
+            <a:pPr/>
+            <a:fld id="{86CB4B4D-7CA3-9044-876B-883B54F8677D}" type="slidenum"/>
+          </a:p>
+        </p:txBody>
+      </p:sp>
+      <p:pic>
+        <p:nvPicPr>
+          <p:cNvPr id="642" name="Screenshot 2020-01-17 at 21.55.31.png" descr="Screenshot 2020-01-17 at 21.55.31.png"/>
           <p:cNvPicPr>
             <a:picLocks noChangeAspect="1"/>
           </p:cNvPicPr>
@@ -40759,7 +41319,7 @@
       </p:pic>
       <p:pic>
         <p:nvPicPr>
-          <p:cNvPr id="600" name="Screenshot 2020-01-17 at 22.01.09.png" descr="Screenshot 2020-01-17 at 22.01.09.png"/>
+          <p:cNvPr id="643" name="Screenshot 2020-01-17 at 22.01.09.png" descr="Screenshot 2020-01-17 at 22.01.09.png"/>
           <p:cNvPicPr>
             <a:picLocks noChangeAspect="1"/>
           </p:cNvPicPr>
@@ -40788,7 +41348,7 @@
       </p:pic>
       <p:grpSp>
         <p:nvGrpSpPr>
-          <p:cNvPr id="604" name="Group"/>
+          <p:cNvPr id="647" name="Group"/>
           <p:cNvGrpSpPr/>
           <p:nvPr/>
         </p:nvGrpSpPr>
@@ -40802,7 +41362,7 @@
         </p:grpSpPr>
         <p:pic>
           <p:nvPicPr>
-            <p:cNvPr id="601" name="Screenshot 2020-01-17 at 21.58.15.png" descr="Screenshot 2020-01-17 at 21.58.15.png"/>
+            <p:cNvPr id="644" name="Screenshot 2020-01-17 at 21.58.15.png" descr="Screenshot 2020-01-17 at 21.58.15.png"/>
             <p:cNvPicPr>
               <a:picLocks noChangeAspect="1"/>
             </p:cNvPicPr>
@@ -40833,7 +41393,7 @@
         </p:pic>
         <p:pic>
           <p:nvPicPr>
-            <p:cNvPr id="602" name="Screenshot 2020-01-17 at 22.01.09.png" descr="Screenshot 2020-01-17 at 22.01.09.png"/>
+            <p:cNvPr id="645" name="Screenshot 2020-01-17 at 22.01.09.png" descr="Screenshot 2020-01-17 at 22.01.09.png"/>
             <p:cNvPicPr>
               <a:picLocks noChangeAspect="1"/>
             </p:cNvPicPr>
@@ -40865,7 +41425,7 @@
         </p:pic>
         <p:pic>
           <p:nvPicPr>
-            <p:cNvPr id="603" name="Screenshot 2020-01-17 at 22.01.09.png" descr="Screenshot 2020-01-17 at 22.01.09.png"/>
+            <p:cNvPr id="646" name="Screenshot 2020-01-17 at 22.01.09.png" descr="Screenshot 2020-01-17 at 22.01.09.png"/>
             <p:cNvPicPr>
               <a:picLocks noChangeAspect="1"/>
             </p:cNvPicPr>
@@ -40898,7 +41458,7 @@
       </p:grpSp>
       <p:sp>
         <p:nvSpPr>
-          <p:cNvPr id="605" name="v2.5: Global variables"/>
+          <p:cNvPr id="648" name="v2.5: Global variables"/>
           <p:cNvSpPr txBox="1"/>
           <p:nvPr/>
         </p:nvSpPr>
@@ -40934,7 +41494,7 @@
       </p:sp>
       <p:sp>
         <p:nvSpPr>
-          <p:cNvPr id="606" name="v3.0: particle struct, including any USERVARS like flag."/>
+          <p:cNvPr id="649" name="v3.0: particle struct, including any USERVARS like flag."/>
           <p:cNvSpPr txBox="1"/>
           <p:nvPr/>
         </p:nvSpPr>
@@ -40970,7 +41530,7 @@
       </p:sp>
       <p:sp>
         <p:nvSpPr>
-          <p:cNvPr id="607" name="Line"/>
+          <p:cNvPr id="650" name="Line"/>
           <p:cNvSpPr/>
           <p:nvPr/>
         </p:nvSpPr>
@@ -41006,7 +41566,7 @@
       </p:sp>
       <p:sp>
         <p:nvSpPr>
-          <p:cNvPr id="608" name="Can be probed using e.g. Monitor_nD with user1=“flag” which uses the function…"/>
+          <p:cNvPr id="651" name="Can be probed using e.g. Monitor_nD with user1=“flag” which uses the function…"/>
           <p:cNvSpPr/>
           <p:nvPr/>
         </p:nvSpPr>
@@ -41057,7 +41617,7 @@
       </p:sp>
       <p:sp>
         <p:nvSpPr>
-          <p:cNvPr id="609" name="double particle_getvar(_class_particle *p, char *name, int *suc)"/>
+          <p:cNvPr id="652" name="double particle_getvar(_class_particle *p, char *name, int *suc)"/>
           <p:cNvSpPr txBox="1"/>
           <p:nvPr/>
         </p:nvSpPr>
@@ -41164,7 +41724,7 @@
 </p:sld>
 </file>
 
-<file path=ppt/slides/slide5.xml><?xml version="1.0" encoding="utf-8"?>
+<file path=ppt/slides/slide8.xml><?xml version="1.0" encoding="utf-8"?>
 <p:sld xmlns:a="http://schemas.openxmlformats.org/drawingml/2006/main" xmlns:r="http://schemas.openxmlformats.org/officeDocument/2006/relationships" xmlns:p="http://schemas.openxmlformats.org/presentationml/2006/main" xmlns:m="http://schemas.openxmlformats.org/officeDocument/2006/math" xmlns:a14="http://schemas.microsoft.com/office/drawing/2010/main" showMasterSp="1" showMasterPhAnim="1">
   <p:cSld>
     <p:spTree>
@@ -41183,7 +41743,7 @@
       </p:grpSpPr>
       <p:sp>
         <p:nvSpPr>
-          <p:cNvPr id="611" name="The neutron and USERVARS in the instrument"/>
+          <p:cNvPr id="654" name="The neutron and USERVARS in the instrument"/>
           <p:cNvSpPr txBox="1"/>
           <p:nvPr>
             <p:ph type="title"/>
@@ -41207,7 +41767,7 @@
       </p:sp>
       <p:sp>
         <p:nvSpPr>
-          <p:cNvPr id="612" name="Slide Number"/>
+          <p:cNvPr id="655" name="Slide Number"/>
           <p:cNvSpPr txBox="1"/>
           <p:nvPr>
             <p:ph type="sldNum" sz="quarter" idx="2"/>
@@ -41234,7 +41794,7 @@
       </p:sp>
       <p:pic>
         <p:nvPicPr>
-          <p:cNvPr id="613" name="Screenshot 2020-01-17 at 21.55.31.png" descr="Screenshot 2020-01-17 at 21.55.31.png"/>
+          <p:cNvPr id="656" name="Screenshot 2020-01-17 at 21.55.31.png" descr="Screenshot 2020-01-17 at 21.55.31.png"/>
           <p:cNvPicPr>
             <a:picLocks noChangeAspect="1"/>
           </p:cNvPicPr>
@@ -41263,7 +41823,7 @@
       </p:pic>
       <p:pic>
         <p:nvPicPr>
-          <p:cNvPr id="614" name="Screenshot 2020-01-17 at 22.01.09.png" descr="Screenshot 2020-01-17 at 22.01.09.png"/>
+          <p:cNvPr id="657" name="Screenshot 2020-01-17 at 22.01.09.png" descr="Screenshot 2020-01-17 at 22.01.09.png"/>
           <p:cNvPicPr>
             <a:picLocks noChangeAspect="1"/>
           </p:cNvPicPr>
@@ -41292,7 +41852,7 @@
       </p:pic>
       <p:grpSp>
         <p:nvGrpSpPr>
-          <p:cNvPr id="618" name="Group"/>
+          <p:cNvPr id="661" name="Group"/>
           <p:cNvGrpSpPr/>
           <p:nvPr/>
         </p:nvGrpSpPr>
@@ -41306,7 +41866,7 @@
         </p:grpSpPr>
         <p:pic>
           <p:nvPicPr>
-            <p:cNvPr id="615" name="Screenshot 2020-01-17 at 21.58.15.png" descr="Screenshot 2020-01-17 at 21.58.15.png"/>
+            <p:cNvPr id="658" name="Screenshot 2020-01-17 at 21.58.15.png" descr="Screenshot 2020-01-17 at 21.58.15.png"/>
             <p:cNvPicPr>
               <a:picLocks noChangeAspect="1"/>
             </p:cNvPicPr>
@@ -41337,7 +41897,7 @@
         </p:pic>
         <p:pic>
           <p:nvPicPr>
-            <p:cNvPr id="616" name="Screenshot 2020-01-17 at 22.01.09.png" descr="Screenshot 2020-01-17 at 22.01.09.png"/>
+            <p:cNvPr id="659" name="Screenshot 2020-01-17 at 22.01.09.png" descr="Screenshot 2020-01-17 at 22.01.09.png"/>
             <p:cNvPicPr>
               <a:picLocks noChangeAspect="1"/>
             </p:cNvPicPr>
@@ -41369,7 +41929,7 @@
         </p:pic>
         <p:pic>
           <p:nvPicPr>
-            <p:cNvPr id="617" name="Screenshot 2020-01-17 at 22.01.09.png" descr="Screenshot 2020-01-17 at 22.01.09.png"/>
+            <p:cNvPr id="660" name="Screenshot 2020-01-17 at 22.01.09.png" descr="Screenshot 2020-01-17 at 22.01.09.png"/>
             <p:cNvPicPr>
               <a:picLocks noChangeAspect="1"/>
             </p:cNvPicPr>
@@ -41402,7 +41962,7 @@
       </p:grpSp>
       <p:sp>
         <p:nvSpPr>
-          <p:cNvPr id="619" name="v2.5: Global variables"/>
+          <p:cNvPr id="662" name="v2.5: Global variables"/>
           <p:cNvSpPr txBox="1"/>
           <p:nvPr/>
         </p:nvSpPr>
@@ -41438,7 +41998,7 @@
       </p:sp>
       <p:sp>
         <p:nvSpPr>
-          <p:cNvPr id="620" name="v3.0: particle struct, including any USERVARS like flag."/>
+          <p:cNvPr id="663" name="v3.0: particle struct, including any USERVARS like flag."/>
           <p:cNvSpPr txBox="1"/>
           <p:nvPr/>
         </p:nvSpPr>
@@ -41474,7 +42034,7 @@
       </p:sp>
       <p:sp>
         <p:nvSpPr>
-          <p:cNvPr id="621" name="Line"/>
+          <p:cNvPr id="664" name="Line"/>
           <p:cNvSpPr/>
           <p:nvPr/>
         </p:nvSpPr>
@@ -41510,7 +42070,7 @@
       </p:sp>
       <p:sp>
         <p:nvSpPr>
-          <p:cNvPr id="622" name="RNG state is a thread-variable contained on the _particle struct. Was earlier a global state in CPU settings"/>
+          <p:cNvPr id="665" name="RNG state is a thread-variable contained on the _particle struct. Was earlier a global state in CPU settings"/>
           <p:cNvSpPr/>
           <p:nvPr/>
         </p:nvSpPr>
@@ -41549,7 +42109,7 @@
       </p:sp>
       <p:sp>
         <p:nvSpPr>
-          <p:cNvPr id="623" name="Line"/>
+          <p:cNvPr id="666" name="Line"/>
           <p:cNvSpPr/>
           <p:nvPr/>
         </p:nvSpPr>
@@ -41585,7 +42145,7 @@
       </p:sp>
       <p:sp>
         <p:nvSpPr>
-          <p:cNvPr id="624" name="Side-effect:  Every function in TRACE that uses random numbers must have _particle in the footprint"/>
+          <p:cNvPr id="667" name="Side-effect:  Every function in TRACE that uses random numbers must have _particle in the footprint"/>
           <p:cNvSpPr/>
           <p:nvPr/>
         </p:nvSpPr>
@@ -41628,7 +42188,7 @@
       </p:sp>
       <p:sp>
         <p:nvSpPr>
-          <p:cNvPr id="625" name="Particle state data are not global: Don’t use RESTORE_NEUTRON in TRACE to do a local restore, the macro only raises a flag"/>
+          <p:cNvPr id="668" name="Particle state data are not global: Don’t use RESTORE_NEUTRON in TRACE to do a local restore, the macro only raises a flag"/>
           <p:cNvSpPr/>
           <p:nvPr/>
         </p:nvSpPr>
@@ -41682,7 +42242,7 @@
       </p:sp>
       <p:sp>
         <p:nvSpPr>
-          <p:cNvPr id="626" name="Line"/>
+          <p:cNvPr id="669" name="Line"/>
           <p:cNvSpPr/>
           <p:nvPr/>
         </p:nvSpPr>
@@ -41725,7 +42285,7 @@
 </p:sld>
 </file>
 
-<file path=ppt/slides/slide6.xml><?xml version="1.0" encoding="utf-8"?>
+<file path=ppt/slides/slide9.xml><?xml version="1.0" encoding="utf-8"?>
 <p:sld xmlns:a="http://schemas.openxmlformats.org/drawingml/2006/main" xmlns:r="http://schemas.openxmlformats.org/officeDocument/2006/relationships" xmlns:p="http://schemas.openxmlformats.org/presentationml/2006/main" xmlns:m="http://schemas.openxmlformats.org/officeDocument/2006/math" xmlns:a14="http://schemas.microsoft.com/office/drawing/2010/main" showMasterSp="1" showMasterPhAnim="1">
   <p:cSld>
     <p:spTree>
@@ -41744,113 +42304,7 @@
       </p:grpSpPr>
       <p:sp>
         <p:nvSpPr>
-          <p:cNvPr id="628" name="Samples required a good deal of (detective) work…"/>
-          <p:cNvSpPr txBox="1"/>
-          <p:nvPr>
-            <p:ph type="title"/>
-          </p:nvPr>
-        </p:nvSpPr>
-        <p:spPr>
-          <a:prstGeom prst="rect">
-            <a:avLst/>
-          </a:prstGeom>
-        </p:spPr>
-        <p:txBody>
-          <a:bodyPr/>
-          <a:lstStyle/>
-          <a:p>
-            <a:pPr/>
-            <a:r>
-              <a:t>Samples required a good deal of (detective) work…</a:t>
-            </a:r>
-          </a:p>
-        </p:txBody>
-      </p:sp>
-      <p:sp>
-        <p:nvSpPr>
-          <p:cNvPr id="629" name="Key issue: (mis-) Use of / component DECLARE variables in TRACE for storing particle-dependent information, e.g. reflection list in PowderN etc. must be avoided.…"/>
-          <p:cNvSpPr txBox="1"/>
-          <p:nvPr>
-            <p:ph type="body" idx="1"/>
-          </p:nvPr>
-        </p:nvSpPr>
-        <p:spPr>
-          <a:prstGeom prst="rect">
-            <a:avLst/>
-          </a:prstGeom>
-        </p:spPr>
-        <p:txBody>
-          <a:bodyPr/>
-          <a:lstStyle/>
-          <a:p>
-            <a:pPr marL="0" indent="0">
-              <a:buSzTx/>
-              <a:buNone/>
-            </a:pPr>
-            <a:r>
-              <a:t>Key issue: (mis-) Use of / component DECLARE variables in TRACE for storing particle-dependent information, e.g. reflection list in PowderN etc. must be avoided.</a:t>
-            </a:r>
-          </a:p>
-          <a:p>
-            <a:pPr marL="0" indent="0">
-              <a:buSzTx/>
-              <a:buNone/>
-            </a:pPr>
-          </a:p>
-          <a:p>
-            <a:pPr marL="0" indent="0">
-              <a:buSzTx/>
-              <a:buNone/>
-            </a:pPr>
-            <a:r>
-              <a:t>Solutions:</a:t>
-            </a:r>
-          </a:p>
-          <a:p>
-            <a:pPr marL="0" indent="0">
-              <a:buSzTx/>
-              <a:buNone/>
-            </a:pPr>
-            <a:r>
-              <a:t>1) Make local thread-variables, e.g.</a:t>
-            </a:r>
-          </a:p>
-          <a:p>
-            <a:pPr marL="0" indent="0">
-              <a:buSzTx/>
-              <a:buNone/>
-            </a:pPr>
-          </a:p>
-          <a:p>
-            <a:pPr marL="0" indent="0">
-              <a:buSzTx/>
-              <a:buNone/>
-            </a:pPr>
-          </a:p>
-          <a:p>
-            <a:pPr marL="0" indent="0">
-              <a:buSzTx/>
-              <a:buNone/>
-            </a:pPr>
-          </a:p>
-          <a:p>
-            <a:pPr marL="0" indent="0">
-              <a:buSzTx/>
-              <a:buNone/>
-            </a:pPr>
-            <a:r>
-              <a:t>2) Where meaningful, one could </a:t>
-            </a:r>
-            <a:br/>
-            <a:r>
-              <a:t>make atomic sections ala the monitors</a:t>
-            </a:r>
-          </a:p>
-        </p:txBody>
-      </p:sp>
-      <p:sp>
-        <p:nvSpPr>
-          <p:cNvPr id="630" name="Slide Number"/>
+          <p:cNvPr id="671" name="Slide Number"/>
           <p:cNvSpPr txBox="1"/>
           <p:nvPr>
             <p:ph type="sldNum" sz="quarter" idx="2"/>
@@ -41875,395 +42329,16 @@
           </a:p>
         </p:txBody>
       </p:sp>
-      <p:pic>
-        <p:nvPicPr>
-          <p:cNvPr id="631" name="Screenshot 2020-11-11 at 14.24.41.png" descr="Screenshot 2020-11-11 at 14.24.41.png"/>
-          <p:cNvPicPr>
-            <a:picLocks noChangeAspect="1"/>
-          </p:cNvPicPr>
-          <p:nvPr/>
-        </p:nvPicPr>
-        <p:blipFill>
-          <a:blip r:embed="rId2">
-            <a:extLst/>
-          </a:blip>
-          <a:stretch>
-            <a:fillRect/>
-          </a:stretch>
-        </p:blipFill>
-        <p:spPr>
-          <a:xfrm>
-            <a:off x="5990581" y="2219948"/>
-            <a:ext cx="6144209" cy="4618397"/>
-          </a:xfrm>
-          <a:prstGeom prst="rect">
-            <a:avLst/>
-          </a:prstGeom>
-          <a:ln w="12700">
-            <a:miter lim="400000"/>
-          </a:ln>
-        </p:spPr>
-      </p:pic>
       <p:sp>
         <p:nvSpPr>
-          <p:cNvPr id="632" name="Line"/>
-          <p:cNvSpPr/>
-          <p:nvPr/>
-        </p:nvSpPr>
-        <p:spPr>
-          <a:xfrm>
-            <a:off x="5459140" y="3044569"/>
-            <a:ext cx="541084" cy="1"/>
-          </a:xfrm>
-          <a:prstGeom prst="line">
-            <a:avLst/>
-          </a:prstGeom>
-          <a:ln w="25400">
-            <a:solidFill>
-              <a:schemeClr val="accent1"/>
-            </a:solidFill>
-            <a:tailEnd type="triangle"/>
-          </a:ln>
-          <a:effectLst>
-            <a:outerShdw sx="100000" sy="100000" kx="0" ky="0" algn="b" rotWithShape="0" blurRad="38100" dist="20000" dir="5400000">
-              <a:srgbClr val="000000">
-                <a:alpha val="38000"/>
-              </a:srgbClr>
-            </a:outerShdw>
-          </a:effectLst>
-        </p:spPr>
-        <p:txBody>
-          <a:bodyPr lIns="45719" rIns="45719"/>
-          <a:lstStyle/>
-          <a:p>
-            <a:pPr/>
-          </a:p>
-        </p:txBody>
-      </p:sp>
-      <p:sp>
-        <p:nvSpPr>
-          <p:cNvPr id="633" name="Side-effect of thread-local vars:…"/>
-          <p:cNvSpPr/>
-          <p:nvPr/>
-        </p:nvSpPr>
-        <p:spPr>
-          <a:xfrm>
-            <a:off x="1635311" y="4893798"/>
-            <a:ext cx="4075336" cy="1920265"/>
-          </a:xfrm>
-          <a:prstGeom prst="rect">
-            <a:avLst/>
-          </a:prstGeom>
-          <a:solidFill>
-            <a:srgbClr val="FFFFFF"/>
-          </a:solidFill>
-          <a:ln w="25400">
-            <a:solidFill>
-              <a:schemeClr val="accent1"/>
-            </a:solidFill>
-          </a:ln>
-          <a:extLst>
-            <a:ext uri="{C572A759-6A51-4108-AA02-DFA0A04FC94B}">
-              <ma14:wrappingTextBoxFlag xmlns:ma14="http://schemas.microsoft.com/office/mac/drawingml/2011/main" val="1"/>
-            </a:ext>
-          </a:extLst>
-        </p:spPr>
-        <p:txBody>
-          <a:bodyPr lIns="46799" tIns="46799" rIns="46799" bIns="46799" anchor="ctr"/>
-          <a:lstStyle/>
-          <a:p>
-            <a:pPr/>
-            <a:r>
-              <a:t>Side-effect of thread-local vars:</a:t>
-            </a:r>
-          </a:p>
-          <a:p>
-            <a:pPr/>
-            <a:r>
-              <a:t>Next neutron(s) in a SPLIT are no longer aware of e.g. available powder lines.</a:t>
-            </a:r>
-          </a:p>
-          <a:p>
-            <a:pPr/>
-            <a:r>
-              <a:t>Potential, future solution: Mechanism to inject comp-specific</a:t>
-            </a:r>
-            <a:br/>
-            <a:r>
-              <a:t>code in the _particle</a:t>
-            </a:r>
-          </a:p>
-        </p:txBody>
-      </p:sp>
-    </p:spTree>
-  </p:cSld>
-  <p:clrMapOvr>
-    <a:masterClrMapping/>
-  </p:clrMapOvr>
-  <p:transition xmlns:p14="http://schemas.microsoft.com/office/powerpoint/2010/main" spd="med" advClick="1"/>
-</p:sld>
-</file>
-
-<file path=ppt/slides/slide7.xml><?xml version="1.0" encoding="utf-8"?>
-<p:sld xmlns:a="http://schemas.openxmlformats.org/drawingml/2006/main" xmlns:r="http://schemas.openxmlformats.org/officeDocument/2006/relationships" xmlns:p="http://schemas.openxmlformats.org/presentationml/2006/main" xmlns:m="http://schemas.openxmlformats.org/officeDocument/2006/math" xmlns:a14="http://schemas.microsoft.com/office/drawing/2010/main" showMasterSp="1" showMasterPhAnim="1">
-  <p:cSld>
-    <p:spTree>
-      <p:nvGrpSpPr>
-        <p:cNvPr id="1" name=""/>
-        <p:cNvGrpSpPr/>
-        <p:nvPr/>
-      </p:nvGrpSpPr>
-      <p:grpSpPr>
-        <a:xfrm>
-          <a:off x="0" y="0"/>
-          <a:ext cx="0" cy="0"/>
-          <a:chOff x="0" y="0"/>
-          <a:chExt cx="0" cy="0"/>
-        </a:xfrm>
-      </p:grpSpPr>
-      <p:sp>
-        <p:nvSpPr>
-          <p:cNvPr id="635" name="New monitor-tools for debugging use"/>
-          <p:cNvSpPr txBox="1"/>
-          <p:nvPr>
-            <p:ph type="title"/>
-          </p:nvPr>
-        </p:nvSpPr>
-        <p:spPr>
-          <a:prstGeom prst="rect">
-            <a:avLst/>
-          </a:prstGeom>
-        </p:spPr>
-        <p:txBody>
-          <a:bodyPr/>
-          <a:lstStyle/>
-          <a:p>
-            <a:pPr/>
-            <a:r>
-              <a:t>New monitor-tools for debugging use</a:t>
-            </a:r>
-          </a:p>
-        </p:txBody>
-      </p:sp>
-      <p:sp>
-        <p:nvSpPr>
-          <p:cNvPr id="636" name="Event_monitor_simple(nevents=1e6)  - basic non-Monitor_nD event monitor. Writes a “log” file, independent from detector_out macros…"/>
-          <p:cNvSpPr txBox="1"/>
-          <p:nvPr>
-            <p:ph type="body" idx="1"/>
-          </p:nvPr>
-        </p:nvSpPr>
-        <p:spPr>
-          <a:prstGeom prst="rect">
-            <a:avLst/>
-          </a:prstGeom>
-        </p:spPr>
-        <p:txBody>
-          <a:bodyPr/>
-          <a:lstStyle/>
-          <a:p>
-            <a:pPr/>
-            <a:r>
-              <a:rPr b="1"/>
-              <a:t>Event_monitor_simple(nevents=1e6)</a:t>
-            </a:r>
-            <a:r>
-              <a:t> </a:t>
-            </a:r>
-            <a:br/>
-            <a:r>
-              <a:t>- basic non-Monitor_nD event monitor. Writes a “log” file, independent from detector_out macros</a:t>
-            </a:r>
-          </a:p>
-          <a:p>
-            <a:pPr/>
-          </a:p>
-          <a:p>
-            <a:pPr/>
-            <a:r>
-              <a:rPr b="1"/>
-              <a:t>Flex_monitor_1D</a:t>
-            </a:r>
-            <a:r>
-              <a:t> , </a:t>
-            </a:r>
-            <a:r>
-              <a:rPr b="1"/>
-              <a:t>Flex_monitor_2D</a:t>
-            </a:r>
-            <a:r>
-              <a:t>, </a:t>
-            </a:r>
-            <a:r>
-              <a:rPr b="1"/>
-              <a:t>Flex_monitor_3D</a:t>
-            </a:r>
-            <a:r>
-              <a:t>, </a:t>
-            </a:r>
-            <a:br/>
-            <a:r>
-              <a:t>simple 1/2/3D “uservar” monitors tapping into the instrument USERVARS ala Monitor_nD</a:t>
-            </a:r>
-            <a:br/>
-            <a:br/>
-          </a:p>
-          <a:p>
-            <a:pPr/>
-            <a:r>
-              <a:t>Useful for </a:t>
-            </a:r>
-            <a:r>
-              <a:rPr b="1"/>
-              <a:t>debugging</a:t>
-            </a:r>
-            <a:r>
-              <a:t> even </a:t>
-            </a:r>
-            <a:r>
-              <a:rPr b="1"/>
-              <a:t>component</a:t>
-            </a:r>
-            <a:r>
-              <a:t> internals:</a:t>
-            </a:r>
-            <a:br/>
-            <a:r>
-              <a:t>On McStas 3, if same ncount, same seed, same level of MPI parallelisation, the output</a:t>
-            </a:r>
-            <a:br/>
-            <a:r>
-              <a:t>should be </a:t>
-            </a:r>
-            <a:r>
-              <a:rPr b="1"/>
-              <a:t>identical</a:t>
-            </a:r>
-            <a:r>
-              <a:t> on CPU and GPU</a:t>
-            </a:r>
-          </a:p>
-        </p:txBody>
-      </p:sp>
-      <p:sp>
-        <p:nvSpPr>
-          <p:cNvPr id="637" name="Slide Number"/>
-          <p:cNvSpPr txBox="1"/>
-          <p:nvPr>
-            <p:ph type="sldNum" sz="quarter" idx="2"/>
-          </p:nvPr>
-        </p:nvSpPr>
-        <p:spPr>
-          <a:prstGeom prst="rect">
-            <a:avLst/>
-          </a:prstGeom>
-          <a:extLst>
-            <a:ext uri="{C572A759-6A51-4108-AA02-DFA0A04FC94B}">
-              <ma14:wrappingTextBoxFlag xmlns:ma14="http://schemas.microsoft.com/office/mac/drawingml/2011/main" val="1"/>
-            </a:ext>
-          </a:extLst>
-        </p:spPr>
-        <p:txBody>
-          <a:bodyPr/>
-          <a:lstStyle/>
-          <a:p>
-            <a:pPr/>
-            <a:fld id="{86CB4B4D-7CA3-9044-876B-883B54F8677D}" type="slidenum"/>
-          </a:p>
-        </p:txBody>
-      </p:sp>
-    </p:spTree>
-  </p:cSld>
-  <p:clrMapOvr>
-    <a:masterClrMapping/>
-  </p:clrMapOvr>
-  <p:transition xmlns:p14="http://schemas.microsoft.com/office/powerpoint/2010/main" spd="med" advClick="1"/>
-</p:sld>
-</file>
-
-<file path=ppt/slides/slide8.xml><?xml version="1.0" encoding="utf-8"?>
-<p:sld xmlns:a="http://schemas.openxmlformats.org/drawingml/2006/main" xmlns:r="http://schemas.openxmlformats.org/officeDocument/2006/relationships" xmlns:p="http://schemas.openxmlformats.org/presentationml/2006/main" xmlns:m="http://schemas.openxmlformats.org/officeDocument/2006/math" xmlns:a14="http://schemas.microsoft.com/office/drawing/2010/main" showMasterSp="1" showMasterPhAnim="1">
-  <p:cSld>
-    <p:spTree>
-      <p:nvGrpSpPr>
-        <p:cNvPr id="1" name=""/>
-        <p:cNvGrpSpPr/>
-        <p:nvPr/>
-      </p:nvGrpSpPr>
-      <p:grpSpPr>
-        <a:xfrm>
-          <a:off x="0" y="0"/>
-          <a:ext cx="0" cy="0"/>
-          <a:chOff x="0" y="0"/>
-          <a:chExt cx="0" cy="0"/>
-        </a:xfrm>
-      </p:grpSpPr>
-      <p:pic>
-        <p:nvPicPr>
-          <p:cNvPr id="639" name="Screenshot 2020-01-18 at 13.18.29.png" descr="Screenshot 2020-01-18 at 13.18.29.png"/>
-          <p:cNvPicPr>
-            <a:picLocks noChangeAspect="1"/>
-          </p:cNvPicPr>
-          <p:nvPr/>
-        </p:nvPicPr>
-        <p:blipFill>
-          <a:blip r:embed="rId2">
-            <a:extLst/>
-          </a:blip>
-          <a:stretch>
-            <a:fillRect/>
-          </a:stretch>
-        </p:blipFill>
-        <p:spPr>
-          <a:xfrm>
-            <a:off x="3249416" y="0"/>
-            <a:ext cx="7204468" cy="6858000"/>
-          </a:xfrm>
-          <a:prstGeom prst="rect">
-            <a:avLst/>
-          </a:prstGeom>
-          <a:ln w="12700">
-            <a:miter lim="400000"/>
-          </a:ln>
-        </p:spPr>
-      </p:pic>
-      <p:sp>
-        <p:nvSpPr>
-          <p:cNvPr id="640" name="Slide Number"/>
-          <p:cNvSpPr txBox="1"/>
-          <p:nvPr>
-            <p:ph type="sldNum" sz="quarter" idx="2"/>
-          </p:nvPr>
-        </p:nvSpPr>
-        <p:spPr>
-          <a:prstGeom prst="rect">
-            <a:avLst/>
-          </a:prstGeom>
-          <a:extLst>
-            <a:ext uri="{C572A759-6A51-4108-AA02-DFA0A04FC94B}">
-              <ma14:wrappingTextBoxFlag xmlns:ma14="http://schemas.microsoft.com/office/mac/drawingml/2011/main" val="1"/>
-            </a:ext>
-          </a:extLst>
-        </p:spPr>
-        <p:txBody>
-          <a:bodyPr/>
-          <a:lstStyle/>
-          <a:p>
-            <a:pPr/>
-            <a:fld id="{86CB4B4D-7CA3-9044-876B-883B54F8677D}" type="slidenum"/>
-          </a:p>
-        </p:txBody>
-      </p:sp>
-      <p:sp>
-        <p:nvSpPr>
-          <p:cNvPr id="641" name="Each component will correspond to a set of function. Trace is a GPU’ified function……"/>
+          <p:cNvPr id="672" name="Instrument and component  structs built on…"/>
           <p:cNvSpPr txBox="1"/>
           <p:nvPr/>
         </p:nvSpPr>
         <p:spPr>
           <a:xfrm>
-            <a:off x="492025" y="1289727"/>
-            <a:ext cx="2608165" cy="3327128"/>
+            <a:off x="619025" y="1175427"/>
+            <a:ext cx="2581475" cy="4874578"/>
           </a:xfrm>
           <a:prstGeom prst="rect">
             <a:avLst/>
@@ -42283,68 +42358,136 @@
           </a:bodyPr>
           <a:lstStyle/>
           <a:p>
-            <a:pPr defTabSz="576072">
+            <a:pPr defTabSz="850391">
               <a:spcBef>
                 <a:spcPts val="0"/>
               </a:spcBef>
-              <a:defRPr b="1" sz="1890"/>
+              <a:defRPr b="1" sz="2790"/>
             </a:pPr>
             <a:r>
-              <a:t>Each component will correspond to a set of function. Trace is a GPU’ified function… </a:t>
-            </a:r>
-          </a:p>
-          <a:p>
-            <a:pPr defTabSz="576072">
+              <a:t>Instrument and component </a:t>
+            </a:r>
+            <a:br/>
+            <a:r>
+              <a:t>structs built on</a:t>
+            </a:r>
+          </a:p>
+          <a:p>
+            <a:pPr defTabSz="850391">
               <a:spcBef>
                 <a:spcPts val="0"/>
               </a:spcBef>
-              <a:defRPr b="1" sz="1890"/>
+              <a:defRPr b="1" sz="2790"/>
             </a:pPr>
-          </a:p>
-          <a:p>
-            <a:pPr marL="189497" indent="-189497" defTabSz="576072">
+            <a:r>
+              <a:t>CPU and transferred to GPU using OpenACC</a:t>
+            </a:r>
+          </a:p>
+          <a:p>
+            <a:pPr defTabSz="850391">
               <a:spcBef>
                 <a:spcPts val="0"/>
               </a:spcBef>
-              <a:buSzPct val="100000"/>
-              <a:buChar char="+"/>
-              <a:defRPr b="1" sz="1890"/>
+              <a:defRPr b="1" sz="2790"/>
             </a:pPr>
             <a:r>
-              <a:t>particle-loop and logic around, also running on GPU.</a:t>
-            </a:r>
-          </a:p>
-          <a:p>
-            <a:pPr defTabSz="576072">
+              <a:t>pragmas at the</a:t>
+            </a:r>
+          </a:p>
+          <a:p>
+            <a:pPr defTabSz="850391">
               <a:spcBef>
                 <a:spcPts val="0"/>
               </a:spcBef>
-              <a:defRPr b="1" sz="1890"/>
+              <a:defRPr b="1" sz="2790"/>
             </a:pPr>
-          </a:p>
-          <a:p>
-            <a:pPr defTabSz="576072">
-              <a:spcBef>
-                <a:spcPts val="0"/>
-              </a:spcBef>
-              <a:defRPr b="1" sz="1890"/>
-            </a:pPr>
-            <a:r>
-              <a:t>Init and finalisation codes run purely CPU.</a:t>
-            </a:r>
+            <a:r>
+              <a:t>end of  </a:t>
+            </a:r>
+            <a:br/>
+            <a:br/>
+            <a:r>
+              <a:t>INITIALISE</a:t>
+            </a:r>
+          </a:p>
+        </p:txBody>
+      </p:sp>
+      <p:pic>
+        <p:nvPicPr>
+          <p:cNvPr id="673" name="Screenshot 2020-01-17 at 22.36.17.png" descr="Screenshot 2020-01-17 at 22.36.17.png"/>
+          <p:cNvPicPr>
+            <a:picLocks noChangeAspect="1"/>
+          </p:cNvPicPr>
+          <p:nvPr/>
+        </p:nvPicPr>
+        <p:blipFill>
+          <a:blip r:embed="rId2">
+            <a:extLst/>
+          </a:blip>
+          <a:stretch>
+            <a:fillRect/>
+          </a:stretch>
+        </p:blipFill>
+        <p:spPr>
+          <a:xfrm>
+            <a:off x="4102100" y="1327150"/>
+            <a:ext cx="5425289" cy="3691970"/>
+          </a:xfrm>
+          <a:prstGeom prst="rect">
+            <a:avLst/>
+          </a:prstGeom>
+          <a:ln w="12700">
+            <a:miter lim="400000"/>
+          </a:ln>
+        </p:spPr>
+      </p:pic>
+      <p:sp>
+        <p:nvSpPr>
+          <p:cNvPr id="674" name="Line"/>
+          <p:cNvSpPr/>
+          <p:nvPr/>
+        </p:nvSpPr>
+        <p:spPr>
+          <a:xfrm flipV="1">
+            <a:off x="9328149" y="3017819"/>
+            <a:ext cx="1" cy="1189793"/>
+          </a:xfrm>
+          <a:prstGeom prst="line">
+            <a:avLst/>
+          </a:prstGeom>
+          <a:ln w="25400">
+            <a:solidFill>
+              <a:schemeClr val="accent1"/>
+            </a:solidFill>
+            <a:headEnd type="triangle"/>
+            <a:tailEnd type="triangle"/>
+          </a:ln>
+          <a:effectLst>
+            <a:outerShdw sx="100000" sy="100000" kx="0" ky="0" algn="b" rotWithShape="0" blurRad="38100" dist="20000" dir="5400000">
+              <a:srgbClr val="000000">
+                <a:alpha val="38000"/>
+              </a:srgbClr>
+            </a:outerShdw>
+          </a:effectLst>
+        </p:spPr>
+        <p:txBody>
+          <a:bodyPr lIns="45719" rIns="45719"/>
+          <a:lstStyle/>
+          <a:p>
+            <a:pPr/>
           </a:p>
         </p:txBody>
       </p:sp>
       <p:sp>
         <p:nvSpPr>
-          <p:cNvPr id="642" name="….  etc"/>
+          <p:cNvPr id="675" name="Similar “host” update in FINALLY"/>
           <p:cNvSpPr txBox="1"/>
           <p:nvPr/>
         </p:nvSpPr>
         <p:spPr>
           <a:xfrm>
-            <a:off x="3941167" y="6588623"/>
-            <a:ext cx="656333" cy="221953"/>
+            <a:off x="9630767" y="3387439"/>
+            <a:ext cx="1887439" cy="450554"/>
           </a:xfrm>
           <a:prstGeom prst="rect">
             <a:avLst/>
@@ -42366,186 +42509,18 @@
           <a:p>
             <a:pPr/>
             <a:r>
-              <a:t>….  etc</a:t>
-            </a:r>
-          </a:p>
-        </p:txBody>
-      </p:sp>
-      <p:sp>
-        <p:nvSpPr>
-          <p:cNvPr id="643" name="Line"/>
-          <p:cNvSpPr/>
-          <p:nvPr/>
-        </p:nvSpPr>
-        <p:spPr>
-          <a:xfrm flipH="1">
-            <a:off x="7334249" y="4535740"/>
-            <a:ext cx="1635646" cy="1"/>
-          </a:xfrm>
-          <a:prstGeom prst="line">
-            <a:avLst/>
-          </a:prstGeom>
-          <a:ln w="25400">
-            <a:solidFill>
-              <a:schemeClr val="accent1"/>
-            </a:solidFill>
-            <a:tailEnd type="triangle"/>
-          </a:ln>
-          <a:effectLst>
-            <a:outerShdw sx="100000" sy="100000" kx="0" ky="0" algn="b" rotWithShape="0" blurRad="38100" dist="20000" dir="5400000">
-              <a:srgbClr val="000000">
-                <a:alpha val="38000"/>
-              </a:srgbClr>
-            </a:outerShdw>
-          </a:effectLst>
-        </p:spPr>
-        <p:txBody>
-          <a:bodyPr lIns="45719" rIns="45719"/>
-          <a:lstStyle/>
-          <a:p>
-            <a:pPr/>
-          </a:p>
-        </p:txBody>
-      </p:sp>
-      <p:sp>
-        <p:nvSpPr>
-          <p:cNvPr id="644" name="Contains component trace…"/>
-          <p:cNvSpPr txBox="1"/>
-          <p:nvPr/>
-        </p:nvSpPr>
-        <p:spPr>
-          <a:xfrm>
-            <a:off x="9275167" y="4310464"/>
-            <a:ext cx="2384723" cy="572473"/>
-          </a:xfrm>
-          <a:prstGeom prst="rect">
-            <a:avLst/>
-          </a:prstGeom>
-          <a:ln w="12700">
-            <a:miter lim="400000"/>
-          </a:ln>
-          <a:extLst>
-            <a:ext uri="{C572A759-6A51-4108-AA02-DFA0A04FC94B}">
-              <ma14:wrappingTextBoxFlag xmlns:ma14="http://schemas.microsoft.com/office/mac/drawingml/2011/main" val="1"/>
-            </a:ext>
-          </a:extLst>
-        </p:spPr>
-        <p:txBody>
-          <a:bodyPr wrap="none" lIns="0" tIns="0" rIns="0" bIns="0">
-            <a:spAutoFit/>
-          </a:bodyPr>
-          <a:lstStyle/>
-          <a:p>
-            <a:pPr/>
-            <a:r>
-              <a:t>Contains component trace</a:t>
-            </a:r>
-          </a:p>
-          <a:p>
-            <a:pPr/>
-            <a:r>
-              <a:t>section</a:t>
-            </a:r>
-          </a:p>
-        </p:txBody>
-      </p:sp>
-      <p:sp>
-        <p:nvSpPr>
-          <p:cNvPr id="645" name="Line"/>
-          <p:cNvSpPr/>
-          <p:nvPr/>
-        </p:nvSpPr>
-        <p:spPr>
-          <a:xfrm flipV="1">
-            <a:off x="1650073" y="140624"/>
-            <a:ext cx="1549555" cy="1136391"/>
-          </a:xfrm>
-          <a:prstGeom prst="line">
-            <a:avLst/>
-          </a:prstGeom>
-          <a:ln w="25400">
-            <a:solidFill>
-              <a:schemeClr val="accent1"/>
-            </a:solidFill>
-            <a:tailEnd type="triangle"/>
-          </a:ln>
-          <a:effectLst>
-            <a:outerShdw sx="100000" sy="100000" kx="0" ky="0" algn="b" rotWithShape="0" blurRad="38100" dist="20000" dir="5400000">
-              <a:srgbClr val="000000">
-                <a:alpha val="38000"/>
-              </a:srgbClr>
-            </a:outerShdw>
-          </a:effectLst>
-        </p:spPr>
-        <p:txBody>
-          <a:bodyPr lIns="45719" rIns="45719"/>
-          <a:lstStyle/>
-          <a:p>
-            <a:pPr/>
-          </a:p>
-        </p:txBody>
-      </p:sp>
-      <p:sp>
-        <p:nvSpPr>
-          <p:cNvPr id="646" name="“Scatter-gather” approach not far from what we do in MPI settings, i.e. :  GPU case:  N particles are calculated in parallel in N GPU threads. (Leave to OpenACC/device how many actually are running at one time)…"/>
-          <p:cNvSpPr/>
-          <p:nvPr/>
-        </p:nvSpPr>
-        <p:spPr>
-          <a:xfrm>
-            <a:off x="8032592" y="717527"/>
-            <a:ext cx="3857816" cy="2925810"/>
-          </a:xfrm>
-          <a:prstGeom prst="rect">
-            <a:avLst/>
-          </a:prstGeom>
-          <a:solidFill>
-            <a:srgbClr val="FFFFFF"/>
-          </a:solidFill>
-          <a:ln w="25400">
-            <a:solidFill>
-              <a:schemeClr val="accent1"/>
-            </a:solidFill>
-          </a:ln>
-          <a:extLst>
-            <a:ext uri="{C572A759-6A51-4108-AA02-DFA0A04FC94B}">
-              <ma14:wrappingTextBoxFlag xmlns:ma14="http://schemas.microsoft.com/office/mac/drawingml/2011/main" val="1"/>
-            </a:ext>
-          </a:extLst>
-        </p:spPr>
-        <p:txBody>
-          <a:bodyPr lIns="46799" tIns="46799" rIns="46799" bIns="46799" anchor="ctr"/>
-          <a:lstStyle/>
-          <a:p>
-            <a:pPr/>
-            <a:r>
-              <a:t>“Scatter-gather” approach not far from what we do in MPI settings, i.e. :</a:t>
+              <a:t>Similar “host” update</a:t>
             </a:r>
             <a:br/>
-            <a:br/>
-            <a:r>
-              <a:t>GPU case: </a:t>
-            </a:r>
-            <a:br/>
-            <a:r>
-              <a:t>N particles are calculated in parallel in N GPU threads. (Leave to OpenACC/device how many actually are running at one time) </a:t>
-            </a:r>
-          </a:p>
-          <a:p>
-            <a:pPr/>
-            <a:r>
-              <a:t>CPU case: </a:t>
-            </a:r>
-            <a:br/>
-            <a:r>
-              <a:t>N particles are calculated in M serial chunks over M processors.</a:t>
+            <a:r>
+              <a:t>in FINALLY</a:t>
             </a:r>
           </a:p>
         </p:txBody>
       </p:sp>
       <p:pic>
         <p:nvPicPr>
-          <p:cNvPr id="647" name="Screenshot 2020-08-15 at 12.40.31.png" descr="Screenshot 2020-08-15 at 12.40.31.png"/>
+          <p:cNvPr id="676" name="Screenshot 2020-08-15 at 12.40.31.png" descr="Screenshot 2020-08-15 at 12.40.31.png"/>
           <p:cNvPicPr>
             <a:picLocks noChangeAspect="1"/>
           </p:cNvPicPr>
@@ -42573,318 +42548,6 @@
           </a:ln>
         </p:spPr>
       </p:pic>
-    </p:spTree>
-  </p:cSld>
-  <p:clrMapOvr>
-    <a:masterClrMapping/>
-  </p:clrMapOvr>
-  <p:transition xmlns:p14="http://schemas.microsoft.com/office/powerpoint/2010/main" spd="med" advClick="1"/>
-</p:sld>
-</file>
-
-<file path=ppt/slides/slide9.xml><?xml version="1.0" encoding="utf-8"?>
-<p:sld xmlns:a="http://schemas.openxmlformats.org/drawingml/2006/main" xmlns:r="http://schemas.openxmlformats.org/officeDocument/2006/relationships" xmlns:p="http://schemas.openxmlformats.org/presentationml/2006/main" xmlns:m="http://schemas.openxmlformats.org/officeDocument/2006/math" xmlns:a14="http://schemas.microsoft.com/office/drawing/2010/main" showMasterSp="1" showMasterPhAnim="1">
-  <p:cSld>
-    <p:spTree>
-      <p:nvGrpSpPr>
-        <p:cNvPr id="1" name=""/>
-        <p:cNvGrpSpPr/>
-        <p:nvPr/>
-      </p:nvGrpSpPr>
-      <p:grpSpPr>
-        <a:xfrm>
-          <a:off x="0" y="0"/>
-          <a:ext cx="0" cy="0"/>
-          <a:chOff x="0" y="0"/>
-          <a:chExt cx="0" cy="0"/>
-        </a:xfrm>
-      </p:grpSpPr>
-      <p:sp>
-        <p:nvSpPr>
-          <p:cNvPr id="649" name="Porting an instrument to 3.0 and GPU"/>
-          <p:cNvSpPr txBox="1"/>
-          <p:nvPr>
-            <p:ph type="title"/>
-          </p:nvPr>
-        </p:nvSpPr>
-        <p:spPr>
-          <a:prstGeom prst="rect">
-            <a:avLst/>
-          </a:prstGeom>
-        </p:spPr>
-        <p:txBody>
-          <a:bodyPr/>
-          <a:lstStyle/>
-          <a:p>
-            <a:pPr lvl="1"/>
-            <a:r>
-              <a:t>Porting an instrument to 3.0 and GPU</a:t>
-            </a:r>
-          </a:p>
-        </p:txBody>
-      </p:sp>
-      <p:sp>
-        <p:nvSpPr>
-          <p:cNvPr id="650" name="Instrument-level variables that are to become particle-dependent “flags”, e.g. for use in EXTEND WHEN must be put in the new section USERVARS %{ double flag; %}…"/>
-          <p:cNvSpPr txBox="1"/>
-          <p:nvPr>
-            <p:ph type="body" idx="1"/>
-          </p:nvPr>
-        </p:nvSpPr>
-        <p:spPr>
-          <a:prstGeom prst="rect">
-            <a:avLst/>
-          </a:prstGeom>
-        </p:spPr>
-        <p:txBody>
-          <a:bodyPr/>
-          <a:lstStyle/>
-          <a:p>
-            <a:pPr/>
-            <a:r>
-              <a:rPr b="1"/>
-              <a:t>Instrument-level variables</a:t>
-            </a:r>
-            <a:r>
-              <a:t> that are to become particle-dependent “</a:t>
-            </a:r>
-            <a:r>
-              <a:rPr b="1"/>
-              <a:t>flags</a:t>
-            </a:r>
-            <a:r>
-              <a:t>”, e.g. for use in EXTEND WHEN must be put in the new section </a:t>
-            </a:r>
-            <a:r>
-              <a:rPr b="1"/>
-              <a:t>USERVARS %{ double flag; %}</a:t>
-            </a:r>
-            <a:endParaRPr b="1"/>
-          </a:p>
-          <a:p>
-            <a:pPr/>
-          </a:p>
-          <a:p>
-            <a:pPr/>
-            <a:r>
-              <a:t>Use of </a:t>
-            </a:r>
-            <a:r>
-              <a:rPr b="1"/>
-              <a:t>instrument input pars</a:t>
-            </a:r>
-            <a:r>
-              <a:t> in extend and WHEN must use </a:t>
-            </a:r>
-            <a:r>
-              <a:rPr b="1"/>
-              <a:t>INSTRUMENT_GETPAR(varname)</a:t>
-            </a:r>
-            <a:br>
-              <a:rPr b="1"/>
-            </a:br>
-          </a:p>
-          <a:p>
-            <a:pPr/>
-            <a:r>
-              <a:rPr b="1"/>
-              <a:t>Non-flag instrument vars</a:t>
-            </a:r>
-            <a:r>
-              <a:t> to be used during TRACE / EXTEND / WHEN must be injected via</a:t>
-            </a:r>
-            <a:r>
-              <a:rPr b="1"/>
-              <a:t> #pragma acc declare create(var) </a:t>
-            </a:r>
-            <a:r>
-              <a:t>and</a:t>
-            </a:r>
-            <a:r>
-              <a:rPr b="1"/>
-              <a:t> #pragma acc update device(var)</a:t>
-            </a:r>
-            <a:br/>
-          </a:p>
-          <a:p>
-            <a:pPr/>
-            <a:r>
-              <a:rPr b="1"/>
-              <a:t>Declare-functions </a:t>
-            </a:r>
-            <a:r>
-              <a:t>to be used in </a:t>
-            </a:r>
-            <a:r>
-              <a:rPr b="1"/>
-              <a:t>trace</a:t>
-            </a:r>
-            <a:r>
-              <a:t> (e.g. in an EXTEND) must have </a:t>
-            </a:r>
-            <a:br/>
-            <a:r>
-              <a:t>#pragma acc routine</a:t>
-            </a:r>
-          </a:p>
-        </p:txBody>
-      </p:sp>
-      <p:sp>
-        <p:nvSpPr>
-          <p:cNvPr id="651" name="Slide Number"/>
-          <p:cNvSpPr txBox="1"/>
-          <p:nvPr>
-            <p:ph type="sldNum" sz="quarter" idx="2"/>
-          </p:nvPr>
-        </p:nvSpPr>
-        <p:spPr>
-          <a:prstGeom prst="rect">
-            <a:avLst/>
-          </a:prstGeom>
-          <a:extLst>
-            <a:ext uri="{C572A759-6A51-4108-AA02-DFA0A04FC94B}">
-              <ma14:wrappingTextBoxFlag xmlns:ma14="http://schemas.microsoft.com/office/mac/drawingml/2011/main" val="1"/>
-            </a:ext>
-          </a:extLst>
-        </p:spPr>
-        <p:txBody>
-          <a:bodyPr/>
-          <a:lstStyle/>
-          <a:p>
-            <a:pPr/>
-            <a:fld id="{86CB4B4D-7CA3-9044-876B-883B54F8677D}" type="slidenum"/>
-          </a:p>
-        </p:txBody>
-      </p:sp>
-      <p:pic>
-        <p:nvPicPr>
-          <p:cNvPr id="652" name="Unknown.png" descr="Unknown.png"/>
-          <p:cNvPicPr>
-            <a:picLocks noChangeAspect="1"/>
-          </p:cNvPicPr>
-          <p:nvPr/>
-        </p:nvPicPr>
-        <p:blipFill>
-          <a:blip r:embed="rId2">
-            <a:extLst/>
-          </a:blip>
-          <a:stretch>
-            <a:fillRect/>
-          </a:stretch>
-        </p:blipFill>
-        <p:spPr>
-          <a:xfrm>
-            <a:off x="650922" y="4270915"/>
-            <a:ext cx="992495" cy="468848"/>
-          </a:xfrm>
-          <a:prstGeom prst="rect">
-            <a:avLst/>
-          </a:prstGeom>
-          <a:ln w="12700">
-            <a:miter lim="400000"/>
-          </a:ln>
-        </p:spPr>
-      </p:pic>
-      <p:pic>
-        <p:nvPicPr>
-          <p:cNvPr id="653" name="Unknown.png" descr="Unknown.png"/>
-          <p:cNvPicPr>
-            <a:picLocks noChangeAspect="1"/>
-          </p:cNvPicPr>
-          <p:nvPr/>
-        </p:nvPicPr>
-        <p:blipFill>
-          <a:blip r:embed="rId2">
-            <a:extLst/>
-          </a:blip>
-          <a:stretch>
-            <a:fillRect/>
-          </a:stretch>
-        </p:blipFill>
-        <p:spPr>
-          <a:xfrm>
-            <a:off x="650922" y="3529882"/>
-            <a:ext cx="992495" cy="468848"/>
-          </a:xfrm>
-          <a:prstGeom prst="rect">
-            <a:avLst/>
-          </a:prstGeom>
-          <a:ln w="12700">
-            <a:miter lim="400000"/>
-          </a:ln>
-        </p:spPr>
-      </p:pic>
-      <p:pic>
-        <p:nvPicPr>
-          <p:cNvPr id="654" name="CrossCheck_logo.jpg" descr="CrossCheck_logo.jpg"/>
-          <p:cNvPicPr>
-            <a:picLocks noChangeAspect="1"/>
-          </p:cNvPicPr>
-          <p:nvPr/>
-        </p:nvPicPr>
-        <p:blipFill>
-          <a:blip r:embed="rId3">
-            <a:extLst/>
-          </a:blip>
-          <a:stretch>
-            <a:fillRect/>
-          </a:stretch>
-        </p:blipFill>
-        <p:spPr>
-          <a:xfrm>
-            <a:off x="10085509" y="283554"/>
-            <a:ext cx="1492399" cy="256196"/>
-          </a:xfrm>
-          <a:prstGeom prst="rect">
-            <a:avLst/>
-          </a:prstGeom>
-          <a:ln w="12700">
-            <a:miter lim="400000"/>
-          </a:ln>
-        </p:spPr>
-      </p:pic>
-      <p:sp>
-        <p:nvSpPr>
-          <p:cNvPr id="655" name="Should give the SAME on CPU and GPU!"/>
-          <p:cNvSpPr txBox="1"/>
-          <p:nvPr/>
-        </p:nvSpPr>
-        <p:spPr>
-          <a:xfrm>
-            <a:off x="10126449" y="568277"/>
-            <a:ext cx="1410519" cy="300231"/>
-          </a:xfrm>
-          <a:prstGeom prst="rect">
-            <a:avLst/>
-          </a:prstGeom>
-          <a:ln w="12700">
-            <a:miter lim="400000"/>
-          </a:ln>
-          <a:extLst>
-            <a:ext uri="{C572A759-6A51-4108-AA02-DFA0A04FC94B}">
-              <ma14:wrappingTextBoxFlag xmlns:ma14="http://schemas.microsoft.com/office/mac/drawingml/2011/main" val="1"/>
-            </a:ext>
-          </a:extLst>
-        </p:spPr>
-        <p:txBody>
-          <a:bodyPr wrap="none" lIns="0" tIns="0" rIns="0" bIns="0">
-            <a:spAutoFit/>
-          </a:bodyPr>
-          <a:lstStyle/>
-          <a:p>
-            <a:pPr>
-              <a:defRPr sz="1100"/>
-            </a:pPr>
-            <a:r>
-              <a:t>Should give the SAME</a:t>
-            </a:r>
-            <a:br/>
-            <a:r>
-              <a:t>on CPU and GPU!</a:t>
-            </a:r>
-          </a:p>
-        </p:txBody>
-      </p:sp>
     </p:spTree>
   </p:cSld>
   <p:clrMapOvr>
